--- a/ppt/ch02.pptx
+++ b/ppt/ch02.pptx
@@ -162,6 +162,36 @@
       </a:defRPr>
     </a:lvl9pPr>
   </p:defaultTextStyle>
+  <p:extLst>
+    <p:ext uri="{EFAFB233-063F-42B5-8137-9DF3F51BA10A}">
+      <p15:sldGuideLst xmlns:p15="http://schemas.microsoft.com/office/powerpoint/2012/main">
+        <p15:guide id="1" orient="horz" pos="2160">
+          <p15:clr>
+            <a:srgbClr val="A4A3A4"/>
+          </p15:clr>
+        </p15:guide>
+        <p15:guide id="2" pos="2880">
+          <p15:clr>
+            <a:srgbClr val="A4A3A4"/>
+          </p15:clr>
+        </p15:guide>
+      </p15:sldGuideLst>
+    </p:ext>
+    <p:ext uri="{2D200454-40CA-4A62-9FC3-DE9A4176ACB9}">
+      <p15:notesGuideLst xmlns:p15="http://schemas.microsoft.com/office/powerpoint/2012/main">
+        <p15:guide id="1" orient="horz" pos="2880">
+          <p15:clr>
+            <a:srgbClr val="A4A3A4"/>
+          </p15:clr>
+        </p15:guide>
+        <p15:guide id="2" pos="2160">
+          <p15:clr>
+            <a:srgbClr val="A4A3A4"/>
+          </p15:clr>
+        </p15:guide>
+      </p15:notesGuideLst>
+    </p:ext>
+  </p:extLst>
 </p:presentation>
 </file>
 
@@ -247,7 +277,7 @@
           <a:p>
             <a:fld id="{05AC925C-6EC7-45B8-BC25-BACBC8AC586B}" type="datetimeFigureOut">
               <a:rPr lang="ko-KR" altLang="en-US" smtClean="0"/>
-              <a:t>2021-01-25</a:t>
+              <a:t>2025-03-02</a:t>
             </a:fld>
             <a:endParaRPr lang="ko-KR" altLang="en-US"/>
           </a:p>
@@ -311,38 +341,37 @@
           <a:p>
             <a:pPr lvl="0"/>
             <a:r>
-              <a:rPr lang="ko-KR" altLang="en-US" smtClean="0"/>
+              <a:rPr lang="ko-KR" altLang="en-US"/>
               <a:t>마스터 텍스트 스타일을 편집합니다</a:t>
             </a:r>
           </a:p>
           <a:p>
             <a:pPr lvl="1"/>
             <a:r>
-              <a:rPr lang="ko-KR" altLang="en-US" smtClean="0"/>
+              <a:rPr lang="ko-KR" altLang="en-US"/>
               <a:t>둘째 수준</a:t>
             </a:r>
           </a:p>
           <a:p>
             <a:pPr lvl="2"/>
             <a:r>
-              <a:rPr lang="ko-KR" altLang="en-US" smtClean="0"/>
+              <a:rPr lang="ko-KR" altLang="en-US"/>
               <a:t>셋째 수준</a:t>
             </a:r>
           </a:p>
           <a:p>
             <a:pPr lvl="3"/>
             <a:r>
-              <a:rPr lang="ko-KR" altLang="en-US" smtClean="0"/>
+              <a:rPr lang="ko-KR" altLang="en-US"/>
               <a:t>넷째 수준</a:t>
             </a:r>
           </a:p>
           <a:p>
             <a:pPr lvl="4"/>
             <a:r>
-              <a:rPr lang="ko-KR" altLang="en-US" smtClean="0"/>
+              <a:rPr lang="ko-KR" altLang="en-US"/>
               <a:t>다섯째 수준</a:t>
             </a:r>
-            <a:endParaRPr lang="ko-KR" altLang="en-US"/>
           </a:p>
         </p:txBody>
       </p:sp>
@@ -553,10 +582,9 @@
           <a:lstStyle/>
           <a:p>
             <a:r>
-              <a:rPr lang="ko-KR" altLang="en-US" smtClean="0"/>
+              <a:rPr lang="ko-KR" altLang="en-US"/>
               <a:t>마스터 제목 스타일 편집</a:t>
             </a:r>
-            <a:endParaRPr lang="ko-KR" altLang="en-US"/>
           </a:p>
         </p:txBody>
       </p:sp>
@@ -672,10 +700,9 @@
           </a:lstStyle>
           <a:p>
             <a:r>
-              <a:rPr lang="ko-KR" altLang="en-US" smtClean="0"/>
+              <a:rPr lang="ko-KR" altLang="en-US"/>
               <a:t>마스터 부제목 스타일 편집</a:t>
             </a:r>
-            <a:endParaRPr lang="ko-KR" altLang="en-US"/>
           </a:p>
         </p:txBody>
       </p:sp>
@@ -696,7 +723,7 @@
           <a:p>
             <a:fld id="{4B144819-F421-4007-B677-1E6B37341A38}" type="datetimeFigureOut">
               <a:rPr lang="ko-KR" altLang="en-US" smtClean="0"/>
-              <a:t>2021-01-25</a:t>
+              <a:t>2025-03-02</a:t>
             </a:fld>
             <a:endParaRPr lang="ko-KR" altLang="en-US"/>
           </a:p>
@@ -790,10 +817,9 @@
           <a:lstStyle/>
           <a:p>
             <a:r>
-              <a:rPr lang="ko-KR" altLang="en-US" smtClean="0"/>
+              <a:rPr lang="ko-KR" altLang="en-US"/>
               <a:t>마스터 제목 스타일 편집</a:t>
             </a:r>
-            <a:endParaRPr lang="ko-KR" altLang="en-US"/>
           </a:p>
         </p:txBody>
       </p:sp>
@@ -814,38 +840,37 @@
           <a:p>
             <a:pPr lvl="0"/>
             <a:r>
-              <a:rPr lang="ko-KR" altLang="en-US" smtClean="0"/>
+              <a:rPr lang="ko-KR" altLang="en-US"/>
               <a:t>마스터 텍스트 스타일을 편집합니다</a:t>
             </a:r>
           </a:p>
           <a:p>
             <a:pPr lvl="1"/>
             <a:r>
-              <a:rPr lang="ko-KR" altLang="en-US" smtClean="0"/>
+              <a:rPr lang="ko-KR" altLang="en-US"/>
               <a:t>둘째 수준</a:t>
             </a:r>
           </a:p>
           <a:p>
             <a:pPr lvl="2"/>
             <a:r>
-              <a:rPr lang="ko-KR" altLang="en-US" smtClean="0"/>
+              <a:rPr lang="ko-KR" altLang="en-US"/>
               <a:t>셋째 수준</a:t>
             </a:r>
           </a:p>
           <a:p>
             <a:pPr lvl="3"/>
             <a:r>
-              <a:rPr lang="ko-KR" altLang="en-US" smtClean="0"/>
+              <a:rPr lang="ko-KR" altLang="en-US"/>
               <a:t>넷째 수준</a:t>
             </a:r>
           </a:p>
           <a:p>
             <a:pPr lvl="4"/>
             <a:r>
-              <a:rPr lang="ko-KR" altLang="en-US" smtClean="0"/>
+              <a:rPr lang="ko-KR" altLang="en-US"/>
               <a:t>다섯째 수준</a:t>
             </a:r>
-            <a:endParaRPr lang="ko-KR" altLang="en-US"/>
           </a:p>
         </p:txBody>
       </p:sp>
@@ -866,7 +891,7 @@
           <a:p>
             <a:fld id="{4B144819-F421-4007-B677-1E6B37341A38}" type="datetimeFigureOut">
               <a:rPr lang="ko-KR" altLang="en-US" smtClean="0"/>
-              <a:t>2021-01-25</a:t>
+              <a:t>2025-03-02</a:t>
             </a:fld>
             <a:endParaRPr lang="ko-KR" altLang="en-US"/>
           </a:p>
@@ -965,10 +990,9 @@
           <a:lstStyle/>
           <a:p>
             <a:r>
-              <a:rPr lang="ko-KR" altLang="en-US" smtClean="0"/>
+              <a:rPr lang="ko-KR" altLang="en-US"/>
               <a:t>마스터 제목 스타일 편집</a:t>
             </a:r>
-            <a:endParaRPr lang="ko-KR" altLang="en-US"/>
           </a:p>
         </p:txBody>
       </p:sp>
@@ -994,38 +1018,37 @@
           <a:p>
             <a:pPr lvl="0"/>
             <a:r>
-              <a:rPr lang="ko-KR" altLang="en-US" smtClean="0"/>
+              <a:rPr lang="ko-KR" altLang="en-US"/>
               <a:t>마스터 텍스트 스타일을 편집합니다</a:t>
             </a:r>
           </a:p>
           <a:p>
             <a:pPr lvl="1"/>
             <a:r>
-              <a:rPr lang="ko-KR" altLang="en-US" smtClean="0"/>
+              <a:rPr lang="ko-KR" altLang="en-US"/>
               <a:t>둘째 수준</a:t>
             </a:r>
           </a:p>
           <a:p>
             <a:pPr lvl="2"/>
             <a:r>
-              <a:rPr lang="ko-KR" altLang="en-US" smtClean="0"/>
+              <a:rPr lang="ko-KR" altLang="en-US"/>
               <a:t>셋째 수준</a:t>
             </a:r>
           </a:p>
           <a:p>
             <a:pPr lvl="3"/>
             <a:r>
-              <a:rPr lang="ko-KR" altLang="en-US" smtClean="0"/>
+              <a:rPr lang="ko-KR" altLang="en-US"/>
               <a:t>넷째 수준</a:t>
             </a:r>
           </a:p>
           <a:p>
             <a:pPr lvl="4"/>
             <a:r>
-              <a:rPr lang="ko-KR" altLang="en-US" smtClean="0"/>
+              <a:rPr lang="ko-KR" altLang="en-US"/>
               <a:t>다섯째 수준</a:t>
             </a:r>
-            <a:endParaRPr lang="ko-KR" altLang="en-US"/>
           </a:p>
         </p:txBody>
       </p:sp>
@@ -1046,7 +1069,7 @@
           <a:p>
             <a:fld id="{4B144819-F421-4007-B677-1E6B37341A38}" type="datetimeFigureOut">
               <a:rPr lang="ko-KR" altLang="en-US" smtClean="0"/>
-              <a:t>2021-01-25</a:t>
+              <a:t>2025-03-02</a:t>
             </a:fld>
             <a:endParaRPr lang="ko-KR" altLang="en-US"/>
           </a:p>
@@ -1140,10 +1163,9 @@
           <a:lstStyle/>
           <a:p>
             <a:r>
-              <a:rPr lang="ko-KR" altLang="en-US" smtClean="0"/>
+              <a:rPr lang="ko-KR" altLang="en-US"/>
               <a:t>마스터 제목 스타일 편집</a:t>
             </a:r>
-            <a:endParaRPr lang="ko-KR" altLang="en-US"/>
           </a:p>
         </p:txBody>
       </p:sp>
@@ -1164,38 +1186,37 @@
           <a:p>
             <a:pPr lvl="0"/>
             <a:r>
-              <a:rPr lang="ko-KR" altLang="en-US" smtClean="0"/>
+              <a:rPr lang="ko-KR" altLang="en-US"/>
               <a:t>마스터 텍스트 스타일을 편집합니다</a:t>
             </a:r>
           </a:p>
           <a:p>
             <a:pPr lvl="1"/>
             <a:r>
-              <a:rPr lang="ko-KR" altLang="en-US" smtClean="0"/>
+              <a:rPr lang="ko-KR" altLang="en-US"/>
               <a:t>둘째 수준</a:t>
             </a:r>
           </a:p>
           <a:p>
             <a:pPr lvl="2"/>
             <a:r>
-              <a:rPr lang="ko-KR" altLang="en-US" smtClean="0"/>
+              <a:rPr lang="ko-KR" altLang="en-US"/>
               <a:t>셋째 수준</a:t>
             </a:r>
           </a:p>
           <a:p>
             <a:pPr lvl="3"/>
             <a:r>
-              <a:rPr lang="ko-KR" altLang="en-US" smtClean="0"/>
+              <a:rPr lang="ko-KR" altLang="en-US"/>
               <a:t>넷째 수준</a:t>
             </a:r>
           </a:p>
           <a:p>
             <a:pPr lvl="4"/>
             <a:r>
-              <a:rPr lang="ko-KR" altLang="en-US" smtClean="0"/>
+              <a:rPr lang="ko-KR" altLang="en-US"/>
               <a:t>다섯째 수준</a:t>
             </a:r>
-            <a:endParaRPr lang="ko-KR" altLang="en-US"/>
           </a:p>
         </p:txBody>
       </p:sp>
@@ -1216,7 +1237,7 @@
           <a:p>
             <a:fld id="{4B144819-F421-4007-B677-1E6B37341A38}" type="datetimeFigureOut">
               <a:rPr lang="ko-KR" altLang="en-US" smtClean="0"/>
-              <a:t>2021-01-25</a:t>
+              <a:t>2025-03-02</a:t>
             </a:fld>
             <a:endParaRPr lang="ko-KR" altLang="en-US"/>
           </a:p>
@@ -1319,10 +1340,9 @@
           </a:lstStyle>
           <a:p>
             <a:r>
-              <a:rPr lang="ko-KR" altLang="en-US" smtClean="0"/>
+              <a:rPr lang="ko-KR" altLang="en-US"/>
               <a:t>마스터 제목 스타일 편집</a:t>
             </a:r>
-            <a:endParaRPr lang="ko-KR" altLang="en-US"/>
           </a:p>
         </p:txBody>
       </p:sp>
@@ -1439,7 +1459,7 @@
           <a:p>
             <a:pPr lvl="0"/>
             <a:r>
-              <a:rPr lang="ko-KR" altLang="en-US" smtClean="0"/>
+              <a:rPr lang="ko-KR" altLang="en-US"/>
               <a:t>마스터 텍스트 스타일을 편집합니다</a:t>
             </a:r>
           </a:p>
@@ -1462,7 +1482,7 @@
           <a:p>
             <a:fld id="{4B144819-F421-4007-B677-1E6B37341A38}" type="datetimeFigureOut">
               <a:rPr lang="ko-KR" altLang="en-US" smtClean="0"/>
-              <a:t>2021-01-25</a:t>
+              <a:t>2025-03-02</a:t>
             </a:fld>
             <a:endParaRPr lang="ko-KR" altLang="en-US"/>
           </a:p>
@@ -1556,10 +1576,9 @@
           <a:lstStyle/>
           <a:p>
             <a:r>
-              <a:rPr lang="ko-KR" altLang="en-US" smtClean="0"/>
+              <a:rPr lang="ko-KR" altLang="en-US"/>
               <a:t>마스터 제목 스타일 편집</a:t>
             </a:r>
-            <a:endParaRPr lang="ko-KR" altLang="en-US"/>
           </a:p>
         </p:txBody>
       </p:sp>
@@ -1613,38 +1632,37 @@
           <a:p>
             <a:pPr lvl="0"/>
             <a:r>
-              <a:rPr lang="ko-KR" altLang="en-US" smtClean="0"/>
+              <a:rPr lang="ko-KR" altLang="en-US"/>
               <a:t>마스터 텍스트 스타일을 편집합니다</a:t>
             </a:r>
           </a:p>
           <a:p>
             <a:pPr lvl="1"/>
             <a:r>
-              <a:rPr lang="ko-KR" altLang="en-US" smtClean="0"/>
+              <a:rPr lang="ko-KR" altLang="en-US"/>
               <a:t>둘째 수준</a:t>
             </a:r>
           </a:p>
           <a:p>
             <a:pPr lvl="2"/>
             <a:r>
-              <a:rPr lang="ko-KR" altLang="en-US" smtClean="0"/>
+              <a:rPr lang="ko-KR" altLang="en-US"/>
               <a:t>셋째 수준</a:t>
             </a:r>
           </a:p>
           <a:p>
             <a:pPr lvl="3"/>
             <a:r>
-              <a:rPr lang="ko-KR" altLang="en-US" smtClean="0"/>
+              <a:rPr lang="ko-KR" altLang="en-US"/>
               <a:t>넷째 수준</a:t>
             </a:r>
           </a:p>
           <a:p>
             <a:pPr lvl="4"/>
             <a:r>
-              <a:rPr lang="ko-KR" altLang="en-US" smtClean="0"/>
+              <a:rPr lang="ko-KR" altLang="en-US"/>
               <a:t>다섯째 수준</a:t>
             </a:r>
-            <a:endParaRPr lang="ko-KR" altLang="en-US"/>
           </a:p>
         </p:txBody>
       </p:sp>
@@ -1698,38 +1716,37 @@
           <a:p>
             <a:pPr lvl="0"/>
             <a:r>
-              <a:rPr lang="ko-KR" altLang="en-US" smtClean="0"/>
+              <a:rPr lang="ko-KR" altLang="en-US"/>
               <a:t>마스터 텍스트 스타일을 편집합니다</a:t>
             </a:r>
           </a:p>
           <a:p>
             <a:pPr lvl="1"/>
             <a:r>
-              <a:rPr lang="ko-KR" altLang="en-US" smtClean="0"/>
+              <a:rPr lang="ko-KR" altLang="en-US"/>
               <a:t>둘째 수준</a:t>
             </a:r>
           </a:p>
           <a:p>
             <a:pPr lvl="2"/>
             <a:r>
-              <a:rPr lang="ko-KR" altLang="en-US" smtClean="0"/>
+              <a:rPr lang="ko-KR" altLang="en-US"/>
               <a:t>셋째 수준</a:t>
             </a:r>
           </a:p>
           <a:p>
             <a:pPr lvl="3"/>
             <a:r>
-              <a:rPr lang="ko-KR" altLang="en-US" smtClean="0"/>
+              <a:rPr lang="ko-KR" altLang="en-US"/>
               <a:t>넷째 수준</a:t>
             </a:r>
           </a:p>
           <a:p>
             <a:pPr lvl="4"/>
             <a:r>
-              <a:rPr lang="ko-KR" altLang="en-US" smtClean="0"/>
+              <a:rPr lang="ko-KR" altLang="en-US"/>
               <a:t>다섯째 수준</a:t>
             </a:r>
-            <a:endParaRPr lang="ko-KR" altLang="en-US"/>
           </a:p>
         </p:txBody>
       </p:sp>
@@ -1750,7 +1767,7 @@
           <a:p>
             <a:fld id="{4B144819-F421-4007-B677-1E6B37341A38}" type="datetimeFigureOut">
               <a:rPr lang="ko-KR" altLang="en-US" smtClean="0"/>
-              <a:t>2021-01-25</a:t>
+              <a:t>2025-03-02</a:t>
             </a:fld>
             <a:endParaRPr lang="ko-KR" altLang="en-US"/>
           </a:p>
@@ -1848,10 +1865,9 @@
           </a:lstStyle>
           <a:p>
             <a:r>
-              <a:rPr lang="ko-KR" altLang="en-US" smtClean="0"/>
+              <a:rPr lang="ko-KR" altLang="en-US"/>
               <a:t>마스터 제목 스타일 편집</a:t>
             </a:r>
-            <a:endParaRPr lang="ko-KR" altLang="en-US"/>
           </a:p>
         </p:txBody>
       </p:sp>
@@ -1914,7 +1930,7 @@
           <a:p>
             <a:pPr lvl="0"/>
             <a:r>
-              <a:rPr lang="ko-KR" altLang="en-US" smtClean="0"/>
+              <a:rPr lang="ko-KR" altLang="en-US"/>
               <a:t>마스터 텍스트 스타일을 편집합니다</a:t>
             </a:r>
           </a:p>
@@ -1970,38 +1986,37 @@
           <a:p>
             <a:pPr lvl="0"/>
             <a:r>
-              <a:rPr lang="ko-KR" altLang="en-US" smtClean="0"/>
+              <a:rPr lang="ko-KR" altLang="en-US"/>
               <a:t>마스터 텍스트 스타일을 편집합니다</a:t>
             </a:r>
           </a:p>
           <a:p>
             <a:pPr lvl="1"/>
             <a:r>
-              <a:rPr lang="ko-KR" altLang="en-US" smtClean="0"/>
+              <a:rPr lang="ko-KR" altLang="en-US"/>
               <a:t>둘째 수준</a:t>
             </a:r>
           </a:p>
           <a:p>
             <a:pPr lvl="2"/>
             <a:r>
-              <a:rPr lang="ko-KR" altLang="en-US" smtClean="0"/>
+              <a:rPr lang="ko-KR" altLang="en-US"/>
               <a:t>셋째 수준</a:t>
             </a:r>
           </a:p>
           <a:p>
             <a:pPr lvl="3"/>
             <a:r>
-              <a:rPr lang="ko-KR" altLang="en-US" smtClean="0"/>
+              <a:rPr lang="ko-KR" altLang="en-US"/>
               <a:t>넷째 수준</a:t>
             </a:r>
           </a:p>
           <a:p>
             <a:pPr lvl="4"/>
             <a:r>
-              <a:rPr lang="ko-KR" altLang="en-US" smtClean="0"/>
+              <a:rPr lang="ko-KR" altLang="en-US"/>
               <a:t>다섯째 수준</a:t>
             </a:r>
-            <a:endParaRPr lang="ko-KR" altLang="en-US"/>
           </a:p>
         </p:txBody>
       </p:sp>
@@ -2064,7 +2079,7 @@
           <a:p>
             <a:pPr lvl="0"/>
             <a:r>
-              <a:rPr lang="ko-KR" altLang="en-US" smtClean="0"/>
+              <a:rPr lang="ko-KR" altLang="en-US"/>
               <a:t>마스터 텍스트 스타일을 편집합니다</a:t>
             </a:r>
           </a:p>
@@ -2120,38 +2135,37 @@
           <a:p>
             <a:pPr lvl="0"/>
             <a:r>
-              <a:rPr lang="ko-KR" altLang="en-US" smtClean="0"/>
+              <a:rPr lang="ko-KR" altLang="en-US"/>
               <a:t>마스터 텍스트 스타일을 편집합니다</a:t>
             </a:r>
           </a:p>
           <a:p>
             <a:pPr lvl="1"/>
             <a:r>
-              <a:rPr lang="ko-KR" altLang="en-US" smtClean="0"/>
+              <a:rPr lang="ko-KR" altLang="en-US"/>
               <a:t>둘째 수준</a:t>
             </a:r>
           </a:p>
           <a:p>
             <a:pPr lvl="2"/>
             <a:r>
-              <a:rPr lang="ko-KR" altLang="en-US" smtClean="0"/>
+              <a:rPr lang="ko-KR" altLang="en-US"/>
               <a:t>셋째 수준</a:t>
             </a:r>
           </a:p>
           <a:p>
             <a:pPr lvl="3"/>
             <a:r>
-              <a:rPr lang="ko-KR" altLang="en-US" smtClean="0"/>
+              <a:rPr lang="ko-KR" altLang="en-US"/>
               <a:t>넷째 수준</a:t>
             </a:r>
           </a:p>
           <a:p>
             <a:pPr lvl="4"/>
             <a:r>
-              <a:rPr lang="ko-KR" altLang="en-US" smtClean="0"/>
+              <a:rPr lang="ko-KR" altLang="en-US"/>
               <a:t>다섯째 수준</a:t>
             </a:r>
-            <a:endParaRPr lang="ko-KR" altLang="en-US"/>
           </a:p>
         </p:txBody>
       </p:sp>
@@ -2172,7 +2186,7 @@
           <a:p>
             <a:fld id="{4B144819-F421-4007-B677-1E6B37341A38}" type="datetimeFigureOut">
               <a:rPr lang="ko-KR" altLang="en-US" smtClean="0"/>
-              <a:t>2021-01-25</a:t>
+              <a:t>2025-03-02</a:t>
             </a:fld>
             <a:endParaRPr lang="ko-KR" altLang="en-US"/>
           </a:p>
@@ -2266,10 +2280,9 @@
           <a:lstStyle/>
           <a:p>
             <a:r>
-              <a:rPr lang="ko-KR" altLang="en-US" smtClean="0"/>
+              <a:rPr lang="ko-KR" altLang="en-US"/>
               <a:t>마스터 제목 스타일 편집</a:t>
             </a:r>
-            <a:endParaRPr lang="ko-KR" altLang="en-US"/>
           </a:p>
         </p:txBody>
       </p:sp>
@@ -2290,7 +2303,7 @@
           <a:p>
             <a:fld id="{4B144819-F421-4007-B677-1E6B37341A38}" type="datetimeFigureOut">
               <a:rPr lang="ko-KR" altLang="en-US" smtClean="0"/>
-              <a:t>2021-01-25</a:t>
+              <a:t>2025-03-02</a:t>
             </a:fld>
             <a:endParaRPr lang="ko-KR" altLang="en-US"/>
           </a:p>
@@ -2385,7 +2398,7 @@
           <a:p>
             <a:fld id="{4B144819-F421-4007-B677-1E6B37341A38}" type="datetimeFigureOut">
               <a:rPr lang="ko-KR" altLang="en-US" smtClean="0"/>
-              <a:t>2021-01-25</a:t>
+              <a:t>2025-03-02</a:t>
             </a:fld>
             <a:endParaRPr lang="ko-KR" altLang="en-US"/>
           </a:p>
@@ -2488,10 +2501,9 @@
           </a:lstStyle>
           <a:p>
             <a:r>
-              <a:rPr lang="ko-KR" altLang="en-US" smtClean="0"/>
+              <a:rPr lang="ko-KR" altLang="en-US"/>
               <a:t>마스터 제목 스타일 편집</a:t>
             </a:r>
-            <a:endParaRPr lang="ko-KR" altLang="en-US"/>
           </a:p>
         </p:txBody>
       </p:sp>
@@ -2545,38 +2557,37 @@
           <a:p>
             <a:pPr lvl="0"/>
             <a:r>
-              <a:rPr lang="ko-KR" altLang="en-US" smtClean="0"/>
+              <a:rPr lang="ko-KR" altLang="en-US"/>
               <a:t>마스터 텍스트 스타일을 편집합니다</a:t>
             </a:r>
           </a:p>
           <a:p>
             <a:pPr lvl="1"/>
             <a:r>
-              <a:rPr lang="ko-KR" altLang="en-US" smtClean="0"/>
+              <a:rPr lang="ko-KR" altLang="en-US"/>
               <a:t>둘째 수준</a:t>
             </a:r>
           </a:p>
           <a:p>
             <a:pPr lvl="2"/>
             <a:r>
-              <a:rPr lang="ko-KR" altLang="en-US" smtClean="0"/>
+              <a:rPr lang="ko-KR" altLang="en-US"/>
               <a:t>셋째 수준</a:t>
             </a:r>
           </a:p>
           <a:p>
             <a:pPr lvl="3"/>
             <a:r>
-              <a:rPr lang="ko-KR" altLang="en-US" smtClean="0"/>
+              <a:rPr lang="ko-KR" altLang="en-US"/>
               <a:t>넷째 수준</a:t>
             </a:r>
           </a:p>
           <a:p>
             <a:pPr lvl="4"/>
             <a:r>
-              <a:rPr lang="ko-KR" altLang="en-US" smtClean="0"/>
+              <a:rPr lang="ko-KR" altLang="en-US"/>
               <a:t>다섯째 수준</a:t>
             </a:r>
-            <a:endParaRPr lang="ko-KR" altLang="en-US"/>
           </a:p>
         </p:txBody>
       </p:sp>
@@ -2639,7 +2650,7 @@
           <a:p>
             <a:pPr lvl="0"/>
             <a:r>
-              <a:rPr lang="ko-KR" altLang="en-US" smtClean="0"/>
+              <a:rPr lang="ko-KR" altLang="en-US"/>
               <a:t>마스터 텍스트 스타일을 편집합니다</a:t>
             </a:r>
           </a:p>
@@ -2662,7 +2673,7 @@
           <a:p>
             <a:fld id="{4B144819-F421-4007-B677-1E6B37341A38}" type="datetimeFigureOut">
               <a:rPr lang="ko-KR" altLang="en-US" smtClean="0"/>
-              <a:t>2021-01-25</a:t>
+              <a:t>2025-03-02</a:t>
             </a:fld>
             <a:endParaRPr lang="ko-KR" altLang="en-US"/>
           </a:p>
@@ -2765,10 +2776,9 @@
           </a:lstStyle>
           <a:p>
             <a:r>
-              <a:rPr lang="ko-KR" altLang="en-US" smtClean="0"/>
+              <a:rPr lang="ko-KR" altLang="en-US"/>
               <a:t>마스터 제목 스타일 편집</a:t>
             </a:r>
-            <a:endParaRPr lang="ko-KR" altLang="en-US"/>
           </a:p>
         </p:txBody>
       </p:sp>
@@ -2892,7 +2902,7 @@
           <a:p>
             <a:pPr lvl="0"/>
             <a:r>
-              <a:rPr lang="ko-KR" altLang="en-US" smtClean="0"/>
+              <a:rPr lang="ko-KR" altLang="en-US"/>
               <a:t>마스터 텍스트 스타일을 편집합니다</a:t>
             </a:r>
           </a:p>
@@ -2915,7 +2925,7 @@
           <a:p>
             <a:fld id="{4B144819-F421-4007-B677-1E6B37341A38}" type="datetimeFigureOut">
               <a:rPr lang="ko-KR" altLang="en-US" smtClean="0"/>
-              <a:t>2021-01-25</a:t>
+              <a:t>2025-03-02</a:t>
             </a:fld>
             <a:endParaRPr lang="ko-KR" altLang="en-US"/>
           </a:p>
@@ -3024,10 +3034,9 @@
           <a:lstStyle/>
           <a:p>
             <a:r>
-              <a:rPr lang="ko-KR" altLang="en-US" dirty="0" smtClean="0"/>
+              <a:rPr lang="ko-KR" altLang="en-US" dirty="0"/>
               <a:t>마스터 제목 스타일 편집</a:t>
             </a:r>
-            <a:endParaRPr lang="ko-KR" altLang="en-US" dirty="0"/>
           </a:p>
         </p:txBody>
       </p:sp>
@@ -3058,38 +3067,37 @@
           <a:p>
             <a:pPr lvl="0"/>
             <a:r>
-              <a:rPr lang="ko-KR" altLang="en-US" dirty="0" smtClean="0"/>
+              <a:rPr lang="ko-KR" altLang="en-US" dirty="0"/>
               <a:t>마스터 텍스트 스타일을 편집합니다</a:t>
             </a:r>
           </a:p>
           <a:p>
             <a:pPr lvl="1"/>
             <a:r>
-              <a:rPr lang="ko-KR" altLang="en-US" dirty="0" smtClean="0"/>
+              <a:rPr lang="ko-KR" altLang="en-US" dirty="0"/>
               <a:t>둘째 수준</a:t>
             </a:r>
           </a:p>
           <a:p>
             <a:pPr lvl="2"/>
             <a:r>
-              <a:rPr lang="ko-KR" altLang="en-US" dirty="0" smtClean="0"/>
+              <a:rPr lang="ko-KR" altLang="en-US" dirty="0"/>
               <a:t>셋째 수준</a:t>
             </a:r>
           </a:p>
           <a:p>
             <a:pPr lvl="3"/>
             <a:r>
-              <a:rPr lang="ko-KR" altLang="en-US" dirty="0" smtClean="0"/>
+              <a:rPr lang="ko-KR" altLang="en-US" dirty="0"/>
               <a:t>넷째 수준</a:t>
             </a:r>
           </a:p>
           <a:p>
             <a:pPr lvl="4"/>
             <a:r>
-              <a:rPr lang="ko-KR" altLang="en-US" dirty="0" smtClean="0"/>
+              <a:rPr lang="ko-KR" altLang="en-US" dirty="0"/>
               <a:t>다섯째 수준</a:t>
             </a:r>
-            <a:endParaRPr lang="ko-KR" altLang="en-US" dirty="0"/>
           </a:p>
         </p:txBody>
       </p:sp>
@@ -3128,7 +3136,7 @@
           <a:p>
             <a:fld id="{4B144819-F421-4007-B677-1E6B37341A38}" type="datetimeFigureOut">
               <a:rPr lang="ko-KR" altLang="en-US" smtClean="0"/>
-              <a:t>2021-01-25</a:t>
+              <a:t>2025-03-02</a:t>
             </a:fld>
             <a:endParaRPr lang="ko-KR" altLang="en-US"/>
           </a:p>
@@ -3769,13 +3777,6 @@
   <p:clrMapOvr>
     <a:masterClrMapping/>
   </p:clrMapOvr>
-  <p:timing>
-    <p:tnLst>
-      <p:par>
-        <p:cTn id="1" dur="indefinite" restart="never" nodeType="tmRoot"/>
-      </p:par>
-    </p:tnLst>
-  </p:timing>
 </p:sld>
 </file>
 
@@ -3826,10 +3827,10 @@
               <a:buChar char="•"/>
             </a:pPr>
             <a:r>
-              <a:rPr lang="ko-KR" altLang="en-US" sz="2000" dirty="0" smtClean="0"/>
+              <a:rPr lang="ko-KR" altLang="en-US" sz="2000" dirty="0"/>
               <a:t>중앙값은 데이터를 크기 순서대로 나열할 때 정확히 중앙에 위치한 값</a:t>
             </a:r>
-            <a:endParaRPr lang="en-US" altLang="ko-KR" sz="2000" dirty="0" smtClean="0"/>
+            <a:endParaRPr lang="en-US" altLang="ko-KR" sz="2000" dirty="0"/>
           </a:p>
           <a:p>
             <a:pPr>
@@ -3838,22 +3839,22 @@
               </a:lnSpc>
             </a:pPr>
             <a:r>
-              <a:rPr lang="ko-KR" altLang="en-US" sz="2000" dirty="0" smtClean="0"/>
+              <a:rPr lang="ko-KR" altLang="en-US" sz="2000" dirty="0"/>
               <a:t>    </a:t>
             </a:r>
             <a:r>
-              <a:rPr lang="en-US" altLang="ko-KR" sz="2000" dirty="0" smtClean="0"/>
+              <a:rPr lang="en-US" altLang="ko-KR" sz="2000" dirty="0"/>
               <a:t>- </a:t>
             </a:r>
             <a:r>
-              <a:rPr lang="ko-KR" altLang="en-US" sz="2000" dirty="0" err="1" smtClean="0"/>
+              <a:rPr lang="ko-KR" altLang="en-US" sz="2000" dirty="0" err="1"/>
               <a:t>이상값에</a:t>
             </a:r>
             <a:r>
-              <a:rPr lang="ko-KR" altLang="en-US" sz="2000" dirty="0" smtClean="0"/>
+              <a:rPr lang="ko-KR" altLang="en-US" sz="2000" dirty="0"/>
               <a:t> 영향을 덜 받음</a:t>
             </a:r>
-            <a:endParaRPr lang="en-US" altLang="ko-KR" sz="2000" dirty="0" smtClean="0"/>
+            <a:endParaRPr lang="en-US" altLang="ko-KR" sz="2000" dirty="0"/>
           </a:p>
         </p:txBody>
       </p:sp>
@@ -3914,7 +3915,7 @@
             <a:p>
               <a:pPr algn="r"/>
               <a:r>
-                <a:rPr lang="en-US" altLang="ko-KR" b="1" smtClean="0">
+                <a:rPr lang="en-US" altLang="ko-KR" b="1">
                   <a:solidFill>
                     <a:srgbClr val="5BC9BC"/>
                   </a:solidFill>
@@ -3922,7 +3923,7 @@
                 <a:t>2.1 </a:t>
               </a:r>
               <a:r>
-                <a:rPr lang="ko-KR" altLang="en-US" b="1" smtClean="0">
+                <a:rPr lang="ko-KR" altLang="en-US" b="1">
                   <a:solidFill>
                     <a:schemeClr val="tx1"/>
                   </a:solidFill>
@@ -4025,7 +4026,7 @@
             <a:lstStyle/>
             <a:p>
               <a:r>
-                <a:rPr lang="en-US" altLang="ko-KR" sz="2000" b="1" smtClean="0">
+                <a:rPr lang="en-US" altLang="ko-KR" sz="2000" b="1">
                   <a:solidFill>
                     <a:srgbClr val="5BC9BC"/>
                   </a:solidFill>
@@ -4033,7 +4034,7 @@
                 <a:t>2.1.2 </a:t>
               </a:r>
               <a:r>
-                <a:rPr lang="ko-KR" altLang="en-US" sz="2000" b="1" smtClean="0">
+                <a:rPr lang="ko-KR" altLang="en-US" sz="2000" b="1">
                   <a:solidFill>
                     <a:srgbClr val="5BC9BC"/>
                   </a:solidFill>
@@ -4084,7 +4085,7 @@
                         <m:fPr>
                           <m:ctrlPr>
                             <a:rPr lang="en-US" altLang="ko-KR" sz="2400" i="1" smtClean="0">
-                              <a:latin typeface="Cambria Math"/>
+                              <a:latin typeface="Cambria Math" panose="02040503050406030204" pitchFamily="18" charset="0"/>
                             </a:rPr>
                           </m:ctrlPr>
                         </m:fPr>
@@ -4181,7 +4182,7 @@
         </p:blipFill>
         <p:spPr bwMode="auto">
           <a:xfrm>
-            <a:off x="323528" y="2148120"/>
+            <a:off x="323528" y="2140488"/>
             <a:ext cx="8280920" cy="1424896"/>
           </a:xfrm>
           <a:prstGeom prst="rect">
@@ -4236,13 +4237,8 @@
           <a:p>
             <a:r>
               <a:rPr lang="ko-KR" altLang="en-US" dirty="0"/>
-              <a:t>정렬 후 코드 작성 및 </a:t>
-            </a:r>
-            <a:r>
-              <a:rPr lang="ko-KR" altLang="en-US" dirty="0" smtClean="0"/>
-              <a:t>실행</a:t>
-            </a:r>
-            <a:endParaRPr lang="ko-KR" altLang="en-US" dirty="0"/>
+              <a:t>정렬 후 코드 작성 및 실행</a:t>
+            </a:r>
           </a:p>
         </p:txBody>
       </p:sp>
@@ -4343,13 +4339,6 @@
   <p:clrMapOvr>
     <a:masterClrMapping/>
   </p:clrMapOvr>
-  <p:timing>
-    <p:tnLst>
-      <p:par>
-        <p:cTn id="1" dur="indefinite" restart="never" nodeType="tmRoot"/>
-      </p:par>
-    </p:tnLst>
-  </p:timing>
 </p:sld>
 </file>
 
@@ -4393,38 +4382,38 @@
           <a:lstStyle/>
           <a:p>
             <a:r>
-              <a:rPr lang="en-US" altLang="ko-KR" sz="2000" dirty="0" smtClean="0"/>
+              <a:rPr lang="en-US" altLang="ko-KR" sz="2000" dirty="0"/>
               <a:t>    - </a:t>
             </a:r>
             <a:r>
-              <a:rPr lang="en-US" altLang="ko-KR" sz="2000" dirty="0" err="1" smtClean="0"/>
+              <a:rPr lang="en-US" altLang="ko-KR" sz="2000" dirty="0" err="1"/>
               <a:t>Numpy</a:t>
             </a:r>
             <a:r>
-              <a:rPr lang="en-US" altLang="ko-KR" sz="2000" dirty="0" smtClean="0"/>
+              <a:rPr lang="en-US" altLang="ko-KR" sz="2000" dirty="0"/>
               <a:t>, </a:t>
             </a:r>
             <a:r>
-              <a:rPr lang="en-US" altLang="ko-KR" sz="2000" dirty="0" err="1" smtClean="0"/>
+              <a:rPr lang="en-US" altLang="ko-KR" sz="2000" dirty="0" err="1"/>
               <a:t>DataFrame</a:t>
             </a:r>
             <a:r>
-              <a:rPr lang="en-US" altLang="ko-KR" sz="2000" dirty="0" smtClean="0"/>
+              <a:rPr lang="en-US" altLang="ko-KR" sz="2000" dirty="0"/>
               <a:t>, Series</a:t>
             </a:r>
             <a:r>
-              <a:rPr lang="ko-KR" altLang="en-US" sz="2000" dirty="0" smtClean="0"/>
+              <a:rPr lang="ko-KR" altLang="en-US" sz="2000" dirty="0"/>
               <a:t>의</a:t>
             </a:r>
-            <a:endParaRPr lang="en-US" altLang="ko-KR" sz="2000" dirty="0" smtClean="0"/>
-          </a:p>
-          <a:p>
-            <a:r>
-              <a:rPr lang="en-US" altLang="ko-KR" sz="2000" dirty="0" smtClean="0"/>
+            <a:endParaRPr lang="en-US" altLang="ko-KR" sz="2000" dirty="0"/>
+          </a:p>
+          <a:p>
+            <a:r>
+              <a:rPr lang="en-US" altLang="ko-KR" sz="2000" dirty="0"/>
               <a:t>      median </a:t>
             </a:r>
             <a:r>
-              <a:rPr lang="ko-KR" altLang="en-US" sz="2000" dirty="0" err="1" smtClean="0"/>
+              <a:rPr lang="ko-KR" altLang="en-US" sz="2000" dirty="0" err="1"/>
               <a:t>메서드</a:t>
             </a:r>
             <a:endParaRPr lang="ko-KR" altLang="en-US" sz="2000" dirty="0"/>
@@ -4488,7 +4477,7 @@
             <a:p>
               <a:pPr algn="r"/>
               <a:r>
-                <a:rPr lang="en-US" altLang="ko-KR" b="1" smtClean="0">
+                <a:rPr lang="en-US" altLang="ko-KR" b="1">
                   <a:solidFill>
                     <a:srgbClr val="5BC9BC"/>
                   </a:solidFill>
@@ -4496,7 +4485,7 @@
                 <a:t>2.1 </a:t>
               </a:r>
               <a:r>
-                <a:rPr lang="ko-KR" altLang="en-US" b="1" smtClean="0">
+                <a:rPr lang="ko-KR" altLang="en-US" b="1">
                   <a:solidFill>
                     <a:schemeClr val="tx1"/>
                   </a:solidFill>
@@ -4599,7 +4588,7 @@
             <a:lstStyle/>
             <a:p>
               <a:r>
-                <a:rPr lang="en-US" altLang="ko-KR" sz="2000" b="1" smtClean="0">
+                <a:rPr lang="en-US" altLang="ko-KR" sz="2000" b="1">
                   <a:solidFill>
                     <a:srgbClr val="5BC9BC"/>
                   </a:solidFill>
@@ -4607,7 +4596,7 @@
                 <a:t>2.1.2 </a:t>
               </a:r>
               <a:r>
-                <a:rPr lang="ko-KR" altLang="en-US" sz="2000" b="1" smtClean="0">
+                <a:rPr lang="ko-KR" altLang="en-US" sz="2000" b="1">
                   <a:solidFill>
                     <a:srgbClr val="5BC9BC"/>
                   </a:solidFill>
@@ -4763,7 +4752,7 @@
           <a:lstStyle/>
           <a:p>
             <a:r>
-              <a:rPr lang="ko-KR" altLang="en-US" sz="1600" dirty="0" err="1" smtClean="0">
+              <a:rPr lang="ko-KR" altLang="en-US" sz="1600" dirty="0" err="1">
                 <a:solidFill>
                   <a:srgbClr val="002060"/>
                 </a:solidFill>
@@ -4771,14 +4760,14 @@
               <a:t>파이썬</a:t>
             </a:r>
             <a:r>
-              <a:rPr lang="ko-KR" altLang="en-US" sz="1600" dirty="0" smtClean="0">
+              <a:rPr lang="ko-KR" altLang="en-US" sz="1600" dirty="0">
                 <a:solidFill>
                   <a:srgbClr val="002060"/>
                 </a:solidFill>
               </a:rPr>
               <a:t> 리스트의 인덱스는</a:t>
             </a:r>
-            <a:endParaRPr lang="en-US" altLang="ko-KR" sz="1600" dirty="0" smtClean="0">
+            <a:endParaRPr lang="en-US" altLang="ko-KR" sz="1600" dirty="0">
               <a:solidFill>
                 <a:srgbClr val="002060"/>
               </a:solidFill>
@@ -4786,7 +4775,7 @@
           </a:p>
           <a:p>
             <a:r>
-              <a:rPr lang="en-US" altLang="ko-KR" sz="1600" dirty="0" smtClean="0">
+              <a:rPr lang="en-US" altLang="ko-KR" sz="1600" dirty="0">
                 <a:solidFill>
                   <a:srgbClr val="002060"/>
                 </a:solidFill>
@@ -4794,7 +4783,7 @@
               <a:t>0</a:t>
             </a:r>
             <a:r>
-              <a:rPr lang="ko-KR" altLang="en-US" sz="1600" dirty="0" smtClean="0">
+              <a:rPr lang="ko-KR" altLang="en-US" sz="1600" dirty="0">
                 <a:solidFill>
                   <a:srgbClr val="002060"/>
                 </a:solidFill>
@@ -4802,7 +4791,7 @@
               <a:t>부터 시작하므로 위의 정의와 </a:t>
             </a:r>
             <a:r>
-              <a:rPr lang="en-US" altLang="ko-KR" sz="1600" dirty="0" smtClean="0">
+              <a:rPr lang="en-US" altLang="ko-KR" sz="1600" dirty="0">
                 <a:solidFill>
                   <a:srgbClr val="002060"/>
                 </a:solidFill>
@@ -4810,18 +4799,13 @@
               <a:t>1</a:t>
             </a:r>
             <a:r>
-              <a:rPr lang="ko-KR" altLang="en-US" sz="1600" dirty="0" smtClean="0">
+              <a:rPr lang="ko-KR" altLang="en-US" sz="1600" dirty="0">
                 <a:solidFill>
                   <a:srgbClr val="002060"/>
                 </a:solidFill>
               </a:rPr>
               <a:t>만큼 차이가 있음</a:t>
             </a:r>
-            <a:endParaRPr lang="ko-KR" altLang="en-US" sz="1600" dirty="0">
-              <a:solidFill>
-                <a:srgbClr val="002060"/>
-              </a:solidFill>
-            </a:endParaRPr>
           </a:p>
         </p:txBody>
       </p:sp>
@@ -4855,10 +4839,10 @@
               <a:buChar char="•"/>
             </a:pPr>
             <a:r>
-              <a:rPr lang="ko-KR" altLang="en-US" sz="2000" dirty="0" smtClean="0"/>
+              <a:rPr lang="ko-KR" altLang="en-US" sz="2000" dirty="0"/>
               <a:t>중앙값은 데이터를 크기 순서대로 나열할 때 정확히 중앙에 위치한 값</a:t>
             </a:r>
-            <a:endParaRPr lang="en-US" altLang="ko-KR" sz="2000" dirty="0" smtClean="0"/>
+            <a:endParaRPr lang="en-US" altLang="ko-KR" sz="2000" dirty="0"/>
           </a:p>
           <a:p>
             <a:pPr>
@@ -4867,22 +4851,22 @@
               </a:lnSpc>
             </a:pPr>
             <a:r>
-              <a:rPr lang="ko-KR" altLang="en-US" sz="2000" dirty="0" smtClean="0"/>
+              <a:rPr lang="ko-KR" altLang="en-US" sz="2000" dirty="0"/>
               <a:t>    </a:t>
             </a:r>
             <a:r>
-              <a:rPr lang="en-US" altLang="ko-KR" sz="2000" dirty="0" smtClean="0"/>
+              <a:rPr lang="en-US" altLang="ko-KR" sz="2000" dirty="0"/>
               <a:t>- </a:t>
             </a:r>
             <a:r>
-              <a:rPr lang="ko-KR" altLang="en-US" sz="2000" dirty="0" err="1" smtClean="0"/>
+              <a:rPr lang="ko-KR" altLang="en-US" sz="2000" dirty="0" err="1"/>
               <a:t>이상값에</a:t>
             </a:r>
             <a:r>
-              <a:rPr lang="ko-KR" altLang="en-US" sz="2000" dirty="0" smtClean="0"/>
+              <a:rPr lang="ko-KR" altLang="en-US" sz="2000" dirty="0"/>
               <a:t> 영향을 덜 받음</a:t>
             </a:r>
-            <a:endParaRPr lang="en-US" altLang="ko-KR" sz="2000" dirty="0" smtClean="0"/>
+            <a:endParaRPr lang="en-US" altLang="ko-KR" sz="2000" dirty="0"/>
           </a:p>
         </p:txBody>
       </p:sp>
@@ -4986,7 +4970,7 @@
           <a:lstStyle/>
           <a:p>
             <a:r>
-              <a:rPr lang="en-US" altLang="ko-KR" dirty="0" smtClean="0">
+              <a:rPr lang="en-US" altLang="ko-KR" dirty="0">
                 <a:solidFill>
                   <a:srgbClr val="FF0000"/>
                 </a:solidFill>
@@ -4999,18 +4983,10 @@
                   <a:srgbClr val="FF0000"/>
                 </a:solidFill>
               </a:rPr>
-              <a:t>실</a:t>
-            </a:r>
-            <a:r>
-              <a:rPr lang="ko-KR" altLang="en-US" dirty="0" smtClean="0">
-                <a:solidFill>
-                  <a:srgbClr val="FF0000"/>
-                </a:solidFill>
-              </a:rPr>
-              <a:t>수 나눗셈 </a:t>
-            </a:r>
-            <a:r>
-              <a:rPr lang="en-US" altLang="ko-KR" dirty="0" smtClean="0">
+              <a:t>실수 나눗셈 </a:t>
+            </a:r>
+            <a:r>
+              <a:rPr lang="en-US" altLang="ko-KR" dirty="0">
                 <a:solidFill>
                   <a:srgbClr val="FF0000"/>
                 </a:solidFill>
@@ -5020,7 +4996,7 @@
           </a:p>
           <a:p>
             <a:r>
-              <a:rPr lang="en-US" altLang="ko-KR" dirty="0" smtClean="0">
+              <a:rPr lang="en-US" altLang="ko-KR" dirty="0">
                 <a:solidFill>
                   <a:srgbClr val="FF0000"/>
                 </a:solidFill>
@@ -5028,7 +5004,7 @@
               <a:t>// </a:t>
             </a:r>
             <a:r>
-              <a:rPr lang="ko-KR" altLang="en-US" dirty="0" smtClean="0">
+              <a:rPr lang="ko-KR" altLang="en-US" dirty="0">
                 <a:solidFill>
                   <a:srgbClr val="FF0000"/>
                 </a:solidFill>
@@ -5036,7 +5012,7 @@
               <a:t>정수 나눗셈 </a:t>
             </a:r>
             <a:r>
-              <a:rPr lang="en-US" altLang="ko-KR" dirty="0" smtClean="0">
+              <a:rPr lang="en-US" altLang="ko-KR" dirty="0">
                 <a:solidFill>
                   <a:srgbClr val="FF0000"/>
                 </a:solidFill>
@@ -5061,13 +5037,6 @@
   <p:clrMapOvr>
     <a:masterClrMapping/>
   </p:clrMapOvr>
-  <p:timing>
-    <p:tnLst>
-      <p:par>
-        <p:cTn id="1" dur="indefinite" restart="never" nodeType="tmRoot"/>
-      </p:par>
-    </p:tnLst>
-  </p:timing>
 </p:sld>
 </file>
 
@@ -5145,7 +5114,7 @@
             <a:p>
               <a:pPr algn="r"/>
               <a:r>
-                <a:rPr lang="en-US" altLang="ko-KR" b="1" smtClean="0">
+                <a:rPr lang="en-US" altLang="ko-KR" b="1">
                   <a:solidFill>
                     <a:srgbClr val="5BC9BC"/>
                   </a:solidFill>
@@ -5153,7 +5122,7 @@
                 <a:t>2.1 </a:t>
               </a:r>
               <a:r>
-                <a:rPr lang="ko-KR" altLang="en-US" b="1" smtClean="0">
+                <a:rPr lang="ko-KR" altLang="en-US" b="1">
                   <a:solidFill>
                     <a:schemeClr val="tx1"/>
                   </a:solidFill>
@@ -5256,7 +5225,7 @@
             <a:lstStyle/>
             <a:p>
               <a:r>
-                <a:rPr lang="en-US" altLang="ko-KR" sz="2000" b="1" dirty="0" smtClean="0">
+                <a:rPr lang="en-US" altLang="ko-KR" sz="2000" b="1" dirty="0">
                   <a:solidFill>
                     <a:srgbClr val="5BC9BC"/>
                   </a:solidFill>
@@ -5264,7 +5233,7 @@
                 <a:t>2.1.2 </a:t>
               </a:r>
               <a:r>
-                <a:rPr lang="ko-KR" altLang="en-US" sz="2000" b="1" dirty="0" smtClean="0">
+                <a:rPr lang="ko-KR" altLang="en-US" sz="2000" b="1" dirty="0">
                   <a:solidFill>
                     <a:srgbClr val="5BC9BC"/>
                   </a:solidFill>
@@ -5272,7 +5241,7 @@
                 <a:t>참고 </a:t>
               </a:r>
               <a:r>
-                <a:rPr lang="en-US" altLang="ko-KR" sz="2000" b="1" dirty="0" smtClean="0">
+                <a:rPr lang="en-US" altLang="ko-KR" sz="2000" b="1" dirty="0">
                   <a:solidFill>
                     <a:srgbClr val="5BC9BC"/>
                   </a:solidFill>
@@ -5280,7 +5249,7 @@
                 <a:t>: </a:t>
               </a:r>
               <a:r>
-                <a:rPr lang="ko-KR" altLang="en-US" sz="2000" b="1" dirty="0" err="1" smtClean="0">
+                <a:rPr lang="ko-KR" altLang="en-US" sz="2000" b="1" dirty="0" err="1">
                   <a:solidFill>
                     <a:srgbClr val="5BC9BC"/>
                   </a:solidFill>
@@ -5412,14 +5381,13 @@
               <a:buChar char="•"/>
             </a:pPr>
             <a:r>
-              <a:rPr lang="ko-KR" altLang="en-US" sz="2000" dirty="0" err="1" smtClean="0"/>
+              <a:rPr lang="ko-KR" altLang="en-US" sz="2000" dirty="0" err="1"/>
               <a:t>절사평균</a:t>
             </a:r>
             <a:r>
-              <a:rPr lang="en-US" altLang="ko-KR" sz="2000" dirty="0" smtClean="0"/>
+              <a:rPr lang="en-US" altLang="ko-KR" sz="2000" dirty="0"/>
               <a:t>(Trimmed Mean)</a:t>
             </a:r>
-            <a:endParaRPr lang="en-US" altLang="ko-KR" sz="2000" dirty="0" smtClean="0"/>
           </a:p>
         </p:txBody>
       </p:sp>
@@ -5481,7 +5449,7 @@
               <a:buNone/>
             </a:pPr>
             <a:r>
-              <a:rPr lang="en-US" altLang="ko-KR" dirty="0" smtClean="0">
+              <a:rPr lang="en-US" altLang="ko-KR" dirty="0">
                 <a:ln w="17780" cmpd="sng">
                   <a:solidFill>
                     <a:srgbClr val="FFFFFF"/>
@@ -5503,7 +5471,7 @@
               <a:t>=</a:t>
             </a:r>
             <a:r>
-              <a:rPr lang="ko-KR" altLang="en-US" dirty="0" smtClean="0">
+              <a:rPr lang="ko-KR" altLang="en-US" dirty="0">
                 <a:ln w="17780" cmpd="sng">
                   <a:solidFill>
                     <a:srgbClr val="FFFFFF"/>
@@ -5533,7 +5501,7 @@
               <a:buFontTx/>
               <a:buNone/>
             </a:pPr>
-            <a:endParaRPr lang="ko-KR" altLang="en-US" dirty="0" smtClean="0">
+            <a:endParaRPr lang="ko-KR" altLang="en-US" dirty="0">
               <a:ln w="17780" cmpd="sng">
                 <a:solidFill>
                   <a:srgbClr val="FFFFFF"/>
@@ -5560,7 +5528,7 @@
               </a:lnSpc>
             </a:pPr>
             <a:r>
-              <a:rPr lang="ko-KR" altLang="en-US" dirty="0" err="1" smtClean="0">
+              <a:rPr lang="ko-KR" altLang="en-US" dirty="0" err="1">
                 <a:ln w="17780" cmpd="sng">
                   <a:solidFill>
                     <a:srgbClr val="FFFFFF"/>
@@ -5582,7 +5550,7 @@
               <a:t>이상값</a:t>
             </a:r>
             <a:r>
-              <a:rPr lang="en-US" altLang="ko-KR" dirty="0" smtClean="0">
+              <a:rPr lang="en-US" altLang="ko-KR" dirty="0">
                 <a:ln w="17780" cmpd="sng">
                   <a:solidFill>
                     <a:srgbClr val="FFFFFF"/>
@@ -5604,7 +5572,7 @@
               <a:t>(outlier)</a:t>
             </a:r>
             <a:r>
-              <a:rPr lang="ko-KR" altLang="en-US" dirty="0" smtClean="0">
+              <a:rPr lang="ko-KR" altLang="en-US" dirty="0">
                 <a:ln w="17780" cmpd="sng">
                   <a:solidFill>
                     <a:srgbClr val="FFFFFF"/>
@@ -5633,7 +5601,7 @@
               </a:lnSpc>
             </a:pPr>
             <a:r>
-              <a:rPr lang="ko-KR" altLang="en-US" dirty="0" smtClean="0">
+              <a:rPr lang="ko-KR" altLang="en-US" dirty="0">
                 <a:ln w="17780" cmpd="sng">
                   <a:solidFill>
                     <a:srgbClr val="FFFFFF"/>
@@ -5662,7 +5630,7 @@
               </a:lnSpc>
             </a:pPr>
             <a:r>
-              <a:rPr lang="ko-KR" altLang="en-US" dirty="0" smtClean="0">
+              <a:rPr lang="ko-KR" altLang="en-US" dirty="0">
                 <a:ln w="17780" cmpd="sng">
                   <a:solidFill>
                     <a:srgbClr val="FFFFFF"/>
@@ -5684,7 +5652,7 @@
               <a:t>체조</a:t>
             </a:r>
             <a:r>
-              <a:rPr lang="en-US" altLang="ko-KR" dirty="0" smtClean="0">
+              <a:rPr lang="en-US" altLang="ko-KR" dirty="0">
                 <a:ln w="17780" cmpd="sng">
                   <a:solidFill>
                     <a:srgbClr val="FFFFFF"/>
@@ -5706,7 +5674,7 @@
               <a:t>, </a:t>
             </a:r>
             <a:r>
-              <a:rPr lang="ko-KR" altLang="en-US" dirty="0" smtClean="0">
+              <a:rPr lang="ko-KR" altLang="en-US" dirty="0">
                 <a:ln w="17780" cmpd="sng">
                   <a:solidFill>
                     <a:srgbClr val="FFFFFF"/>
@@ -6145,7 +6113,7 @@
             <a:p>
               <a:pPr algn="r"/>
               <a:r>
-                <a:rPr lang="en-US" altLang="ko-KR" b="1" smtClean="0">
+                <a:rPr lang="en-US" altLang="ko-KR" b="1">
                   <a:solidFill>
                     <a:srgbClr val="5BC9BC"/>
                   </a:solidFill>
@@ -6153,7 +6121,7 @@
                 <a:t>2.1 </a:t>
               </a:r>
               <a:r>
-                <a:rPr lang="ko-KR" altLang="en-US" b="1" smtClean="0">
+                <a:rPr lang="ko-KR" altLang="en-US" b="1">
                   <a:solidFill>
                     <a:schemeClr val="tx1"/>
                   </a:solidFill>
@@ -6256,7 +6224,7 @@
             <a:lstStyle/>
             <a:p>
               <a:r>
-                <a:rPr lang="en-US" altLang="ko-KR" sz="2000" b="1" dirty="0" smtClean="0">
+                <a:rPr lang="en-US" altLang="ko-KR" sz="2000" b="1" dirty="0">
                   <a:solidFill>
                     <a:srgbClr val="5BC9BC"/>
                   </a:solidFill>
@@ -6264,7 +6232,7 @@
                 <a:t>2.1.2 </a:t>
               </a:r>
               <a:r>
-                <a:rPr lang="ko-KR" altLang="en-US" sz="2000" b="1" dirty="0" smtClean="0">
+                <a:rPr lang="ko-KR" altLang="en-US" sz="2000" b="1" dirty="0">
                   <a:solidFill>
                     <a:srgbClr val="5BC9BC"/>
                   </a:solidFill>
@@ -6272,7 +6240,7 @@
                 <a:t>참고 </a:t>
               </a:r>
               <a:r>
-                <a:rPr lang="en-US" altLang="ko-KR" sz="2000" b="1" dirty="0" smtClean="0">
+                <a:rPr lang="en-US" altLang="ko-KR" sz="2000" b="1" dirty="0">
                   <a:solidFill>
                     <a:srgbClr val="5BC9BC"/>
                   </a:solidFill>
@@ -6280,7 +6248,7 @@
                 <a:t>: </a:t>
               </a:r>
               <a:r>
-                <a:rPr lang="ko-KR" altLang="en-US" sz="2000" b="1" dirty="0" err="1" smtClean="0">
+                <a:rPr lang="ko-KR" altLang="en-US" sz="2000" b="1" dirty="0" err="1">
                   <a:solidFill>
                     <a:srgbClr val="5BC9BC"/>
                   </a:solidFill>
@@ -6416,7 +6384,7 @@
               <a:t>10% </a:t>
             </a:r>
             <a:r>
-              <a:rPr lang="ko-KR" altLang="en-US" sz="2000" dirty="0" err="1" smtClean="0"/>
+              <a:rPr lang="ko-KR" altLang="en-US" sz="2000" dirty="0" err="1"/>
               <a:t>절사평균</a:t>
             </a:r>
             <a:endParaRPr lang="en-US" altLang="ko-KR" sz="2000" dirty="0"/>
@@ -6429,14 +6397,10 @@
             </a:pPr>
             <a:r>
               <a:rPr lang="en-US" altLang="ko-KR" sz="2000" dirty="0"/>
-              <a:t> </a:t>
-            </a:r>
-            <a:r>
-              <a:rPr lang="en-US" altLang="ko-KR" sz="2000" dirty="0" smtClean="0"/>
-              <a:t> </a:t>
-            </a:r>
-            <a:r>
-              <a:rPr lang="ko-KR" altLang="en-US" sz="2000" dirty="0" smtClean="0"/>
+              <a:t>  </a:t>
+            </a:r>
+            <a:r>
+              <a:rPr lang="ko-KR" altLang="en-US" sz="2000" dirty="0"/>
               <a:t>예</a:t>
             </a:r>
             <a:r>
@@ -6461,13 +6425,9 @@
             </a:r>
             <a:r>
               <a:rPr lang="ko-KR" altLang="en-US" sz="2000" dirty="0"/>
-              <a:t>개의 </a:t>
-            </a:r>
-            <a:r>
-              <a:rPr lang="ko-KR" altLang="en-US" sz="2000" dirty="0" smtClean="0"/>
-              <a:t>평균</a:t>
-            </a:r>
-            <a:endParaRPr lang="en-US" altLang="ko-KR" sz="2000" dirty="0" smtClean="0"/>
+              <a:t>개의 평균</a:t>
+            </a:r>
+            <a:endParaRPr lang="en-US" altLang="ko-KR" sz="2000" dirty="0"/>
           </a:p>
           <a:p>
             <a:pPr>
@@ -6490,7 +6450,7 @@
               <a:t>20% </a:t>
             </a:r>
             <a:r>
-              <a:rPr lang="ko-KR" altLang="en-US" sz="2000" dirty="0" err="1" smtClean="0"/>
+              <a:rPr lang="ko-KR" altLang="en-US" sz="2000" dirty="0" err="1"/>
               <a:t>절사평균</a:t>
             </a:r>
             <a:endParaRPr lang="en-US" altLang="ko-KR" sz="2000" dirty="0"/>
@@ -6503,14 +6463,10 @@
             </a:pPr>
             <a:r>
               <a:rPr lang="en-US" altLang="ko-KR" sz="2000" dirty="0"/>
-              <a:t> </a:t>
-            </a:r>
-            <a:r>
-              <a:rPr lang="en-US" altLang="ko-KR" sz="2000" dirty="0" smtClean="0"/>
-              <a:t> </a:t>
-            </a:r>
-            <a:r>
-              <a:rPr lang="ko-KR" altLang="en-US" sz="2000" dirty="0" smtClean="0"/>
+              <a:t>  </a:t>
+            </a:r>
+            <a:r>
+              <a:rPr lang="ko-KR" altLang="en-US" sz="2000" dirty="0"/>
               <a:t>예</a:t>
             </a:r>
             <a:r>
@@ -6543,13 +6499,9 @@
             </a:r>
             <a:r>
               <a:rPr lang="ko-KR" altLang="en-US" sz="2000" dirty="0"/>
-              <a:t>개의 </a:t>
-            </a:r>
-            <a:r>
-              <a:rPr lang="ko-KR" altLang="en-US" sz="2000" dirty="0" smtClean="0"/>
-              <a:t>평균</a:t>
-            </a:r>
-            <a:endParaRPr lang="en-US" altLang="ko-KR" sz="2000" dirty="0" smtClean="0"/>
+              <a:t>개의 평균</a:t>
+            </a:r>
+            <a:endParaRPr lang="en-US" altLang="ko-KR" sz="2000" dirty="0"/>
           </a:p>
           <a:p>
             <a:pPr>
@@ -6569,11 +6521,7 @@
             </a:pPr>
             <a:r>
               <a:rPr lang="ko-KR" altLang="en-US" sz="2000" dirty="0"/>
-              <a:t>다이빙 </a:t>
-            </a:r>
-            <a:r>
-              <a:rPr lang="ko-KR" altLang="en-US" sz="2000" dirty="0" smtClean="0"/>
-              <a:t>점수</a:t>
+              <a:t>다이빙 점수</a:t>
             </a:r>
             <a:endParaRPr lang="en-US" altLang="ko-KR" sz="2000" dirty="0"/>
           </a:p>
@@ -6585,11 +6533,7 @@
             </a:pPr>
             <a:r>
               <a:rPr lang="en-US" altLang="ko-KR" sz="2000" dirty="0"/>
-              <a:t> </a:t>
-            </a:r>
-            <a:r>
-              <a:rPr lang="en-US" altLang="ko-KR" sz="2000" dirty="0" smtClean="0"/>
-              <a:t> 7</a:t>
+              <a:t>  7</a:t>
             </a:r>
             <a:r>
               <a:rPr lang="ko-KR" altLang="en-US" sz="2000" dirty="0"/>
@@ -6601,13 +6545,9 @@
             </a:r>
             <a:r>
               <a:rPr lang="ko-KR" altLang="en-US" sz="2000" dirty="0"/>
-              <a:t>명의 평균에 난이도를 </a:t>
-            </a:r>
-            <a:r>
-              <a:rPr lang="ko-KR" altLang="en-US" sz="2000" dirty="0" smtClean="0"/>
-              <a:t>고려</a:t>
-            </a:r>
-            <a:endParaRPr lang="en-US" altLang="ko-KR" sz="2000" dirty="0" smtClean="0"/>
+              <a:t>명의 평균에 난이도를 고려</a:t>
+            </a:r>
+            <a:endParaRPr lang="en-US" altLang="ko-KR" sz="2000" dirty="0"/>
           </a:p>
           <a:p>
             <a:pPr>
@@ -6617,19 +6557,11 @@
             </a:pPr>
             <a:r>
               <a:rPr lang="en-US" altLang="ko-KR" sz="2000" dirty="0"/>
-              <a:t> </a:t>
-            </a:r>
-            <a:r>
-              <a:rPr lang="en-US" altLang="ko-KR" sz="2000" dirty="0" smtClean="0"/>
-              <a:t> </a:t>
-            </a:r>
-            <a:r>
-              <a:rPr lang="ko-KR" altLang="en-US" sz="2000" dirty="0" smtClean="0"/>
-              <a:t>해서 </a:t>
+              <a:t>  </a:t>
             </a:r>
             <a:r>
               <a:rPr lang="ko-KR" altLang="en-US" sz="2000" dirty="0"/>
-              <a:t>계산</a:t>
+              <a:t>해서 계산</a:t>
             </a:r>
           </a:p>
         </p:txBody>
@@ -6644,13 +6576,6 @@
   <p:clrMapOvr>
     <a:masterClrMapping/>
   </p:clrMapOvr>
-  <p:timing>
-    <p:tnLst>
-      <p:par>
-        <p:cTn id="1" dur="indefinite" restart="never" nodeType="tmRoot"/>
-      </p:par>
-    </p:tnLst>
-  </p:timing>
 </p:sld>
 </file>
 
@@ -6701,14 +6626,14 @@
               <a:buChar char="•"/>
             </a:pPr>
             <a:r>
-              <a:rPr lang="ko-KR" altLang="en-US" sz="2000" dirty="0" err="1" smtClean="0"/>
+              <a:rPr lang="ko-KR" altLang="en-US" sz="2000" dirty="0" err="1"/>
               <a:t>최빈값은</a:t>
             </a:r>
             <a:r>
-              <a:rPr lang="ko-KR" altLang="en-US" sz="2000" dirty="0" smtClean="0"/>
+              <a:rPr lang="ko-KR" altLang="en-US" sz="2000" dirty="0"/>
               <a:t> 데이터에서 가장 많이 나타나는 값</a:t>
             </a:r>
-            <a:endParaRPr lang="en-US" altLang="ko-KR" sz="2000" dirty="0" smtClean="0"/>
+            <a:endParaRPr lang="en-US" altLang="ko-KR" sz="2000" dirty="0"/>
           </a:p>
           <a:p>
             <a:pPr>
@@ -6717,27 +6642,27 @@
               </a:lnSpc>
             </a:pPr>
             <a:r>
-              <a:rPr lang="en-US" altLang="ko-KR" sz="2000" dirty="0" smtClean="0"/>
+              <a:rPr lang="en-US" altLang="ko-KR" sz="2000" dirty="0"/>
               <a:t>    - [1, 1, 1, 2, 2, 3]</a:t>
             </a:r>
             <a:r>
-              <a:rPr lang="ko-KR" altLang="en-US" sz="2000" dirty="0" smtClean="0"/>
+              <a:rPr lang="ko-KR" altLang="en-US" sz="2000" dirty="0"/>
               <a:t>에서</a:t>
             </a:r>
             <a:r>
-              <a:rPr lang="en-US" altLang="ko-KR" sz="2000" dirty="0" smtClean="0"/>
+              <a:rPr lang="en-US" altLang="ko-KR" sz="2000" dirty="0"/>
               <a:t> </a:t>
             </a:r>
             <a:r>
-              <a:rPr lang="ko-KR" altLang="en-US" sz="2000" dirty="0" err="1" smtClean="0"/>
+              <a:rPr lang="ko-KR" altLang="en-US" sz="2000" dirty="0" err="1"/>
               <a:t>최빈값은</a:t>
             </a:r>
             <a:r>
-              <a:rPr lang="ko-KR" altLang="en-US" sz="2000" dirty="0" smtClean="0"/>
+              <a:rPr lang="ko-KR" altLang="en-US" sz="2000" dirty="0"/>
               <a:t> </a:t>
             </a:r>
             <a:r>
-              <a:rPr lang="en-US" altLang="ko-KR" sz="2000" dirty="0" smtClean="0"/>
+              <a:rPr lang="en-US" altLang="ko-KR" sz="2000" dirty="0"/>
               <a:t>1</a:t>
             </a:r>
           </a:p>
@@ -6748,27 +6673,27 @@
               </a:lnSpc>
             </a:pPr>
             <a:r>
-              <a:rPr lang="en-US" altLang="ko-KR" sz="2000" dirty="0" smtClean="0"/>
+              <a:rPr lang="en-US" altLang="ko-KR" sz="2000" dirty="0"/>
               <a:t>    - </a:t>
             </a:r>
             <a:r>
-              <a:rPr lang="en-US" altLang="ko-KR" sz="2000" dirty="0" err="1" smtClean="0"/>
+              <a:rPr lang="en-US" altLang="ko-KR" sz="2000" dirty="0" err="1"/>
               <a:t>DataFrame</a:t>
             </a:r>
             <a:r>
-              <a:rPr lang="en-US" altLang="ko-KR" sz="2000" dirty="0" smtClean="0"/>
+              <a:rPr lang="en-US" altLang="ko-KR" sz="2000" dirty="0"/>
               <a:t>, Series</a:t>
             </a:r>
             <a:r>
-              <a:rPr lang="ko-KR" altLang="en-US" sz="2000" dirty="0" smtClean="0"/>
+              <a:rPr lang="ko-KR" altLang="en-US" sz="2000" dirty="0"/>
               <a:t>의 </a:t>
             </a:r>
             <a:r>
-              <a:rPr lang="en-US" altLang="ko-KR" sz="2000" dirty="0" smtClean="0"/>
+              <a:rPr lang="en-US" altLang="ko-KR" sz="2000" dirty="0"/>
               <a:t>mode </a:t>
             </a:r>
             <a:r>
-              <a:rPr lang="ko-KR" altLang="en-US" sz="2000" dirty="0" err="1" smtClean="0"/>
+              <a:rPr lang="ko-KR" altLang="en-US" sz="2000" dirty="0" err="1"/>
               <a:t>메서드</a:t>
             </a:r>
             <a:endParaRPr lang="ko-KR" altLang="en-US" sz="2000" dirty="0"/>
@@ -6832,7 +6757,7 @@
             <a:p>
               <a:pPr algn="r"/>
               <a:r>
-                <a:rPr lang="en-US" altLang="ko-KR" b="1" smtClean="0">
+                <a:rPr lang="en-US" altLang="ko-KR" b="1">
                   <a:solidFill>
                     <a:srgbClr val="5BC9BC"/>
                   </a:solidFill>
@@ -6840,7 +6765,7 @@
                 <a:t>2.1 </a:t>
               </a:r>
               <a:r>
-                <a:rPr lang="ko-KR" altLang="en-US" b="1" smtClean="0">
+                <a:rPr lang="ko-KR" altLang="en-US" b="1">
                   <a:solidFill>
                     <a:schemeClr val="tx1"/>
                   </a:solidFill>
@@ -6943,7 +6868,7 @@
             <a:lstStyle/>
             <a:p>
               <a:r>
-                <a:rPr lang="en-US" altLang="ko-KR" sz="2000" b="1" smtClean="0">
+                <a:rPr lang="en-US" altLang="ko-KR" sz="2000" b="1">
                   <a:solidFill>
                     <a:srgbClr val="5BC9BC"/>
                   </a:solidFill>
@@ -6951,7 +6876,7 @@
                 <a:t>2.1.3 </a:t>
               </a:r>
               <a:r>
-                <a:rPr lang="ko-KR" altLang="en-US" sz="2000" b="1" smtClean="0">
+                <a:rPr lang="ko-KR" altLang="en-US" sz="2000" b="1">
                   <a:solidFill>
                     <a:srgbClr val="5BC9BC"/>
                   </a:solidFill>
@@ -7054,13 +6979,6 @@
   <p:clrMapOvr>
     <a:masterClrMapping/>
   </p:clrMapOvr>
-  <p:timing>
-    <p:tnLst>
-      <p:par>
-        <p:cTn id="1" dur="indefinite" restart="never" nodeType="tmRoot"/>
-      </p:par>
-    </p:tnLst>
-  </p:timing>
 </p:sld>
 </file>
 
@@ -7111,7 +7029,7 @@
               <a:buChar char="•"/>
             </a:pPr>
             <a:r>
-              <a:rPr lang="ko-KR" altLang="en-US" sz="2000" dirty="0" smtClean="0"/>
+              <a:rPr lang="ko-KR" altLang="en-US" sz="2000" dirty="0"/>
               <a:t>편차</a:t>
             </a:r>
             <a:endParaRPr lang="en-US" altLang="ko-KR" sz="2000" dirty="0"/>
@@ -7123,11 +7041,11 @@
               </a:lnSpc>
             </a:pPr>
             <a:r>
-              <a:rPr lang="en-US" altLang="ko-KR" sz="2000" dirty="0" smtClean="0"/>
+              <a:rPr lang="en-US" altLang="ko-KR" sz="2000" dirty="0"/>
               <a:t>    - </a:t>
             </a:r>
             <a:r>
-              <a:rPr lang="ko-KR" altLang="en-US" dirty="0" smtClean="0"/>
+              <a:rPr lang="ko-KR" altLang="en-US" dirty="0"/>
               <a:t>각 데이터가 평균으로부터 떨어져 있는 정도</a:t>
             </a:r>
             <a:endParaRPr lang="en-US" altLang="ko-KR" dirty="0"/>
@@ -7144,21 +7062,13 @@
                   <a:prstClr val="black"/>
                 </a:solidFill>
               </a:rPr>
-              <a:t> </a:t>
-            </a:r>
-            <a:r>
-              <a:rPr lang="en-US" altLang="ko-KR" sz="2000" dirty="0" smtClean="0">
-                <a:solidFill>
-                  <a:prstClr val="black"/>
-                </a:solidFill>
-              </a:rPr>
-              <a:t>   - </a:t>
-            </a:r>
-            <a:r>
-              <a:rPr lang="ko-KR" altLang="en-US" dirty="0" smtClean="0"/>
+              <a:t>    - </a:t>
+            </a:r>
+            <a:r>
+              <a:rPr lang="ko-KR" altLang="en-US" dirty="0"/>
               <a:t>각 학생의 성적 편차</a:t>
             </a:r>
-            <a:endParaRPr lang="en-US" altLang="ko-KR" dirty="0" smtClean="0"/>
+            <a:endParaRPr lang="en-US" altLang="ko-KR" dirty="0"/>
           </a:p>
         </p:txBody>
       </p:sp>
@@ -7219,7 +7129,7 @@
             <a:p>
               <a:pPr algn="r"/>
               <a:r>
-                <a:rPr lang="en-US" altLang="ko-KR" b="1" smtClean="0">
+                <a:rPr lang="en-US" altLang="ko-KR" b="1">
                   <a:solidFill>
                     <a:srgbClr val="5BC9BC"/>
                   </a:solidFill>
@@ -7227,7 +7137,7 @@
                 <a:t>2.2 </a:t>
               </a:r>
               <a:r>
-                <a:rPr lang="ko-KR" altLang="en-US" b="1" smtClean="0">
+                <a:rPr lang="ko-KR" altLang="en-US" b="1">
                   <a:solidFill>
                     <a:schemeClr val="tx1"/>
                   </a:solidFill>
@@ -7330,7 +7240,7 @@
             <a:lstStyle/>
             <a:p>
               <a:r>
-                <a:rPr lang="en-US" altLang="ko-KR" sz="2000" b="1" smtClean="0">
+                <a:rPr lang="en-US" altLang="ko-KR" sz="2000" b="1">
                   <a:solidFill>
                     <a:srgbClr val="5BC9BC"/>
                   </a:solidFill>
@@ -7338,7 +7248,7 @@
                 <a:t>2.2.1 </a:t>
               </a:r>
               <a:r>
-                <a:rPr lang="ko-KR" altLang="en-US" sz="2000" b="1" smtClean="0">
+                <a:rPr lang="ko-KR" altLang="en-US" sz="2000" b="1">
                   <a:solidFill>
                     <a:srgbClr val="5BC9BC"/>
                   </a:solidFill>
@@ -7441,13 +7351,6 @@
   <p:clrMapOvr>
     <a:masterClrMapping/>
   </p:clrMapOvr>
-  <p:timing>
-    <p:tnLst>
-      <p:par>
-        <p:cTn id="1" dur="indefinite" restart="never" nodeType="tmRoot"/>
-      </p:par>
-    </p:tnLst>
-  </p:timing>
 </p:sld>
 </file>
 
@@ -7495,10 +7398,10 @@
               <a:buChar char="•"/>
             </a:pPr>
             <a:r>
-              <a:rPr lang="ko-KR" altLang="en-US" sz="2000" dirty="0" smtClean="0"/>
+              <a:rPr lang="ko-KR" altLang="en-US" sz="2000" dirty="0"/>
               <a:t>편차 비교</a:t>
             </a:r>
-            <a:endParaRPr lang="en-US" altLang="ko-KR" sz="2000" dirty="0" smtClean="0"/>
+            <a:endParaRPr lang="en-US" altLang="ko-KR" sz="2000" dirty="0"/>
           </a:p>
           <a:p>
             <a:pPr marL="800100" lvl="1" indent="-342900">
@@ -7509,14 +7412,14 @@
               <a:buChar char="-"/>
             </a:pPr>
             <a:r>
-              <a:rPr lang="en-US" altLang="ko-KR" dirty="0" smtClean="0"/>
+              <a:rPr lang="en-US" altLang="ko-KR" dirty="0"/>
               <a:t>Scores</a:t>
             </a:r>
             <a:r>
-              <a:rPr lang="ko-KR" altLang="en-US" dirty="0" smtClean="0"/>
+              <a:rPr lang="ko-KR" altLang="en-US" dirty="0"/>
               <a:t>의 편차가 더 큼</a:t>
             </a:r>
-            <a:endParaRPr lang="en-US" altLang="ko-KR" dirty="0" smtClean="0"/>
+            <a:endParaRPr lang="en-US" altLang="ko-KR" dirty="0"/>
           </a:p>
         </p:txBody>
       </p:sp>
@@ -7577,7 +7480,7 @@
             <a:p>
               <a:pPr algn="r"/>
               <a:r>
-                <a:rPr lang="en-US" altLang="ko-KR" b="1" smtClean="0">
+                <a:rPr lang="en-US" altLang="ko-KR" b="1">
                   <a:solidFill>
                     <a:srgbClr val="5BC9BC"/>
                   </a:solidFill>
@@ -7585,7 +7488,7 @@
                 <a:t>2.2 </a:t>
               </a:r>
               <a:r>
-                <a:rPr lang="ko-KR" altLang="en-US" b="1" smtClean="0">
+                <a:rPr lang="ko-KR" altLang="en-US" b="1">
                   <a:solidFill>
                     <a:schemeClr val="tx1"/>
                   </a:solidFill>
@@ -7688,7 +7591,7 @@
             <a:lstStyle/>
             <a:p>
               <a:r>
-                <a:rPr lang="en-US" altLang="ko-KR" sz="2000" b="1" smtClean="0">
+                <a:rPr lang="en-US" altLang="ko-KR" sz="2000" b="1">
                   <a:solidFill>
                     <a:srgbClr val="5BC9BC"/>
                   </a:solidFill>
@@ -7696,7 +7599,7 @@
                 <a:t>2.2.1 </a:t>
               </a:r>
               <a:r>
-                <a:rPr lang="ko-KR" altLang="en-US" sz="2000" b="1" smtClean="0">
+                <a:rPr lang="ko-KR" altLang="en-US" sz="2000" b="1">
                   <a:solidFill>
                     <a:srgbClr val="5BC9BC"/>
                   </a:solidFill>
@@ -7809,13 +7712,6 @@
   <p:clrMapOvr>
     <a:masterClrMapping/>
   </p:clrMapOvr>
-  <p:timing>
-    <p:tnLst>
-      <p:par>
-        <p:cTn id="1" dur="indefinite" restart="never" nodeType="tmRoot"/>
-      </p:par>
-    </p:tnLst>
-  </p:timing>
 </p:sld>
 </file>
 
@@ -7863,10 +7759,10 @@
               <a:buChar char="•"/>
             </a:pPr>
             <a:r>
-              <a:rPr lang="ko-KR" altLang="en-US" sz="2000" dirty="0" smtClean="0"/>
+              <a:rPr lang="ko-KR" altLang="en-US" sz="2000" dirty="0"/>
               <a:t>편차 비교</a:t>
             </a:r>
-            <a:endParaRPr lang="en-US" altLang="ko-KR" sz="2000" dirty="0" smtClean="0"/>
+            <a:endParaRPr lang="en-US" altLang="ko-KR" sz="2000" dirty="0"/>
           </a:p>
           <a:p>
             <a:pPr marL="800100" lvl="1" indent="-342900">
@@ -7877,14 +7773,14 @@
               <a:buChar char="-"/>
             </a:pPr>
             <a:r>
-              <a:rPr lang="en-US" altLang="ko-KR" dirty="0" smtClean="0"/>
+              <a:rPr lang="en-US" altLang="ko-KR" dirty="0"/>
               <a:t>Scores</a:t>
             </a:r>
             <a:r>
-              <a:rPr lang="ko-KR" altLang="en-US" dirty="0" smtClean="0"/>
+              <a:rPr lang="ko-KR" altLang="en-US" dirty="0"/>
               <a:t>의 편차가 더 큼</a:t>
             </a:r>
-            <a:endParaRPr lang="en-US" altLang="ko-KR" dirty="0" smtClean="0"/>
+            <a:endParaRPr lang="en-US" altLang="ko-KR" dirty="0"/>
           </a:p>
         </p:txBody>
       </p:sp>
@@ -7945,7 +7841,7 @@
             <a:p>
               <a:pPr algn="r"/>
               <a:r>
-                <a:rPr lang="en-US" altLang="ko-KR" b="1" smtClean="0">
+                <a:rPr lang="en-US" altLang="ko-KR" b="1">
                   <a:solidFill>
                     <a:srgbClr val="5BC9BC"/>
                   </a:solidFill>
@@ -7953,7 +7849,7 @@
                 <a:t>2.2 </a:t>
               </a:r>
               <a:r>
-                <a:rPr lang="ko-KR" altLang="en-US" b="1" smtClean="0">
+                <a:rPr lang="ko-KR" altLang="en-US" b="1">
                   <a:solidFill>
                     <a:schemeClr val="tx1"/>
                   </a:solidFill>
@@ -8056,7 +7952,7 @@
             <a:lstStyle/>
             <a:p>
               <a:r>
-                <a:rPr lang="en-US" altLang="ko-KR" sz="2000" b="1" smtClean="0">
+                <a:rPr lang="en-US" altLang="ko-KR" sz="2000" b="1">
                   <a:solidFill>
                     <a:srgbClr val="5BC9BC"/>
                   </a:solidFill>
@@ -8064,7 +7960,7 @@
                 <a:t>2.2.1 </a:t>
               </a:r>
               <a:r>
-                <a:rPr lang="ko-KR" altLang="en-US" sz="2000" b="1" smtClean="0">
+                <a:rPr lang="ko-KR" altLang="en-US" sz="2000" b="1">
                   <a:solidFill>
                     <a:srgbClr val="5BC9BC"/>
                   </a:solidFill>
@@ -8177,13 +8073,6 @@
   <p:clrMapOvr>
     <a:masterClrMapping/>
   </p:clrMapOvr>
-  <p:timing>
-    <p:tnLst>
-      <p:par>
-        <p:cTn id="1" dur="indefinite" restart="never" nodeType="tmRoot"/>
-      </p:par>
-    </p:tnLst>
-  </p:timing>
 </p:sld>
 </file>
 
@@ -8234,10 +8123,10 @@
               <a:buChar char="•"/>
             </a:pPr>
             <a:r>
-              <a:rPr lang="ko-KR" altLang="en-US" sz="2000" dirty="0" smtClean="0"/>
+              <a:rPr lang="ko-KR" altLang="en-US" sz="2000" dirty="0"/>
               <a:t>편차 비교</a:t>
             </a:r>
-            <a:endParaRPr lang="en-US" altLang="ko-KR" sz="2000" dirty="0" smtClean="0"/>
+            <a:endParaRPr lang="en-US" altLang="ko-KR" sz="2000" dirty="0"/>
           </a:p>
           <a:p>
             <a:pPr marL="800100" lvl="1" indent="-342900">
@@ -8248,30 +8137,30 @@
               <a:buChar char="-"/>
             </a:pPr>
             <a:r>
-              <a:rPr lang="en-US" altLang="ko-KR" dirty="0" smtClean="0"/>
+              <a:rPr lang="en-US" altLang="ko-KR" dirty="0"/>
               <a:t>10</a:t>
             </a:r>
             <a:r>
-              <a:rPr lang="ko-KR" altLang="en-US" dirty="0" smtClean="0"/>
+              <a:rPr lang="ko-KR" altLang="en-US" dirty="0"/>
               <a:t>명의 </a:t>
             </a:r>
             <a:r>
-              <a:rPr lang="ko-KR" altLang="en-US" dirty="0" err="1" smtClean="0"/>
+              <a:rPr lang="ko-KR" altLang="en-US" dirty="0" err="1"/>
               <a:t>편찻값으로</a:t>
             </a:r>
             <a:r>
-              <a:rPr lang="ko-KR" altLang="en-US" dirty="0" smtClean="0"/>
+              <a:rPr lang="ko-KR" altLang="en-US" dirty="0"/>
               <a:t> 비교가 어려우므로</a:t>
             </a:r>
             <a:r>
-              <a:rPr lang="en-US" altLang="ko-KR" dirty="0" smtClean="0"/>
+              <a:rPr lang="en-US" altLang="ko-KR" dirty="0"/>
               <a:t>, </a:t>
             </a:r>
             <a:r>
-              <a:rPr lang="ko-KR" altLang="en-US" dirty="0" smtClean="0"/>
+              <a:rPr lang="ko-KR" altLang="en-US" dirty="0"/>
               <a:t>하나의 값인 편차 평균 비교</a:t>
             </a:r>
-            <a:endParaRPr lang="en-US" altLang="ko-KR" dirty="0" smtClean="0"/>
+            <a:endParaRPr lang="en-US" altLang="ko-KR" dirty="0"/>
           </a:p>
           <a:p>
             <a:pPr marL="800100" lvl="1" indent="-342900">
@@ -8282,21 +8171,13 @@
               <a:buChar char="-"/>
             </a:pPr>
             <a:r>
-              <a:rPr lang="ko-KR" altLang="en-US" dirty="0" smtClean="0"/>
+              <a:rPr lang="ko-KR" altLang="en-US" dirty="0"/>
               <a:t>편차 평균은 </a:t>
             </a:r>
             <a:r>
-              <a:rPr lang="en-US" altLang="ko-KR" dirty="0" smtClean="0"/>
+              <a:rPr lang="en-US" altLang="ko-KR" dirty="0"/>
               <a:t>0</a:t>
             </a:r>
-            <a:endParaRPr lang="en-US" altLang="ko-KR" dirty="0"/>
-          </a:p>
-          <a:p>
-            <a:pPr marL="800100" lvl="1" indent="-342900">
-              <a:buFontTx/>
-              <a:buChar char="-"/>
-            </a:pPr>
-            <a:endParaRPr lang="en-US" altLang="ko-KR" dirty="0" smtClean="0"/>
           </a:p>
           <a:p>
             <a:pPr marL="800100" lvl="1" indent="-342900">
@@ -8317,7 +8198,7 @@
               <a:buFontTx/>
               <a:buChar char="-"/>
             </a:pPr>
-            <a:endParaRPr lang="en-US" altLang="ko-KR" dirty="0" smtClean="0"/>
+            <a:endParaRPr lang="en-US" altLang="ko-KR" dirty="0"/>
           </a:p>
           <a:p>
             <a:pPr marL="800100" lvl="1" indent="-342900">
@@ -8331,7 +8212,14 @@
               <a:buFontTx/>
               <a:buChar char="-"/>
             </a:pPr>
-            <a:endParaRPr lang="en-US" altLang="ko-KR" dirty="0" smtClean="0"/>
+            <a:endParaRPr lang="en-US" altLang="ko-KR" dirty="0"/>
+          </a:p>
+          <a:p>
+            <a:pPr marL="800100" lvl="1" indent="-342900">
+              <a:buFontTx/>
+              <a:buChar char="-"/>
+            </a:pPr>
+            <a:endParaRPr lang="en-US" altLang="ko-KR" dirty="0"/>
           </a:p>
         </p:txBody>
       </p:sp>
@@ -8392,7 +8280,7 @@
             <a:p>
               <a:pPr algn="r"/>
               <a:r>
-                <a:rPr lang="en-US" altLang="ko-KR" b="1" smtClean="0">
+                <a:rPr lang="en-US" altLang="ko-KR" b="1">
                   <a:solidFill>
                     <a:srgbClr val="5BC9BC"/>
                   </a:solidFill>
@@ -8400,7 +8288,7 @@
                 <a:t>2.2 </a:t>
               </a:r>
               <a:r>
-                <a:rPr lang="ko-KR" altLang="en-US" b="1" smtClean="0">
+                <a:rPr lang="ko-KR" altLang="en-US" b="1">
                   <a:solidFill>
                     <a:schemeClr val="tx1"/>
                   </a:solidFill>
@@ -8503,7 +8391,7 @@
             <a:lstStyle/>
             <a:p>
               <a:r>
-                <a:rPr lang="en-US" altLang="ko-KR" sz="2000" b="1" smtClean="0">
+                <a:rPr lang="en-US" altLang="ko-KR" sz="2000" b="1">
                   <a:solidFill>
                     <a:srgbClr val="5BC9BC"/>
                   </a:solidFill>
@@ -8511,7 +8399,7 @@
                 <a:t>2.2.1 </a:t>
               </a:r>
               <a:r>
-                <a:rPr lang="ko-KR" altLang="en-US" sz="2000" b="1" smtClean="0">
+                <a:rPr lang="ko-KR" altLang="en-US" sz="2000" b="1">
                   <a:solidFill>
                     <a:srgbClr val="5BC9BC"/>
                   </a:solidFill>
@@ -8614,13 +8502,6 @@
   <p:clrMapOvr>
     <a:masterClrMapping/>
   </p:clrMapOvr>
-  <p:timing>
-    <p:tnLst>
-      <p:par>
-        <p:cTn id="1" dur="indefinite" restart="never" nodeType="tmRoot"/>
-      </p:par>
-    </p:tnLst>
-  </p:timing>
 </p:sld>
 </file>
 
@@ -8671,10 +8552,10 @@
               <a:buChar char="•"/>
             </a:pPr>
             <a:r>
-              <a:rPr lang="ko-KR" altLang="en-US" sz="2000" dirty="0" smtClean="0"/>
+              <a:rPr lang="ko-KR" altLang="en-US" sz="2000" dirty="0"/>
               <a:t>편차 비교</a:t>
             </a:r>
-            <a:endParaRPr lang="en-US" altLang="ko-KR" sz="2000" dirty="0" smtClean="0"/>
+            <a:endParaRPr lang="en-US" altLang="ko-KR" sz="2000" dirty="0"/>
           </a:p>
         </p:txBody>
       </p:sp>
@@ -8735,7 +8616,7 @@
             <a:p>
               <a:pPr algn="r"/>
               <a:r>
-                <a:rPr lang="en-US" altLang="ko-KR" b="1" smtClean="0">
+                <a:rPr lang="en-US" altLang="ko-KR" b="1">
                   <a:solidFill>
                     <a:srgbClr val="5BC9BC"/>
                   </a:solidFill>
@@ -8743,7 +8624,7 @@
                 <a:t>2.2 </a:t>
               </a:r>
               <a:r>
-                <a:rPr lang="ko-KR" altLang="en-US" b="1" smtClean="0">
+                <a:rPr lang="ko-KR" altLang="en-US" b="1">
                   <a:solidFill>
                     <a:schemeClr val="tx1"/>
                   </a:solidFill>
@@ -8846,7 +8727,7 @@
             <a:lstStyle/>
             <a:p>
               <a:r>
-                <a:rPr lang="en-US" altLang="ko-KR" sz="2000" b="1" smtClean="0">
+                <a:rPr lang="en-US" altLang="ko-KR" sz="2000" b="1">
                   <a:solidFill>
                     <a:srgbClr val="5BC9BC"/>
                   </a:solidFill>
@@ -8854,7 +8735,7 @@
                 <a:t>2.2.1 </a:t>
               </a:r>
               <a:r>
-                <a:rPr lang="ko-KR" altLang="en-US" sz="2000" b="1" smtClean="0">
+                <a:rPr lang="ko-KR" altLang="en-US" sz="2000" b="1">
                   <a:solidFill>
                     <a:srgbClr val="5BC9BC"/>
                   </a:solidFill>
@@ -9031,13 +8912,6 @@
   <p:clrMapOvr>
     <a:masterClrMapping/>
   </p:clrMapOvr>
-  <p:timing>
-    <p:tnLst>
-      <p:par>
-        <p:cTn id="1" dur="indefinite" restart="never" nodeType="tmRoot"/>
-      </p:par>
-    </p:tnLst>
-  </p:timing>
 </p:sld>
 </file>
 
@@ -9115,7 +8989,7 @@
             <a:p>
               <a:pPr algn="ctr"/>
               <a:r>
-                <a:rPr lang="ko-KR" altLang="en-US" dirty="0" err="1" smtClean="0"/>
+                <a:rPr lang="ko-KR" altLang="en-US" dirty="0" err="1"/>
                 <a:t>ㅊ</a:t>
               </a:r>
               <a:endParaRPr lang="ko-KR" altLang="en-US" dirty="0"/>
@@ -9193,7 +9067,7 @@
           <a:p>
             <a:pPr algn="ctr"/>
             <a:r>
-              <a:rPr lang="en-US" altLang="ko-KR" sz="3000" b="1" dirty="0" smtClean="0">
+              <a:rPr lang="en-US" altLang="ko-KR" sz="3000" b="1" dirty="0">
                 <a:solidFill>
                   <a:schemeClr val="bg1"/>
                 </a:solidFill>
@@ -9205,31 +9079,13 @@
           <a:p>
             <a:pPr algn="ctr"/>
             <a:r>
-              <a:rPr lang="en-US" altLang="ko-KR" sz="5000" b="1" smtClean="0">
+              <a:rPr lang="en-US" altLang="ko-KR" sz="5000" b="1">
                 <a:solidFill>
                   <a:schemeClr val="bg1"/>
                 </a:solidFill>
                 <a:latin typeface="+mj-lt"/>
               </a:rPr>
               <a:t>02</a:t>
-            </a:r>
-            <a:endParaRPr lang="en-US" altLang="ko-KR" sz="5000" b="1" dirty="0" smtClean="0">
-              <a:solidFill>
-                <a:schemeClr val="bg1"/>
-              </a:solidFill>
-              <a:latin typeface="+mj-lt"/>
-            </a:endParaRPr>
-          </a:p>
-          <a:p>
-            <a:pPr algn="ctr"/>
-            <a:r>
-              <a:rPr lang="en-US" altLang="ko-KR" sz="5000" b="1" dirty="0" smtClean="0">
-                <a:solidFill>
-                  <a:schemeClr val="bg1"/>
-                </a:solidFill>
-                <a:latin typeface="+mj-lt"/>
-              </a:rPr>
-              <a:t>--------</a:t>
             </a:r>
             <a:endParaRPr lang="en-US" altLang="ko-KR" sz="5000" b="1" dirty="0">
               <a:solidFill>
@@ -9241,7 +9097,19 @@
           <a:p>
             <a:pPr algn="ctr"/>
             <a:r>
-              <a:rPr lang="en-US" altLang="ko-KR" sz="5000" b="1" smtClean="0">
+              <a:rPr lang="en-US" altLang="ko-KR" sz="5000" b="1" dirty="0">
+                <a:solidFill>
+                  <a:schemeClr val="bg1"/>
+                </a:solidFill>
+                <a:latin typeface="+mj-lt"/>
+              </a:rPr>
+              <a:t>--------</a:t>
+            </a:r>
+          </a:p>
+          <a:p>
+            <a:pPr algn="ctr"/>
+            <a:r>
+              <a:rPr lang="en-US" altLang="ko-KR" sz="5000" b="1">
                 <a:solidFill>
                   <a:schemeClr val="bg1"/>
                 </a:solidFill>
@@ -9250,7 +9118,7 @@
               <a:t>1</a:t>
             </a:r>
             <a:r>
-              <a:rPr lang="ko-KR" altLang="en-US" sz="5000" b="1" smtClean="0">
+              <a:rPr lang="ko-KR" altLang="en-US" sz="5000" b="1">
                 <a:solidFill>
                   <a:schemeClr val="bg1"/>
                 </a:solidFill>
@@ -9290,44 +9158,44 @@
           <a:lstStyle/>
           <a:p>
             <a:r>
-              <a:rPr lang="en-US" altLang="ko-KR" smtClean="0"/>
+              <a:rPr lang="en-US" altLang="ko-KR"/>
               <a:t>2.1 </a:t>
             </a:r>
             <a:r>
-              <a:rPr lang="ko-KR" altLang="en-US" smtClean="0"/>
+              <a:rPr lang="ko-KR" altLang="en-US"/>
               <a:t>데이터 중심의 지표</a:t>
             </a:r>
-            <a:endParaRPr lang="en-US" altLang="ko-KR" dirty="0" smtClean="0"/>
-          </a:p>
-          <a:p>
-            <a:r>
-              <a:rPr lang="en-US" altLang="ko-KR" smtClean="0"/>
+            <a:endParaRPr lang="en-US" altLang="ko-KR" dirty="0"/>
+          </a:p>
+          <a:p>
+            <a:r>
+              <a:rPr lang="en-US" altLang="ko-KR"/>
               <a:t>2.2 </a:t>
             </a:r>
             <a:r>
-              <a:rPr lang="ko-KR" altLang="en-US" smtClean="0"/>
+              <a:rPr lang="ko-KR" altLang="en-US"/>
               <a:t>데이터의 산포도 지표</a:t>
             </a:r>
-            <a:endParaRPr lang="en-US" altLang="ko-KR" dirty="0" smtClean="0"/>
-          </a:p>
-          <a:p>
-            <a:r>
-              <a:rPr lang="en-US" altLang="ko-KR" smtClean="0"/>
+            <a:endParaRPr lang="en-US" altLang="ko-KR" dirty="0"/>
+          </a:p>
+          <a:p>
+            <a:r>
+              <a:rPr lang="en-US" altLang="ko-KR"/>
               <a:t>2.3 </a:t>
             </a:r>
             <a:r>
-              <a:rPr lang="ko-KR" altLang="en-US" smtClean="0"/>
+              <a:rPr lang="ko-KR" altLang="en-US"/>
               <a:t>데이터의 정규화</a:t>
             </a:r>
-            <a:endParaRPr lang="en-US" altLang="ko-KR" smtClean="0"/>
-          </a:p>
-          <a:p>
-            <a:r>
-              <a:rPr lang="en-US" altLang="ko-KR" smtClean="0"/>
+            <a:endParaRPr lang="en-US" altLang="ko-KR"/>
+          </a:p>
+          <a:p>
+            <a:r>
+              <a:rPr lang="en-US" altLang="ko-KR"/>
               <a:t>2.4 1</a:t>
             </a:r>
             <a:r>
-              <a:rPr lang="ko-KR" altLang="en-US" smtClean="0"/>
+              <a:rPr lang="ko-KR" altLang="en-US"/>
               <a:t>차원 데이터의 시각화</a:t>
             </a:r>
             <a:endParaRPr lang="ko-KR" altLang="en-US" dirty="0"/>
@@ -9357,7 +9225,7 @@
           <a:lstStyle/>
           <a:p>
             <a:r>
-              <a:rPr lang="en-US" altLang="ko-KR" b="1" dirty="0" smtClean="0">
+              <a:rPr lang="en-US" altLang="ko-KR" b="1" dirty="0">
                 <a:solidFill>
                   <a:srgbClr val="3FBFB0"/>
                 </a:solidFill>
@@ -9382,13 +9250,6 @@
   <p:clrMapOvr>
     <a:masterClrMapping/>
   </p:clrMapOvr>
-  <p:timing>
-    <p:tnLst>
-      <p:par>
-        <p:cTn id="1" dur="indefinite" restart="never" nodeType="tmRoot"/>
-      </p:par>
-    </p:tnLst>
-  </p:timing>
 </p:sld>
 </file>
 
@@ -9466,7 +9327,7 @@
             <a:p>
               <a:pPr algn="r"/>
               <a:r>
-                <a:rPr lang="en-US" altLang="ko-KR" b="1" smtClean="0">
+                <a:rPr lang="en-US" altLang="ko-KR" b="1">
                   <a:solidFill>
                     <a:srgbClr val="5BC9BC"/>
                   </a:solidFill>
@@ -9474,7 +9335,7 @@
                 <a:t>2.2 </a:t>
               </a:r>
               <a:r>
-                <a:rPr lang="ko-KR" altLang="en-US" b="1" smtClean="0">
+                <a:rPr lang="ko-KR" altLang="en-US" b="1">
                   <a:solidFill>
                     <a:schemeClr val="tx1"/>
                   </a:solidFill>
@@ -9577,7 +9438,7 @@
             <a:lstStyle/>
             <a:p>
               <a:r>
-                <a:rPr lang="en-US" altLang="ko-KR" sz="2000" b="1" smtClean="0">
+                <a:rPr lang="en-US" altLang="ko-KR" sz="2000" b="1">
                   <a:solidFill>
                     <a:srgbClr val="5BC9BC"/>
                   </a:solidFill>
@@ -9585,7 +9446,7 @@
                 <a:t>2.2.1 </a:t>
               </a:r>
               <a:r>
-                <a:rPr lang="ko-KR" altLang="en-US" sz="2000" b="1" smtClean="0">
+                <a:rPr lang="ko-KR" altLang="en-US" sz="2000" b="1">
                   <a:solidFill>
                     <a:srgbClr val="5BC9BC"/>
                   </a:solidFill>
@@ -9695,10 +9556,10 @@
               <a:buChar char="•"/>
             </a:pPr>
             <a:r>
-              <a:rPr lang="ko-KR" altLang="en-US" sz="2000" dirty="0" smtClean="0"/>
+              <a:rPr lang="ko-KR" altLang="en-US" sz="2000" dirty="0"/>
               <a:t>편차 비교</a:t>
             </a:r>
-            <a:endParaRPr lang="en-US" altLang="ko-KR" sz="2000" dirty="0" smtClean="0"/>
+            <a:endParaRPr lang="en-US" altLang="ko-KR" sz="2000" dirty="0"/>
           </a:p>
         </p:txBody>
       </p:sp>
@@ -9735,13 +9596,6 @@
   <p:clrMapOvr>
     <a:masterClrMapping/>
   </p:clrMapOvr>
-  <p:timing>
-    <p:tnLst>
-      <p:par>
-        <p:cTn id="1" dur="indefinite" restart="never" nodeType="tmRoot"/>
-      </p:par>
-    </p:tnLst>
-  </p:timing>
 </p:sld>
 </file>
 
@@ -9789,103 +9643,103 @@
               <a:buChar char="•"/>
             </a:pPr>
             <a:r>
-              <a:rPr lang="ko-KR" altLang="en-US" sz="2000" dirty="0" smtClean="0"/>
+              <a:rPr lang="ko-KR" altLang="en-US" sz="2000" dirty="0"/>
               <a:t>분산</a:t>
             </a:r>
             <a:endParaRPr lang="en-US" altLang="ko-KR" sz="2000" dirty="0"/>
           </a:p>
           <a:p>
             <a:r>
-              <a:rPr lang="ko-KR" altLang="en-US" dirty="0" smtClean="0"/>
+              <a:rPr lang="ko-KR" altLang="en-US" dirty="0"/>
               <a:t>    </a:t>
             </a:r>
             <a:r>
-              <a:rPr lang="en-US" altLang="ko-KR" dirty="0" smtClean="0"/>
+              <a:rPr lang="en-US" altLang="ko-KR" dirty="0"/>
               <a:t>- </a:t>
             </a:r>
             <a:r>
-              <a:rPr lang="ko-KR" altLang="en-US" dirty="0" smtClean="0"/>
+              <a:rPr lang="ko-KR" altLang="en-US" dirty="0"/>
               <a:t>산포도의 지표인 편차의 평균은 항상 </a:t>
             </a:r>
             <a:r>
-              <a:rPr lang="en-US" altLang="ko-KR" dirty="0" smtClean="0"/>
+              <a:rPr lang="en-US" altLang="ko-KR" dirty="0"/>
               <a:t>0</a:t>
             </a:r>
           </a:p>
           <a:p>
             <a:r>
-              <a:rPr lang="en-US" altLang="ko-KR" dirty="0" smtClean="0"/>
+              <a:rPr lang="en-US" altLang="ko-KR" dirty="0"/>
               <a:t>    - </a:t>
             </a:r>
             <a:r>
-              <a:rPr lang="ko-KR" altLang="en-US" dirty="0" smtClean="0"/>
+              <a:rPr lang="ko-KR" altLang="en-US" dirty="0"/>
               <a:t>앞의 </a:t>
             </a:r>
             <a:r>
-              <a:rPr lang="en-US" altLang="ko-KR" dirty="0" smtClean="0"/>
+              <a:rPr lang="en-US" altLang="ko-KR" dirty="0"/>
               <a:t>B </a:t>
             </a:r>
             <a:r>
-              <a:rPr lang="ko-KR" altLang="en-US" dirty="0" smtClean="0"/>
+              <a:rPr lang="ko-KR" altLang="en-US" dirty="0"/>
               <a:t>학생과 </a:t>
             </a:r>
             <a:r>
-              <a:rPr lang="en-US" altLang="ko-KR" dirty="0" smtClean="0"/>
+              <a:rPr lang="en-US" altLang="ko-KR" dirty="0"/>
               <a:t>D</a:t>
             </a:r>
             <a:r>
-              <a:rPr lang="ko-KR" altLang="en-US" dirty="0" smtClean="0"/>
+              <a:rPr lang="ko-KR" altLang="en-US" dirty="0"/>
               <a:t> 학생은 모두 평균에서 </a:t>
             </a:r>
             <a:r>
-              <a:rPr lang="en-US" altLang="ko-KR" dirty="0" smtClean="0"/>
+              <a:rPr lang="en-US" altLang="ko-KR" dirty="0"/>
               <a:t>14</a:t>
             </a:r>
             <a:r>
-              <a:rPr lang="ko-KR" altLang="en-US" dirty="0" smtClean="0"/>
+              <a:rPr lang="ko-KR" altLang="en-US" dirty="0"/>
               <a:t>점 떨어져 동일 정도의 산포도를 가지지만</a:t>
             </a:r>
             <a:r>
-              <a:rPr lang="en-US" altLang="ko-KR" dirty="0" smtClean="0"/>
+              <a:rPr lang="en-US" altLang="ko-KR" dirty="0"/>
               <a:t>, </a:t>
             </a:r>
             <a:r>
-              <a:rPr lang="ko-KR" altLang="en-US" dirty="0" smtClean="0"/>
+              <a:rPr lang="ko-KR" altLang="en-US" dirty="0"/>
               <a:t>단순히 더하면 서로 상쇄되어 </a:t>
             </a:r>
             <a:r>
-              <a:rPr lang="en-US" altLang="ko-KR" dirty="0" smtClean="0"/>
+              <a:rPr lang="en-US" altLang="ko-KR" dirty="0"/>
               <a:t>0</a:t>
             </a:r>
             <a:r>
-              <a:rPr lang="ko-KR" altLang="en-US" dirty="0" smtClean="0"/>
+              <a:rPr lang="ko-KR" altLang="en-US" dirty="0"/>
               <a:t>이 되므로 편차의 제곱을 이용</a:t>
             </a:r>
             <a:endParaRPr lang="en-US" altLang="ko-KR" dirty="0"/>
           </a:p>
           <a:p>
             <a:r>
-              <a:rPr lang="ko-KR" altLang="en-US" dirty="0" smtClean="0"/>
+              <a:rPr lang="ko-KR" altLang="en-US" dirty="0"/>
               <a:t>    </a:t>
             </a:r>
             <a:r>
-              <a:rPr lang="en-US" altLang="ko-KR" dirty="0" smtClean="0"/>
+              <a:rPr lang="en-US" altLang="ko-KR" dirty="0"/>
               <a:t>- </a:t>
             </a:r>
             <a:r>
-              <a:rPr lang="ko-KR" altLang="en-US" dirty="0" smtClean="0"/>
+              <a:rPr lang="ko-KR" altLang="en-US" dirty="0"/>
               <a:t>편차 제곱의 평균이 분산</a:t>
             </a:r>
             <a:r>
-              <a:rPr lang="en-US" altLang="ko-KR" dirty="0" smtClean="0"/>
+              <a:rPr lang="en-US" altLang="ko-KR" dirty="0"/>
               <a:t>(</a:t>
             </a:r>
             <a:r>
-              <a:rPr lang="ko-KR" altLang="en-US" dirty="0" err="1" smtClean="0"/>
+              <a:rPr lang="ko-KR" altLang="en-US" dirty="0" err="1"/>
               <a:t>모분산</a:t>
             </a:r>
             <a:r>
-              <a:rPr lang="en-US" altLang="ko-KR" dirty="0" smtClean="0"/>
+              <a:rPr lang="en-US" altLang="ko-KR" dirty="0"/>
               <a:t>)</a:t>
             </a:r>
           </a:p>
@@ -9901,7 +9755,7 @@
               <a:buFontTx/>
               <a:buChar char="-"/>
             </a:pPr>
-            <a:endParaRPr lang="en-US" altLang="ko-KR" dirty="0" smtClean="0"/>
+            <a:endParaRPr lang="en-US" altLang="ko-KR" dirty="0"/>
           </a:p>
           <a:p>
             <a:pPr marL="800100" lvl="1" indent="-342900">
@@ -9915,7 +9769,7 @@
               <a:buFontTx/>
               <a:buChar char="-"/>
             </a:pPr>
-            <a:endParaRPr lang="en-US" altLang="ko-KR" dirty="0" smtClean="0"/>
+            <a:endParaRPr lang="en-US" altLang="ko-KR" dirty="0"/>
           </a:p>
           <a:p>
             <a:pPr marL="800100" lvl="1" indent="-342900">
@@ -9929,7 +9783,7 @@
               <a:buFontTx/>
               <a:buChar char="-"/>
             </a:pPr>
-            <a:endParaRPr lang="en-US" altLang="ko-KR" dirty="0" smtClean="0"/>
+            <a:endParaRPr lang="en-US" altLang="ko-KR" dirty="0"/>
           </a:p>
           <a:p>
             <a:pPr marL="800100" lvl="1" indent="-342900">
@@ -9940,7 +9794,7 @@
           </a:p>
           <a:p>
             <a:pPr lvl="1"/>
-            <a:endParaRPr lang="en-US" altLang="ko-KR" dirty="0" smtClean="0"/>
+            <a:endParaRPr lang="en-US" altLang="ko-KR" dirty="0"/>
           </a:p>
           <a:p>
             <a:pPr lvl="1"/>
@@ -9949,30 +9803,30 @@
           <a:p>
             <a:pPr lvl="1"/>
             <a:r>
-              <a:rPr lang="en-US" altLang="ko-KR" dirty="0" smtClean="0"/>
+              <a:rPr lang="en-US" altLang="ko-KR" dirty="0"/>
               <a:t>- </a:t>
             </a:r>
             <a:r>
-              <a:rPr lang="en-US" altLang="ko-KR" dirty="0" err="1" smtClean="0"/>
+              <a:rPr lang="en-US" altLang="ko-KR" dirty="0" err="1"/>
               <a:t>NumPy</a:t>
             </a:r>
             <a:r>
-              <a:rPr lang="ko-KR" altLang="en-US" dirty="0" smtClean="0"/>
+              <a:rPr lang="ko-KR" altLang="en-US" dirty="0"/>
               <a:t>의 </a:t>
             </a:r>
             <a:r>
-              <a:rPr lang="en-US" altLang="ko-KR" dirty="0" err="1" smtClean="0"/>
+              <a:rPr lang="en-US" altLang="ko-KR" dirty="0" err="1"/>
               <a:t>var</a:t>
             </a:r>
             <a:r>
-              <a:rPr lang="en-US" altLang="ko-KR" dirty="0" smtClean="0"/>
+              <a:rPr lang="en-US" altLang="ko-KR" dirty="0"/>
               <a:t> </a:t>
             </a:r>
             <a:r>
-              <a:rPr lang="ko-KR" altLang="en-US" dirty="0" smtClean="0"/>
+              <a:rPr lang="ko-KR" altLang="en-US" dirty="0"/>
               <a:t>함수</a:t>
             </a:r>
-            <a:endParaRPr lang="en-US" altLang="ko-KR" dirty="0" smtClean="0"/>
+            <a:endParaRPr lang="en-US" altLang="ko-KR" dirty="0"/>
           </a:p>
           <a:p>
             <a:pPr marL="800100" lvl="1" indent="-342900">
@@ -9986,7 +9840,7 @@
               <a:buFontTx/>
               <a:buChar char="-"/>
             </a:pPr>
-            <a:endParaRPr lang="en-US" altLang="ko-KR" dirty="0" smtClean="0"/>
+            <a:endParaRPr lang="en-US" altLang="ko-KR" dirty="0"/>
           </a:p>
           <a:p>
             <a:pPr marL="800100" lvl="1" indent="-342900">
@@ -10007,7 +9861,7 @@
               <a:buFontTx/>
               <a:buChar char="-"/>
             </a:pPr>
-            <a:endParaRPr lang="en-US" altLang="ko-KR" dirty="0" smtClean="0"/>
+            <a:endParaRPr lang="en-US" altLang="ko-KR" dirty="0"/>
           </a:p>
           <a:p>
             <a:pPr marL="800100" lvl="1" indent="-342900">
@@ -10021,7 +9875,7 @@
               <a:buFontTx/>
               <a:buChar char="-"/>
             </a:pPr>
-            <a:endParaRPr lang="en-US" altLang="ko-KR" dirty="0" smtClean="0"/>
+            <a:endParaRPr lang="en-US" altLang="ko-KR" dirty="0"/>
           </a:p>
         </p:txBody>
       </p:sp>
@@ -10082,7 +9936,7 @@
             <a:p>
               <a:pPr algn="r"/>
               <a:r>
-                <a:rPr lang="en-US" altLang="ko-KR" b="1" smtClean="0">
+                <a:rPr lang="en-US" altLang="ko-KR" b="1">
                   <a:solidFill>
                     <a:srgbClr val="5BC9BC"/>
                   </a:solidFill>
@@ -10090,7 +9944,7 @@
                 <a:t>2.2 </a:t>
               </a:r>
               <a:r>
-                <a:rPr lang="ko-KR" altLang="en-US" b="1" smtClean="0">
+                <a:rPr lang="ko-KR" altLang="en-US" b="1">
                   <a:solidFill>
                     <a:schemeClr val="tx1"/>
                   </a:solidFill>
@@ -10193,7 +10047,7 @@
             <a:lstStyle/>
             <a:p>
               <a:r>
-                <a:rPr lang="en-US" altLang="ko-KR" sz="2000" b="1" smtClean="0">
+                <a:rPr lang="en-US" altLang="ko-KR" sz="2000" b="1">
                   <a:solidFill>
                     <a:srgbClr val="5BC9BC"/>
                   </a:solidFill>
@@ -10201,7 +10055,7 @@
                 <a:t>2.2.1 </a:t>
               </a:r>
               <a:r>
-                <a:rPr lang="ko-KR" altLang="en-US" sz="2000" b="1" smtClean="0">
+                <a:rPr lang="ko-KR" altLang="en-US" sz="2000" b="1">
                   <a:solidFill>
                     <a:srgbClr val="5BC9BC"/>
                   </a:solidFill>
@@ -10412,13 +10266,6 @@
   <p:clrMapOvr>
     <a:masterClrMapping/>
   </p:clrMapOvr>
-  <p:timing>
-    <p:tnLst>
-      <p:par>
-        <p:cTn id="1" dur="indefinite" restart="never" nodeType="tmRoot"/>
-      </p:par>
-    </p:tnLst>
-  </p:timing>
 </p:sld>
 </file>
 
@@ -10466,21 +10313,21 @@
               <a:buChar char="•"/>
             </a:pPr>
             <a:r>
-              <a:rPr lang="ko-KR" altLang="en-US" sz="2000" dirty="0" smtClean="0"/>
+              <a:rPr lang="ko-KR" altLang="en-US" sz="2000" dirty="0"/>
               <a:t>분산</a:t>
             </a:r>
             <a:endParaRPr lang="en-US" altLang="ko-KR" sz="2000" dirty="0"/>
           </a:p>
           <a:p>
             <a:r>
-              <a:rPr lang="en-US" altLang="ko-KR" sz="2000" dirty="0" smtClean="0"/>
+              <a:rPr lang="en-US" altLang="ko-KR" sz="2000" dirty="0"/>
               <a:t>    - </a:t>
             </a:r>
             <a:r>
-              <a:rPr lang="ko-KR" altLang="en-US" dirty="0" smtClean="0"/>
+              <a:rPr lang="ko-KR" altLang="en-US" dirty="0"/>
               <a:t>표본분산</a:t>
             </a:r>
-            <a:endParaRPr lang="en-US" altLang="ko-KR" dirty="0" smtClean="0"/>
+            <a:endParaRPr lang="en-US" altLang="ko-KR" dirty="0"/>
           </a:p>
         </p:txBody>
       </p:sp>
@@ -10541,7 +10388,7 @@
             <a:p>
               <a:pPr algn="r"/>
               <a:r>
-                <a:rPr lang="en-US" altLang="ko-KR" b="1" smtClean="0">
+                <a:rPr lang="en-US" altLang="ko-KR" b="1">
                   <a:solidFill>
                     <a:srgbClr val="5BC9BC"/>
                   </a:solidFill>
@@ -10549,7 +10396,7 @@
                 <a:t>2.2 </a:t>
               </a:r>
               <a:r>
-                <a:rPr lang="ko-KR" altLang="en-US" b="1" smtClean="0">
+                <a:rPr lang="ko-KR" altLang="en-US" b="1">
                   <a:solidFill>
                     <a:schemeClr val="tx1"/>
                   </a:solidFill>
@@ -10652,7 +10499,7 @@
             <a:lstStyle/>
             <a:p>
               <a:r>
-                <a:rPr lang="en-US" altLang="ko-KR" sz="2000" b="1" smtClean="0">
+                <a:rPr lang="en-US" altLang="ko-KR" sz="2000" b="1">
                   <a:solidFill>
                     <a:srgbClr val="5BC9BC"/>
                   </a:solidFill>
@@ -10660,7 +10507,7 @@
                 <a:t>2.2.1 </a:t>
               </a:r>
               <a:r>
-                <a:rPr lang="ko-KR" altLang="en-US" sz="2000" b="1" smtClean="0">
+                <a:rPr lang="ko-KR" altLang="en-US" sz="2000" b="1">
                   <a:solidFill>
                     <a:srgbClr val="5BC9BC"/>
                   </a:solidFill>
@@ -10685,7 +10532,7 @@
           <p:nvPr/>
         </p:nvPicPr>
         <p:blipFill>
-          <a:blip r:embed="rId3">
+          <a:blip r:embed="rId2">
             <a:extLst>
               <a:ext uri="{28A0092B-C50C-407E-A947-70E740481C1C}">
                 <a14:useLocalDpi xmlns:a14="http://schemas.microsoft.com/office/drawing/2010/main" val="0"/>
@@ -10752,12 +10599,12 @@
           <a:graphicData uri="http://schemas.openxmlformats.org/presentationml/2006/ole">
             <mc:AlternateContent xmlns:mc="http://schemas.openxmlformats.org/markup-compatibility/2006">
               <mc:Choice xmlns:v="urn:schemas-microsoft-com:vml" Requires="v">
-                <p:oleObj spid="_x0000_s4125" name="Equation" r:id="rId4" imgW="1117115" imgH="444307" progId="Equation.3">
+                <p:oleObj name="Equation" r:id="rId3" imgW="1117115" imgH="444307" progId="Equation.3">
                   <p:embed/>
                 </p:oleObj>
               </mc:Choice>
               <mc:Fallback>
-                <p:oleObj name="Equation" r:id="rId4" imgW="1117115" imgH="444307" progId="Equation.3">
+                <p:oleObj name="Equation" r:id="rId3" imgW="1117115" imgH="444307" progId="Equation.3">
                   <p:embed/>
                   <p:pic>
                     <p:nvPicPr>
@@ -10768,7 +10615,7 @@
                       <p:nvPr/>
                     </p:nvPicPr>
                     <p:blipFill>
-                      <a:blip r:embed="rId5">
+                      <a:blip r:embed="rId4">
                         <a:extLst>
                           <a:ext uri="{28A0092B-C50C-407E-A947-70E740481C1C}">
                             <a14:useLocalDpi xmlns:a14="http://schemas.microsoft.com/office/drawing/2010/main" val="0"/>
@@ -10877,10 +10724,9 @@
               <a:t>장</a:t>
             </a:r>
             <a:r>
-              <a:rPr lang="en-US" altLang="ko-KR" dirty="0" smtClean="0"/>
+              <a:rPr lang="en-US" altLang="ko-KR" dirty="0"/>
               <a:t>)</a:t>
             </a:r>
-            <a:endParaRPr lang="en-US" altLang="ko-KR" dirty="0"/>
           </a:p>
         </p:txBody>
       </p:sp>
@@ -10932,14 +10778,13 @@
               <a:t> 인수 </a:t>
             </a:r>
             <a:r>
-              <a:rPr lang="en-US" altLang="ko-KR" dirty="0" err="1" smtClean="0"/>
+              <a:rPr lang="en-US" altLang="ko-KR" dirty="0" err="1"/>
               <a:t>ddof</a:t>
             </a:r>
             <a:r>
-              <a:rPr lang="en-US" altLang="ko-KR" dirty="0" smtClean="0"/>
+              <a:rPr lang="en-US" altLang="ko-KR" dirty="0"/>
               <a:t>=0</a:t>
             </a:r>
-            <a:endParaRPr lang="en-US" altLang="ko-KR" dirty="0"/>
           </a:p>
         </p:txBody>
       </p:sp>
@@ -10976,13 +10821,6 @@
   <p:clrMapOvr>
     <a:masterClrMapping/>
   </p:clrMapOvr>
-  <p:timing>
-    <p:tnLst>
-      <p:par>
-        <p:cTn id="1" dur="indefinite" restart="never" nodeType="tmRoot"/>
-      </p:par>
-    </p:tnLst>
-  </p:timing>
 </p:sld>
 </file>
 
@@ -11060,7 +10898,7 @@
             <a:p>
               <a:pPr algn="r"/>
               <a:r>
-                <a:rPr lang="en-US" altLang="ko-KR" b="1" smtClean="0">
+                <a:rPr lang="en-US" altLang="ko-KR" b="1">
                   <a:solidFill>
                     <a:srgbClr val="5BC9BC"/>
                   </a:solidFill>
@@ -11068,7 +10906,7 @@
                 <a:t>2.2 </a:t>
               </a:r>
               <a:r>
-                <a:rPr lang="ko-KR" altLang="en-US" b="1" smtClean="0">
+                <a:rPr lang="ko-KR" altLang="en-US" b="1">
                   <a:solidFill>
                     <a:schemeClr val="tx1"/>
                   </a:solidFill>
@@ -11171,7 +11009,7 @@
             <a:lstStyle/>
             <a:p>
               <a:r>
-                <a:rPr lang="en-US" altLang="ko-KR" sz="2000" b="1" smtClean="0">
+                <a:rPr lang="en-US" altLang="ko-KR" sz="2000" b="1">
                   <a:solidFill>
                     <a:srgbClr val="5BC9BC"/>
                   </a:solidFill>
@@ -11179,7 +11017,7 @@
                 <a:t>2.2.1 </a:t>
               </a:r>
               <a:r>
-                <a:rPr lang="ko-KR" altLang="en-US" sz="2000" b="1" smtClean="0">
+                <a:rPr lang="ko-KR" altLang="en-US" sz="2000" b="1">
                   <a:solidFill>
                     <a:srgbClr val="5BC9BC"/>
                   </a:solidFill>
@@ -11382,7 +11220,7 @@
               <a:buNone/>
             </a:pPr>
             <a:r>
-              <a:rPr lang="en-US" altLang="ko-KR" dirty="0" smtClean="0">
+              <a:rPr lang="en-US" altLang="ko-KR" dirty="0">
                 <a:latin typeface="휴먼모음T" panose="02030504000101010101" pitchFamily="18" charset="-127"/>
                 <a:ea typeface="휴먼모음T" panose="02030504000101010101" pitchFamily="18" charset="-127"/>
               </a:rPr>
@@ -11395,20 +11233,20 @@
               <a:buNone/>
             </a:pPr>
             <a:r>
-              <a:rPr lang="en-US" altLang="ko-KR" dirty="0" smtClean="0">
+              <a:rPr lang="en-US" altLang="ko-KR" dirty="0">
                 <a:latin typeface="휴먼모음T" panose="02030504000101010101" pitchFamily="18" charset="-127"/>
                 <a:ea typeface="휴먼모음T" panose="02030504000101010101" pitchFamily="18" charset="-127"/>
               </a:rPr>
               <a:t>    1  2  3  4</a:t>
             </a:r>
             <a:r>
-              <a:rPr lang="ko-KR" altLang="en-US" dirty="0" smtClean="0">
+              <a:rPr lang="ko-KR" altLang="en-US" dirty="0">
                 <a:latin typeface="휴먼모음T" panose="02030504000101010101" pitchFamily="18" charset="-127"/>
                 <a:ea typeface="휴먼모음T" panose="02030504000101010101" pitchFamily="18" charset="-127"/>
               </a:rPr>
               <a:t>라면</a:t>
             </a:r>
-            <a:endParaRPr lang="en-US" altLang="ko-KR" dirty="0" smtClean="0">
+            <a:endParaRPr lang="en-US" altLang="ko-KR" dirty="0">
               <a:latin typeface="휴먼모음T" panose="02030504000101010101" pitchFamily="18" charset="-127"/>
               <a:ea typeface="휴먼모음T" panose="02030504000101010101" pitchFamily="18" charset="-127"/>
             </a:endParaRPr>
@@ -11418,7 +11256,7 @@
               <a:buFont typeface="Wingdings" pitchFamily="2" charset="2"/>
               <a:buAutoNum type="arabicPlain"/>
             </a:pPr>
-            <a:endParaRPr lang="en-US" altLang="ko-KR" dirty="0" smtClean="0">
+            <a:endParaRPr lang="en-US" altLang="ko-KR" dirty="0">
               <a:latin typeface="휴먼모음T" panose="02030504000101010101" pitchFamily="18" charset="-127"/>
               <a:ea typeface="휴먼모음T" panose="02030504000101010101" pitchFamily="18" charset="-127"/>
             </a:endParaRPr>
@@ -11429,56 +11267,56 @@
               <a:buNone/>
             </a:pPr>
             <a:r>
-              <a:rPr lang="en-US" altLang="ko-KR" dirty="0" smtClean="0">
+              <a:rPr lang="en-US" altLang="ko-KR" dirty="0">
                 <a:latin typeface="휴먼모음T" panose="02030504000101010101" pitchFamily="18" charset="-127"/>
                 <a:ea typeface="휴먼모음T" panose="02030504000101010101" pitchFamily="18" charset="-127"/>
               </a:rPr>
               <a:t>(1-2.5)</a:t>
             </a:r>
             <a:r>
-              <a:rPr lang="en-US" altLang="ko-KR" baseline="30000" dirty="0" smtClean="0">
+              <a:rPr lang="en-US" altLang="ko-KR" baseline="30000" dirty="0">
                 <a:latin typeface="휴먼모음T" panose="02030504000101010101" pitchFamily="18" charset="-127"/>
                 <a:ea typeface="휴먼모음T" panose="02030504000101010101" pitchFamily="18" charset="-127"/>
               </a:rPr>
               <a:t>2</a:t>
             </a:r>
             <a:r>
-              <a:rPr lang="en-US" altLang="ko-KR" dirty="0" smtClean="0">
+              <a:rPr lang="en-US" altLang="ko-KR" dirty="0">
                 <a:latin typeface="휴먼모음T" panose="02030504000101010101" pitchFamily="18" charset="-127"/>
                 <a:ea typeface="휴먼모음T" panose="02030504000101010101" pitchFamily="18" charset="-127"/>
               </a:rPr>
               <a:t>+(2-2.5)</a:t>
             </a:r>
             <a:r>
-              <a:rPr lang="en-US" altLang="ko-KR" baseline="30000" dirty="0" smtClean="0">
+              <a:rPr lang="en-US" altLang="ko-KR" baseline="30000" dirty="0">
                 <a:latin typeface="휴먼모음T" panose="02030504000101010101" pitchFamily="18" charset="-127"/>
                 <a:ea typeface="휴먼모음T" panose="02030504000101010101" pitchFamily="18" charset="-127"/>
               </a:rPr>
               <a:t>2</a:t>
             </a:r>
             <a:r>
-              <a:rPr lang="en-US" altLang="ko-KR" dirty="0" smtClean="0">
+              <a:rPr lang="en-US" altLang="ko-KR" dirty="0">
                 <a:latin typeface="휴먼모음T" panose="02030504000101010101" pitchFamily="18" charset="-127"/>
                 <a:ea typeface="휴먼모음T" panose="02030504000101010101" pitchFamily="18" charset="-127"/>
               </a:rPr>
               <a:t>+(3-2.5)</a:t>
             </a:r>
             <a:r>
-              <a:rPr lang="en-US" altLang="ko-KR" baseline="30000" dirty="0" smtClean="0">
+              <a:rPr lang="en-US" altLang="ko-KR" baseline="30000" dirty="0">
                 <a:latin typeface="휴먼모음T" panose="02030504000101010101" pitchFamily="18" charset="-127"/>
                 <a:ea typeface="휴먼모음T" panose="02030504000101010101" pitchFamily="18" charset="-127"/>
               </a:rPr>
               <a:t>2</a:t>
             </a:r>
             <a:r>
-              <a:rPr lang="en-US" altLang="ko-KR" dirty="0" smtClean="0">
+              <a:rPr lang="en-US" altLang="ko-KR" dirty="0">
                 <a:latin typeface="휴먼모음T" panose="02030504000101010101" pitchFamily="18" charset="-127"/>
                 <a:ea typeface="휴먼모음T" panose="02030504000101010101" pitchFamily="18" charset="-127"/>
               </a:rPr>
               <a:t>+(4-2.5)</a:t>
             </a:r>
             <a:r>
-              <a:rPr lang="en-US" altLang="ko-KR" baseline="30000" dirty="0" smtClean="0">
+              <a:rPr lang="en-US" altLang="ko-KR" baseline="30000" dirty="0">
                 <a:latin typeface="휴먼모음T" panose="02030504000101010101" pitchFamily="18" charset="-127"/>
                 <a:ea typeface="휴먼모음T" panose="02030504000101010101" pitchFamily="18" charset="-127"/>
               </a:rPr>
@@ -11682,14 +11520,14 @@
           <a:p>
             <a:pPr eaLnBrk="1" hangingPunct="1"/>
             <a:r>
-              <a:rPr lang="ko-KR" altLang="en-US" sz="2800" dirty="0" smtClean="0">
+              <a:rPr lang="ko-KR" altLang="en-US" sz="2800" dirty="0">
                 <a:latin typeface="휴먼모음T" pitchFamily="18" charset="-127"/>
                 <a:ea typeface="휴먼모음T" pitchFamily="18" charset="-127"/>
               </a:rPr>
               <a:t>표본분산 </a:t>
             </a:r>
             <a:r>
-              <a:rPr lang="en-US" altLang="ko-KR" sz="2800" dirty="0" smtClean="0">
+              <a:rPr lang="en-US" altLang="ko-KR" sz="2800" dirty="0">
                 <a:latin typeface="휴먼모음T" pitchFamily="18" charset="-127"/>
                 <a:ea typeface="휴먼모음T" pitchFamily="18" charset="-127"/>
               </a:rPr>
@@ -11705,7 +11543,7 @@
           </a:p>
           <a:p>
             <a:pPr eaLnBrk="1" hangingPunct="1"/>
-            <a:endParaRPr lang="en-US" altLang="ko-KR" sz="2800" dirty="0" smtClean="0">
+            <a:endParaRPr lang="en-US" altLang="ko-KR" sz="2800" dirty="0">
               <a:latin typeface="휴먼모음T" pitchFamily="18" charset="-127"/>
               <a:ea typeface="휴먼모음T" pitchFamily="18" charset="-127"/>
             </a:endParaRPr>
@@ -11713,23 +11551,19 @@
           <a:p>
             <a:pPr eaLnBrk="1" hangingPunct="1"/>
             <a:r>
-              <a:rPr lang="ko-KR" altLang="en-US" sz="2800" dirty="0" smtClean="0">
+              <a:rPr lang="ko-KR" altLang="en-US" sz="2800" dirty="0">
                 <a:latin typeface="휴먼모음T" pitchFamily="18" charset="-127"/>
                 <a:ea typeface="휴먼모음T" pitchFamily="18" charset="-127"/>
               </a:rPr>
               <a:t>불편분산 </a:t>
             </a:r>
             <a:r>
-              <a:rPr lang="en-US" altLang="ko-KR" sz="2800" dirty="0" smtClean="0">
+              <a:rPr lang="en-US" altLang="ko-KR" sz="2800" dirty="0">
                 <a:latin typeface="휴먼모음T" pitchFamily="18" charset="-127"/>
                 <a:ea typeface="휴먼모음T" pitchFamily="18" charset="-127"/>
               </a:rPr>
               <a:t>= </a:t>
             </a:r>
-            <a:endParaRPr lang="en-US" altLang="ko-KR" sz="2800" dirty="0">
-              <a:latin typeface="휴먼모음T" pitchFamily="18" charset="-127"/>
-              <a:ea typeface="휴먼모음T" pitchFamily="18" charset="-127"/>
-            </a:endParaRPr>
           </a:p>
         </p:txBody>
       </p:sp>
@@ -12045,7 +11879,7 @@
           <a:p>
             <a:pPr eaLnBrk="1" hangingPunct="1"/>
             <a:r>
-              <a:rPr lang="en-US" altLang="ko-KR" sz="2800" smtClean="0">
+              <a:rPr lang="en-US" altLang="ko-KR" sz="2800">
                 <a:solidFill>
                   <a:srgbClr val="0000FF"/>
                 </a:solidFill>
@@ -12054,13 +11888,6 @@
               </a:rPr>
               <a:t>4</a:t>
             </a:r>
-            <a:endParaRPr lang="en-US" altLang="ko-KR" sz="2800">
-              <a:solidFill>
-                <a:srgbClr val="0000FF"/>
-              </a:solidFill>
-              <a:latin typeface="휴먼모음T" pitchFamily="18" charset="-127"/>
-              <a:ea typeface="휴먼모음T" pitchFamily="18" charset="-127"/>
-            </a:endParaRPr>
           </a:p>
         </p:txBody>
       </p:sp>
@@ -12141,18 +11968,13 @@
           <a:lstStyle/>
           <a:p>
             <a:r>
-              <a:rPr lang="ko-KR" altLang="en-US" b="1" smtClean="0">
+              <a:rPr lang="ko-KR" altLang="en-US" b="1">
                 <a:solidFill>
                   <a:srgbClr val="FF0000"/>
                 </a:solidFill>
               </a:rPr>
               <a:t>그러나 국내 통계학 책들은 대부분 불편분산을 표본분산으로 간주하여 설명</a:t>
             </a:r>
-            <a:endParaRPr lang="ko-KR" altLang="en-US" b="1">
-              <a:solidFill>
-                <a:srgbClr val="FF0000"/>
-              </a:solidFill>
-            </a:endParaRPr>
           </a:p>
         </p:txBody>
       </p:sp>
@@ -12634,10 +12456,10 @@
               <a:buChar char="•"/>
             </a:pPr>
             <a:r>
-              <a:rPr lang="ko-KR" altLang="en-US" sz="2000" dirty="0" smtClean="0"/>
+              <a:rPr lang="ko-KR" altLang="en-US" sz="2000" dirty="0"/>
               <a:t>분산</a:t>
             </a:r>
-            <a:endParaRPr lang="en-US" altLang="ko-KR" sz="2000" dirty="0" smtClean="0"/>
+            <a:endParaRPr lang="en-US" altLang="ko-KR" sz="2000" dirty="0"/>
           </a:p>
           <a:p>
             <a:pPr marL="800100" lvl="1" indent="-342900">
@@ -12648,14 +12470,14 @@
               <a:buChar char="-"/>
             </a:pPr>
             <a:r>
-              <a:rPr lang="en-US" altLang="ko-KR" dirty="0" err="1" smtClean="0"/>
+              <a:rPr lang="en-US" altLang="ko-KR" dirty="0" err="1"/>
               <a:t>NumPy</a:t>
             </a:r>
             <a:r>
-              <a:rPr lang="ko-KR" altLang="en-US" dirty="0" smtClean="0"/>
+              <a:rPr lang="ko-KR" altLang="en-US" dirty="0"/>
               <a:t>로 분산 계산</a:t>
             </a:r>
-            <a:endParaRPr lang="en-US" altLang="ko-KR" dirty="0" smtClean="0"/>
+            <a:endParaRPr lang="en-US" altLang="ko-KR" dirty="0"/>
           </a:p>
           <a:p>
             <a:pPr marL="800100" lvl="1" indent="-342900">
@@ -12667,25 +12489,13 @@
             </a:pPr>
             <a:r>
               <a:rPr lang="en-US" altLang="ko-KR" dirty="0" err="1"/>
-              <a:t>s</a:t>
-            </a:r>
-            <a:r>
-              <a:rPr lang="en-US" altLang="ko-KR" dirty="0" err="1" smtClean="0"/>
-              <a:t>ummary_df</a:t>
-            </a:r>
-            <a:r>
-              <a:rPr lang="ko-KR" altLang="en-US" dirty="0" smtClean="0"/>
-              <a:t>에 편차</a:t>
+              <a:t>summary_df</a:t>
             </a:r>
             <a:r>
               <a:rPr lang="ko-KR" altLang="en-US" dirty="0"/>
-              <a:t>의</a:t>
-            </a:r>
-            <a:r>
-              <a:rPr lang="ko-KR" altLang="en-US" dirty="0" smtClean="0"/>
-              <a:t> 제곱 열 추가 </a:t>
-            </a:r>
-            <a:endParaRPr lang="en-US" altLang="ko-KR" dirty="0" smtClean="0"/>
+              <a:t>에 편차의 제곱 열 추가 </a:t>
+            </a:r>
+            <a:endParaRPr lang="en-US" altLang="ko-KR" dirty="0"/>
           </a:p>
         </p:txBody>
       </p:sp>
@@ -12746,7 +12556,7 @@
             <a:p>
               <a:pPr algn="r"/>
               <a:r>
-                <a:rPr lang="en-US" altLang="ko-KR" b="1" smtClean="0">
+                <a:rPr lang="en-US" altLang="ko-KR" b="1">
                   <a:solidFill>
                     <a:srgbClr val="5BC9BC"/>
                   </a:solidFill>
@@ -12754,7 +12564,7 @@
                 <a:t>2.2 </a:t>
               </a:r>
               <a:r>
-                <a:rPr lang="ko-KR" altLang="en-US" b="1" smtClean="0">
+                <a:rPr lang="ko-KR" altLang="en-US" b="1">
                   <a:solidFill>
                     <a:schemeClr val="tx1"/>
                   </a:solidFill>
@@ -12857,7 +12667,7 @@
             <a:lstStyle/>
             <a:p>
               <a:r>
-                <a:rPr lang="en-US" altLang="ko-KR" sz="2000" b="1" smtClean="0">
+                <a:rPr lang="en-US" altLang="ko-KR" sz="2000" b="1">
                   <a:solidFill>
                     <a:srgbClr val="5BC9BC"/>
                   </a:solidFill>
@@ -12865,7 +12675,7 @@
                 <a:t>2.2.1 </a:t>
               </a:r>
               <a:r>
-                <a:rPr lang="ko-KR" altLang="en-US" sz="2000" b="1" smtClean="0">
+                <a:rPr lang="ko-KR" altLang="en-US" sz="2000" b="1">
                   <a:solidFill>
                     <a:srgbClr val="5BC9BC"/>
                   </a:solidFill>
@@ -12978,13 +12788,6 @@
   <p:clrMapOvr>
     <a:masterClrMapping/>
   </p:clrMapOvr>
-  <p:timing>
-    <p:tnLst>
-      <p:par>
-        <p:cTn id="1" dur="indefinite" restart="never" nodeType="tmRoot"/>
-      </p:par>
-    </p:tnLst>
-  </p:timing>
 </p:sld>
 </file>
 
@@ -13089,10 +12892,10 @@
               <a:buChar char="•"/>
             </a:pPr>
             <a:r>
-              <a:rPr lang="ko-KR" altLang="en-US" sz="2000" dirty="0" smtClean="0"/>
+              <a:rPr lang="ko-KR" altLang="en-US" sz="2000" dirty="0"/>
               <a:t>분산</a:t>
             </a:r>
-            <a:endParaRPr lang="en-US" altLang="ko-KR" sz="2000" dirty="0" smtClean="0"/>
+            <a:endParaRPr lang="en-US" altLang="ko-KR" sz="2000" dirty="0"/>
           </a:p>
           <a:p>
             <a:pPr marL="800100" lvl="1" indent="-342900">
@@ -13103,14 +12906,14 @@
               <a:buChar char="-"/>
             </a:pPr>
             <a:r>
-              <a:rPr lang="en-US" altLang="ko-KR" dirty="0" err="1" smtClean="0"/>
+              <a:rPr lang="en-US" altLang="ko-KR" dirty="0" err="1"/>
               <a:t>NumPy</a:t>
             </a:r>
             <a:r>
-              <a:rPr lang="ko-KR" altLang="en-US" dirty="0" smtClean="0"/>
+              <a:rPr lang="ko-KR" altLang="en-US" dirty="0"/>
               <a:t>로 분산 계산</a:t>
             </a:r>
-            <a:endParaRPr lang="en-US" altLang="ko-KR" dirty="0" smtClean="0"/>
+            <a:endParaRPr lang="en-US" altLang="ko-KR" dirty="0"/>
           </a:p>
           <a:p>
             <a:pPr marL="800100" lvl="1" indent="-342900">
@@ -13122,25 +12925,13 @@
             </a:pPr>
             <a:r>
               <a:rPr lang="en-US" altLang="ko-KR" dirty="0" err="1"/>
-              <a:t>s</a:t>
-            </a:r>
-            <a:r>
-              <a:rPr lang="en-US" altLang="ko-KR" dirty="0" err="1" smtClean="0"/>
-              <a:t>ummary_df</a:t>
-            </a:r>
-            <a:r>
-              <a:rPr lang="ko-KR" altLang="en-US" dirty="0" smtClean="0"/>
-              <a:t>에 편차</a:t>
+              <a:t>summary_df</a:t>
             </a:r>
             <a:r>
               <a:rPr lang="ko-KR" altLang="en-US" dirty="0"/>
-              <a:t>의</a:t>
-            </a:r>
-            <a:r>
-              <a:rPr lang="ko-KR" altLang="en-US" dirty="0" smtClean="0"/>
-              <a:t> 제곱 열 추가</a:t>
-            </a:r>
-            <a:endParaRPr lang="en-US" altLang="ko-KR" dirty="0" smtClean="0"/>
+              <a:t>에 편차의 제곱 열 추가</a:t>
+            </a:r>
+            <a:endParaRPr lang="en-US" altLang="ko-KR" dirty="0"/>
           </a:p>
         </p:txBody>
       </p:sp>
@@ -13201,7 +12992,7 @@
             <a:p>
               <a:pPr algn="r"/>
               <a:r>
-                <a:rPr lang="en-US" altLang="ko-KR" b="1" smtClean="0">
+                <a:rPr lang="en-US" altLang="ko-KR" b="1">
                   <a:solidFill>
                     <a:srgbClr val="5BC9BC"/>
                   </a:solidFill>
@@ -13209,7 +13000,7 @@
                 <a:t>2.2 </a:t>
               </a:r>
               <a:r>
-                <a:rPr lang="ko-KR" altLang="en-US" b="1" smtClean="0">
+                <a:rPr lang="ko-KR" altLang="en-US" b="1">
                   <a:solidFill>
                     <a:schemeClr val="tx1"/>
                   </a:solidFill>
@@ -13312,7 +13103,7 @@
             <a:lstStyle/>
             <a:p>
               <a:r>
-                <a:rPr lang="en-US" altLang="ko-KR" sz="2000" b="1" smtClean="0">
+                <a:rPr lang="en-US" altLang="ko-KR" sz="2000" b="1">
                   <a:solidFill>
                     <a:srgbClr val="5BC9BC"/>
                   </a:solidFill>
@@ -13320,7 +13111,7 @@
                 <a:t>2.2.1 </a:t>
               </a:r>
               <a:r>
-                <a:rPr lang="ko-KR" altLang="en-US" sz="2000" b="1" smtClean="0">
+                <a:rPr lang="ko-KR" altLang="en-US" sz="2000" b="1">
                   <a:solidFill>
                     <a:srgbClr val="5BC9BC"/>
                   </a:solidFill>
@@ -13369,13 +13160,6 @@
   <p:clrMapOvr>
     <a:masterClrMapping/>
   </p:clrMapOvr>
-  <p:timing>
-    <p:tnLst>
-      <p:par>
-        <p:cTn id="1" dur="indefinite" restart="never" nodeType="tmRoot"/>
-      </p:par>
-    </p:tnLst>
-  </p:timing>
 </p:sld>
 </file>
 
@@ -13487,10 +13271,10 @@
               <a:buChar char="•"/>
             </a:pPr>
             <a:r>
-              <a:rPr lang="ko-KR" altLang="en-US" sz="2000" dirty="0" smtClean="0"/>
+              <a:rPr lang="ko-KR" altLang="en-US" sz="2000" dirty="0"/>
               <a:t>분산</a:t>
             </a:r>
-            <a:endParaRPr lang="en-US" altLang="ko-KR" sz="2000" dirty="0" smtClean="0"/>
+            <a:endParaRPr lang="en-US" altLang="ko-KR" sz="2000" dirty="0"/>
           </a:p>
           <a:p>
             <a:pPr marL="800100" lvl="1" indent="-342900">
@@ -13498,26 +13282,26 @@
               <a:buChar char="-"/>
             </a:pPr>
             <a:r>
-              <a:rPr lang="ko-KR" altLang="en-US" dirty="0" smtClean="0"/>
+              <a:rPr lang="ko-KR" altLang="en-US" dirty="0"/>
               <a:t>편차 제곱은 한 변의 길이가 편차인 정사각형의 면적으로 간주하면</a:t>
             </a:r>
             <a:r>
-              <a:rPr lang="en-US" altLang="ko-KR" dirty="0" smtClean="0"/>
+              <a:rPr lang="en-US" altLang="ko-KR" dirty="0"/>
               <a:t>, </a:t>
             </a:r>
             <a:r>
-              <a:rPr lang="ko-KR" altLang="en-US" dirty="0" err="1" smtClean="0"/>
+              <a:rPr lang="ko-KR" altLang="en-US" dirty="0" err="1"/>
               <a:t>분산은면적의</a:t>
             </a:r>
             <a:r>
-              <a:rPr lang="en-US" altLang="ko-KR" dirty="0" smtClean="0"/>
+              <a:rPr lang="en-US" altLang="ko-KR" dirty="0"/>
               <a:t> </a:t>
             </a:r>
             <a:r>
-              <a:rPr lang="ko-KR" altLang="en-US" dirty="0" smtClean="0"/>
+              <a:rPr lang="ko-KR" altLang="en-US" dirty="0"/>
               <a:t>평균</a:t>
             </a:r>
-            <a:endParaRPr lang="en-US" altLang="ko-KR" dirty="0" smtClean="0"/>
+            <a:endParaRPr lang="en-US" altLang="ko-KR" dirty="0"/>
           </a:p>
           <a:p>
             <a:pPr marL="800100" lvl="1" indent="-342900">
@@ -13538,14 +13322,7 @@
               <a:buFontTx/>
               <a:buChar char="-"/>
             </a:pPr>
-            <a:endParaRPr lang="en-US" altLang="ko-KR" dirty="0" smtClean="0"/>
-          </a:p>
-          <a:p>
-            <a:pPr marL="800100" lvl="1" indent="-342900">
-              <a:buFontTx/>
-              <a:buChar char="-"/>
-            </a:pPr>
-            <a:endParaRPr lang="en-US" altLang="ko-KR" dirty="0" smtClean="0"/>
+            <a:endParaRPr lang="en-US" altLang="ko-KR" dirty="0"/>
           </a:p>
           <a:p>
             <a:pPr marL="800100" lvl="1" indent="-342900">
@@ -13566,7 +13343,7 @@
               <a:buFontTx/>
               <a:buChar char="-"/>
             </a:pPr>
-            <a:endParaRPr lang="en-US" altLang="ko-KR" dirty="0" smtClean="0"/>
+            <a:endParaRPr lang="en-US" altLang="ko-KR" dirty="0"/>
           </a:p>
           <a:p>
             <a:pPr marL="800100" lvl="1" indent="-342900">
@@ -13580,7 +13357,7 @@
               <a:buFontTx/>
               <a:buChar char="-"/>
             </a:pPr>
-            <a:endParaRPr lang="en-US" altLang="ko-KR" dirty="0" smtClean="0"/>
+            <a:endParaRPr lang="en-US" altLang="ko-KR" dirty="0"/>
           </a:p>
           <a:p>
             <a:pPr marL="800100" lvl="1" indent="-342900">
@@ -13594,7 +13371,7 @@
               <a:buFontTx/>
               <a:buChar char="-"/>
             </a:pPr>
-            <a:endParaRPr lang="en-US" altLang="ko-KR" dirty="0" smtClean="0"/>
+            <a:endParaRPr lang="en-US" altLang="ko-KR" dirty="0"/>
           </a:p>
           <a:p>
             <a:pPr marL="800100" lvl="1" indent="-342900">
@@ -13608,26 +13385,14 @@
               <a:buFontTx/>
               <a:buChar char="-"/>
             </a:pPr>
-            <a:endParaRPr lang="en-US" altLang="ko-KR" dirty="0" smtClean="0"/>
+            <a:endParaRPr lang="en-US" altLang="ko-KR" dirty="0"/>
           </a:p>
           <a:p>
             <a:pPr marL="800100" lvl="1" indent="-342900">
               <a:buFontTx/>
               <a:buChar char="-"/>
             </a:pPr>
-            <a:r>
-              <a:rPr lang="ko-KR" altLang="en-US" dirty="0" smtClean="0"/>
-              <a:t>중앙의 가로선과 세로선은 </a:t>
-            </a:r>
-            <a:r>
-              <a:rPr lang="en-US" altLang="ko-KR" dirty="0" smtClean="0"/>
-              <a:t>4</a:t>
-            </a:r>
-            <a:r>
-              <a:rPr lang="ko-KR" altLang="en-US" dirty="0" smtClean="0"/>
-              <a:t>명의 평균점수</a:t>
-            </a:r>
-            <a:endParaRPr lang="en-US" altLang="ko-KR" dirty="0" smtClean="0"/>
+            <a:endParaRPr lang="en-US" altLang="ko-KR" dirty="0"/>
           </a:p>
           <a:p>
             <a:pPr marL="800100" lvl="1" indent="-342900">
@@ -13635,14 +13400,18 @@
               <a:buChar char="-"/>
             </a:pPr>
             <a:r>
-              <a:rPr lang="en-US" altLang="ko-KR" dirty="0" smtClean="0"/>
-              <a:t>A, B, C, D </a:t>
-            </a:r>
-            <a:r>
-              <a:rPr lang="ko-KR" altLang="en-US" dirty="0" smtClean="0"/>
-              <a:t>각각은 시험 점수</a:t>
-            </a:r>
-            <a:endParaRPr lang="en-US" altLang="ko-KR" dirty="0" smtClean="0"/>
+              <a:rPr lang="ko-KR" altLang="en-US" dirty="0"/>
+              <a:t>중앙의 가로선과 세로선은 </a:t>
+            </a:r>
+            <a:r>
+              <a:rPr lang="en-US" altLang="ko-KR" dirty="0"/>
+              <a:t>4</a:t>
+            </a:r>
+            <a:r>
+              <a:rPr lang="ko-KR" altLang="en-US" dirty="0"/>
+              <a:t>명의 평균점수</a:t>
+            </a:r>
+            <a:endParaRPr lang="en-US" altLang="ko-KR" dirty="0"/>
           </a:p>
           <a:p>
             <a:pPr marL="800100" lvl="1" indent="-342900">
@@ -13650,10 +13419,14 @@
               <a:buChar char="-"/>
             </a:pPr>
             <a:r>
-              <a:rPr lang="ko-KR" altLang="en-US" dirty="0" smtClean="0"/>
-              <a:t>각 회색의 정사각형이 편차 제곱</a:t>
-            </a:r>
-            <a:endParaRPr lang="en-US" altLang="ko-KR" dirty="0" smtClean="0"/>
+              <a:rPr lang="en-US" altLang="ko-KR" dirty="0"/>
+              <a:t>A, B, C, D </a:t>
+            </a:r>
+            <a:r>
+              <a:rPr lang="ko-KR" altLang="en-US" dirty="0"/>
+              <a:t>각각은 시험 점수</a:t>
+            </a:r>
+            <a:endParaRPr lang="en-US" altLang="ko-KR" dirty="0"/>
           </a:p>
           <a:p>
             <a:pPr marL="800100" lvl="1" indent="-342900">
@@ -13661,10 +13434,10 @@
               <a:buChar char="-"/>
             </a:pPr>
             <a:r>
-              <a:rPr lang="ko-KR" altLang="en-US" dirty="0" smtClean="0"/>
-              <a:t>정사각형의 평균이 중앙의 정사각형</a:t>
-            </a:r>
-            <a:endParaRPr lang="en-US" altLang="ko-KR" dirty="0" smtClean="0"/>
+              <a:rPr lang="ko-KR" altLang="en-US" dirty="0"/>
+              <a:t>각 회색의 정사각형이 편차 제곱</a:t>
+            </a:r>
+            <a:endParaRPr lang="en-US" altLang="ko-KR" dirty="0"/>
           </a:p>
           <a:p>
             <a:pPr marL="800100" lvl="1" indent="-342900">
@@ -13672,10 +13445,21 @@
               <a:buChar char="-"/>
             </a:pPr>
             <a:r>
-              <a:rPr lang="ko-KR" altLang="en-US" dirty="0" smtClean="0"/>
+              <a:rPr lang="ko-KR" altLang="en-US" dirty="0"/>
+              <a:t>정사각형의 평균이 중앙의 정사각형</a:t>
+            </a:r>
+            <a:endParaRPr lang="en-US" altLang="ko-KR" dirty="0"/>
+          </a:p>
+          <a:p>
+            <a:pPr marL="800100" lvl="1" indent="-342900">
+              <a:buFontTx/>
+              <a:buChar char="-"/>
+            </a:pPr>
+            <a:r>
+              <a:rPr lang="ko-KR" altLang="en-US" dirty="0"/>
               <a:t>중앙 정사각형의 면적이 분산</a:t>
             </a:r>
-            <a:endParaRPr lang="en-US" altLang="ko-KR" dirty="0" smtClean="0"/>
+            <a:endParaRPr lang="en-US" altLang="ko-KR" dirty="0"/>
           </a:p>
         </p:txBody>
       </p:sp>
@@ -13736,7 +13520,7 @@
             <a:p>
               <a:pPr algn="r"/>
               <a:r>
-                <a:rPr lang="en-US" altLang="ko-KR" b="1" smtClean="0">
+                <a:rPr lang="en-US" altLang="ko-KR" b="1">
                   <a:solidFill>
                     <a:srgbClr val="5BC9BC"/>
                   </a:solidFill>
@@ -13744,7 +13528,7 @@
                 <a:t>2.2 </a:t>
               </a:r>
               <a:r>
-                <a:rPr lang="ko-KR" altLang="en-US" b="1" smtClean="0">
+                <a:rPr lang="ko-KR" altLang="en-US" b="1">
                   <a:solidFill>
                     <a:schemeClr val="tx1"/>
                   </a:solidFill>
@@ -13847,7 +13631,7 @@
             <a:lstStyle/>
             <a:p>
               <a:r>
-                <a:rPr lang="en-US" altLang="ko-KR" sz="2000" b="1" smtClean="0">
+                <a:rPr lang="en-US" altLang="ko-KR" sz="2000" b="1">
                   <a:solidFill>
                     <a:srgbClr val="5BC9BC"/>
                   </a:solidFill>
@@ -13855,7 +13639,7 @@
                 <a:t>2.2.1 </a:t>
               </a:r>
               <a:r>
-                <a:rPr lang="ko-KR" altLang="en-US" sz="2000" b="1" smtClean="0">
+                <a:rPr lang="ko-KR" altLang="en-US" sz="2000" b="1">
                   <a:solidFill>
                     <a:srgbClr val="5BC9BC"/>
                   </a:solidFill>
@@ -13904,13 +13688,6 @@
   <p:clrMapOvr>
     <a:masterClrMapping/>
   </p:clrMapOvr>
-  <p:timing>
-    <p:tnLst>
-      <p:par>
-        <p:cTn id="1" dur="indefinite" restart="never" nodeType="tmRoot"/>
-      </p:par>
-    </p:tnLst>
-  </p:timing>
 </p:sld>
 </file>
 
@@ -13961,10 +13738,10 @@
               <a:buChar char="•"/>
             </a:pPr>
             <a:r>
-              <a:rPr lang="ko-KR" altLang="en-US" sz="2000" dirty="0" smtClean="0"/>
+              <a:rPr lang="ko-KR" altLang="en-US" sz="2000" dirty="0"/>
               <a:t>표준편차</a:t>
             </a:r>
-            <a:endParaRPr lang="en-US" altLang="ko-KR" sz="2000" dirty="0" smtClean="0"/>
+            <a:endParaRPr lang="en-US" altLang="ko-KR" sz="2000" dirty="0"/>
           </a:p>
           <a:p>
             <a:pPr marL="800100" lvl="1" indent="-342900">
@@ -13975,10 +13752,10 @@
               <a:buChar char="-"/>
             </a:pPr>
             <a:r>
-              <a:rPr lang="ko-KR" altLang="en-US" dirty="0" smtClean="0"/>
+              <a:rPr lang="ko-KR" altLang="en-US" dirty="0"/>
               <a:t>앞의 예에서 분산은 점수의 제곱</a:t>
             </a:r>
-            <a:endParaRPr lang="en-US" altLang="ko-KR" dirty="0" smtClean="0"/>
+            <a:endParaRPr lang="en-US" altLang="ko-KR" dirty="0"/>
           </a:p>
           <a:p>
             <a:pPr marL="800100" lvl="1" indent="-342900">
@@ -13989,19 +13766,19 @@
               <a:buChar char="-"/>
             </a:pPr>
             <a:r>
-              <a:rPr lang="ko-KR" altLang="en-US" dirty="0" smtClean="0"/>
+              <a:rPr lang="ko-KR" altLang="en-US" dirty="0"/>
               <a:t>영어 점수의 분산은 </a:t>
             </a:r>
             <a:r>
-              <a:rPr lang="en-US" altLang="ko-KR" dirty="0" smtClean="0"/>
+              <a:rPr lang="en-US" altLang="ko-KR" dirty="0"/>
               <a:t>86</a:t>
             </a:r>
             <a:r>
-              <a:rPr lang="ko-KR" altLang="en-US" dirty="0" smtClean="0"/>
+              <a:rPr lang="ko-KR" altLang="en-US" dirty="0"/>
               <a:t>점</a:t>
             </a:r>
             <a:r>
-              <a:rPr lang="en-US" altLang="ko-KR" baseline="30000" dirty="0" smtClean="0"/>
+              <a:rPr lang="en-US" altLang="ko-KR" baseline="30000" dirty="0"/>
               <a:t>2</a:t>
             </a:r>
           </a:p>
@@ -14014,10 +13791,10 @@
               <a:buChar char="-"/>
             </a:pPr>
             <a:r>
-              <a:rPr lang="ko-KR" altLang="en-US" dirty="0" smtClean="0"/>
+              <a:rPr lang="ko-KR" altLang="en-US" dirty="0"/>
               <a:t>원래의 데이터와 동일한 단위를 쓰는 산포도 지표가 필요</a:t>
             </a:r>
-            <a:endParaRPr lang="en-US" altLang="ko-KR" dirty="0" smtClean="0"/>
+            <a:endParaRPr lang="en-US" altLang="ko-KR" dirty="0"/>
           </a:p>
           <a:p>
             <a:pPr marL="800100" lvl="1" indent="-342900">
@@ -14028,10 +13805,10 @@
               <a:buChar char="-"/>
             </a:pPr>
             <a:r>
-              <a:rPr lang="ko-KR" altLang="en-US" dirty="0" smtClean="0"/>
+              <a:rPr lang="ko-KR" altLang="en-US" dirty="0"/>
               <a:t>분산에 제곱근을 취한 것이 표준편차</a:t>
             </a:r>
-            <a:endParaRPr lang="en-US" altLang="ko-KR" dirty="0" smtClean="0"/>
+            <a:endParaRPr lang="en-US" altLang="ko-KR" dirty="0"/>
           </a:p>
         </p:txBody>
       </p:sp>
@@ -14092,7 +13869,7 @@
             <a:p>
               <a:pPr algn="r"/>
               <a:r>
-                <a:rPr lang="en-US" altLang="ko-KR" b="1" smtClean="0">
+                <a:rPr lang="en-US" altLang="ko-KR" b="1">
                   <a:solidFill>
                     <a:srgbClr val="5BC9BC"/>
                   </a:solidFill>
@@ -14100,7 +13877,7 @@
                 <a:t>2.2 </a:t>
               </a:r>
               <a:r>
-                <a:rPr lang="ko-KR" altLang="en-US" b="1" smtClean="0">
+                <a:rPr lang="ko-KR" altLang="en-US" b="1">
                   <a:solidFill>
                     <a:schemeClr val="tx1"/>
                   </a:solidFill>
@@ -14203,7 +13980,7 @@
             <a:lstStyle/>
             <a:p>
               <a:r>
-                <a:rPr lang="en-US" altLang="ko-KR" sz="2000" b="1" smtClean="0">
+                <a:rPr lang="en-US" altLang="ko-KR" sz="2000" b="1">
                   <a:solidFill>
                     <a:srgbClr val="5BC9BC"/>
                   </a:solidFill>
@@ -14211,7 +13988,7 @@
                 <a:t>2.2.1 </a:t>
               </a:r>
               <a:r>
-                <a:rPr lang="ko-KR" altLang="en-US" sz="2000" b="1" smtClean="0">
+                <a:rPr lang="ko-KR" altLang="en-US" sz="2000" b="1">
                   <a:solidFill>
                     <a:srgbClr val="5BC9BC"/>
                   </a:solidFill>
@@ -14422,13 +14199,6 @@
   <p:clrMapOvr>
     <a:masterClrMapping/>
   </p:clrMapOvr>
-  <p:timing>
-    <p:tnLst>
-      <p:par>
-        <p:cTn id="1" dur="indefinite" restart="never" nodeType="tmRoot"/>
-      </p:par>
-    </p:tnLst>
-  </p:timing>
 </p:sld>
 </file>
 
@@ -14476,10 +14246,10 @@
               <a:buChar char="•"/>
             </a:pPr>
             <a:r>
-              <a:rPr lang="ko-KR" altLang="en-US" sz="2000" dirty="0" smtClean="0"/>
+              <a:rPr lang="ko-KR" altLang="en-US" sz="2000" dirty="0"/>
               <a:t>표준편차</a:t>
             </a:r>
-            <a:endParaRPr lang="en-US" altLang="ko-KR" sz="2000" dirty="0" smtClean="0"/>
+            <a:endParaRPr lang="en-US" altLang="ko-KR" sz="2000" dirty="0"/>
           </a:p>
           <a:p>
             <a:pPr marL="800100" lvl="1" indent="-342900">
@@ -14487,10 +14257,10 @@
               <a:buChar char="-"/>
             </a:pPr>
             <a:r>
-              <a:rPr lang="ko-KR" altLang="en-US" dirty="0" smtClean="0"/>
+              <a:rPr lang="ko-KR" altLang="en-US" dirty="0"/>
               <a:t>원래 데이터와 동일한 단위이므로 동일 차원으로 그릴 수 있음</a:t>
             </a:r>
-            <a:endParaRPr lang="en-US" altLang="ko-KR" dirty="0" smtClean="0"/>
+            <a:endParaRPr lang="en-US" altLang="ko-KR" dirty="0"/>
           </a:p>
         </p:txBody>
       </p:sp>
@@ -14551,7 +14321,7 @@
             <a:p>
               <a:pPr algn="r"/>
               <a:r>
-                <a:rPr lang="en-US" altLang="ko-KR" b="1" smtClean="0">
+                <a:rPr lang="en-US" altLang="ko-KR" b="1">
                   <a:solidFill>
                     <a:srgbClr val="5BC9BC"/>
                   </a:solidFill>
@@ -14559,7 +14329,7 @@
                 <a:t>2.2 </a:t>
               </a:r>
               <a:r>
-                <a:rPr lang="ko-KR" altLang="en-US" b="1" smtClean="0">
+                <a:rPr lang="ko-KR" altLang="en-US" b="1">
                   <a:solidFill>
                     <a:schemeClr val="tx1"/>
                   </a:solidFill>
@@ -14662,7 +14432,7 @@
             <a:lstStyle/>
             <a:p>
               <a:r>
-                <a:rPr lang="en-US" altLang="ko-KR" sz="2000" b="1" smtClean="0">
+                <a:rPr lang="en-US" altLang="ko-KR" sz="2000" b="1">
                   <a:solidFill>
                     <a:srgbClr val="5BC9BC"/>
                   </a:solidFill>
@@ -14670,7 +14440,7 @@
                 <a:t>2.2.1 </a:t>
               </a:r>
               <a:r>
-                <a:rPr lang="ko-KR" altLang="en-US" sz="2000" b="1" smtClean="0">
+                <a:rPr lang="ko-KR" altLang="en-US" sz="2000" b="1">
                   <a:solidFill>
                     <a:srgbClr val="5BC9BC"/>
                   </a:solidFill>
@@ -14877,11 +14647,7 @@
             </a:r>
             <a:r>
               <a:rPr lang="ko-KR" altLang="en-US" dirty="0"/>
-              <a:t>시그마 </a:t>
-            </a:r>
-            <a:r>
-              <a:rPr lang="ko-KR" altLang="en-US" dirty="0" smtClean="0"/>
-              <a:t>구간</a:t>
+              <a:t>시그마 구간</a:t>
             </a:r>
             <a:endParaRPr lang="en-US" altLang="ko-KR" dirty="0"/>
           </a:p>
@@ -14920,13 +14686,6 @@
   <p:clrMapOvr>
     <a:masterClrMapping/>
   </p:clrMapOvr>
-  <p:timing>
-    <p:tnLst>
-      <p:par>
-        <p:cTn id="1" dur="indefinite" restart="never" nodeType="tmRoot"/>
-      </p:par>
-    </p:tnLst>
-  </p:timing>
 </p:sld>
 </file>
 
@@ -14977,10 +14736,10 @@
               <a:buChar char="•"/>
             </a:pPr>
             <a:r>
-              <a:rPr lang="ko-KR" altLang="en-US" sz="2000" dirty="0" smtClean="0"/>
+              <a:rPr lang="ko-KR" altLang="en-US" sz="2000" dirty="0"/>
               <a:t>범위</a:t>
             </a:r>
-            <a:endParaRPr lang="en-US" altLang="ko-KR" sz="2000" dirty="0" smtClean="0"/>
+            <a:endParaRPr lang="en-US" altLang="ko-KR" sz="2000" dirty="0"/>
           </a:p>
           <a:p>
             <a:pPr marL="800100" lvl="1" indent="-342900">
@@ -14988,10 +14747,10 @@
               <a:buChar char="-"/>
             </a:pPr>
             <a:r>
-              <a:rPr lang="ko-KR" altLang="en-US" dirty="0" smtClean="0"/>
+              <a:rPr lang="ko-KR" altLang="en-US" dirty="0"/>
               <a:t>데이터 전체가 아니라 최댓값과 최솟값만으로 산포도 표현</a:t>
             </a:r>
-            <a:endParaRPr lang="en-US" altLang="ko-KR" dirty="0" smtClean="0"/>
+            <a:endParaRPr lang="en-US" altLang="ko-KR" dirty="0"/>
           </a:p>
         </p:txBody>
       </p:sp>
@@ -15052,7 +14811,7 @@
             <a:p>
               <a:pPr algn="r"/>
               <a:r>
-                <a:rPr lang="en-US" altLang="ko-KR" b="1" smtClean="0">
+                <a:rPr lang="en-US" altLang="ko-KR" b="1">
                   <a:solidFill>
                     <a:srgbClr val="5BC9BC"/>
                   </a:solidFill>
@@ -15060,7 +14819,7 @@
                 <a:t>2.2 </a:t>
               </a:r>
               <a:r>
-                <a:rPr lang="ko-KR" altLang="en-US" b="1" smtClean="0">
+                <a:rPr lang="ko-KR" altLang="en-US" b="1">
                   <a:solidFill>
                     <a:schemeClr val="tx1"/>
                   </a:solidFill>
@@ -15163,7 +14922,7 @@
             <a:lstStyle/>
             <a:p>
               <a:r>
-                <a:rPr lang="en-US" altLang="ko-KR" sz="2000" b="1" smtClean="0">
+                <a:rPr lang="en-US" altLang="ko-KR" sz="2000" b="1">
                   <a:solidFill>
                     <a:srgbClr val="5BC9BC"/>
                   </a:solidFill>
@@ -15171,7 +14930,7 @@
                 <a:t>2.2.2 </a:t>
               </a:r>
               <a:r>
-                <a:rPr lang="ko-KR" altLang="en-US" sz="2000" b="1" smtClean="0">
+                <a:rPr lang="ko-KR" altLang="en-US" sz="2000" b="1">
                   <a:solidFill>
                     <a:srgbClr val="5BC9BC"/>
                   </a:solidFill>
@@ -15328,13 +15087,6 @@
   <p:clrMapOvr>
     <a:masterClrMapping/>
   </p:clrMapOvr>
-  <p:timing>
-    <p:tnLst>
-      <p:par>
-        <p:cTn id="1" dur="indefinite" restart="never" nodeType="tmRoot"/>
-      </p:par>
-    </p:tnLst>
-  </p:timing>
 </p:sld>
 </file>
 
@@ -15412,7 +15164,7 @@
             <a:p>
               <a:pPr algn="r"/>
               <a:r>
-                <a:rPr lang="en-US" altLang="ko-KR" b="1" smtClean="0">
+                <a:rPr lang="en-US" altLang="ko-KR" b="1">
                   <a:solidFill>
                     <a:srgbClr val="5BC9BC"/>
                   </a:solidFill>
@@ -15420,7 +15172,7 @@
                 <a:t>   2.1</a:t>
               </a:r>
               <a:r>
-                <a:rPr lang="en-US" altLang="ko-KR" b="1" smtClean="0">
+                <a:rPr lang="en-US" altLang="ko-KR" b="1">
                   <a:solidFill>
                     <a:srgbClr val="00CC66"/>
                   </a:solidFill>
@@ -15428,7 +15180,7 @@
                 <a:t> </a:t>
               </a:r>
               <a:r>
-                <a:rPr lang="ko-KR" altLang="en-US" b="1" smtClean="0">
+                <a:rPr lang="ko-KR" altLang="en-US" b="1">
                   <a:solidFill>
                     <a:schemeClr val="tx1"/>
                   </a:solidFill>
@@ -15436,7 +15188,7 @@
                 <a:t>데이터 중심의</a:t>
               </a:r>
               <a:r>
-                <a:rPr lang="en-US" altLang="ko-KR" b="1" smtClean="0">
+                <a:rPr lang="en-US" altLang="ko-KR" b="1">
                   <a:solidFill>
                     <a:schemeClr val="tx1"/>
                   </a:solidFill>
@@ -15444,7 +15196,7 @@
                 <a:t> </a:t>
               </a:r>
               <a:r>
-                <a:rPr lang="ko-KR" altLang="en-US" b="1" smtClean="0">
+                <a:rPr lang="ko-KR" altLang="en-US" b="1">
                   <a:solidFill>
                     <a:schemeClr val="tx1"/>
                   </a:solidFill>
@@ -15534,15 +15286,15 @@
               </a:lnSpc>
             </a:pPr>
             <a:r>
-              <a:rPr lang="ko-KR" altLang="en-US" sz="2000" dirty="0" smtClean="0"/>
+              <a:rPr lang="ko-KR" altLang="en-US" sz="2000" dirty="0"/>
               <a:t>수치계산과 통계분석에 필요한 라이브러리 </a:t>
             </a:r>
             <a:r>
-              <a:rPr lang="ko-KR" altLang="en-US" sz="2000" dirty="0" err="1" smtClean="0"/>
+              <a:rPr lang="ko-KR" altLang="en-US" sz="2000" dirty="0" err="1"/>
               <a:t>임포트하고</a:t>
             </a:r>
             <a:r>
-              <a:rPr lang="en-US" altLang="ko-KR" sz="2000" dirty="0" smtClean="0"/>
+              <a:rPr lang="en-US" altLang="ko-KR" sz="2000" dirty="0"/>
               <a:t>,</a:t>
             </a:r>
           </a:p>
@@ -15553,18 +15305,18 @@
               </a:lnSpc>
             </a:pPr>
             <a:r>
-              <a:rPr lang="ko-KR" altLang="en-US" sz="2000" dirty="0" smtClean="0"/>
+              <a:rPr lang="ko-KR" altLang="en-US" sz="2000" dirty="0"/>
               <a:t>출력을 소수점 이하 </a:t>
             </a:r>
             <a:r>
-              <a:rPr lang="en-US" altLang="ko-KR" sz="2000" dirty="0" smtClean="0"/>
+              <a:rPr lang="en-US" altLang="ko-KR" sz="2000" dirty="0"/>
               <a:t>3</a:t>
             </a:r>
             <a:r>
-              <a:rPr lang="ko-KR" altLang="en-US" sz="2000" dirty="0" smtClean="0"/>
+              <a:rPr lang="ko-KR" altLang="en-US" sz="2000" dirty="0"/>
               <a:t>자리로 설정</a:t>
             </a:r>
-            <a:endParaRPr lang="en-US" altLang="ko-KR" sz="2000" dirty="0" smtClean="0"/>
+            <a:endParaRPr lang="en-US" altLang="ko-KR" sz="2000" dirty="0"/>
           </a:p>
         </p:txBody>
       </p:sp>
@@ -15655,13 +15407,6 @@
   <p:clrMapOvr>
     <a:masterClrMapping/>
   </p:clrMapOvr>
-  <p:timing>
-    <p:tnLst>
-      <p:par>
-        <p:cTn id="1" dur="indefinite" restart="never" nodeType="tmRoot"/>
-      </p:par>
-    </p:tnLst>
-  </p:timing>
 </p:sld>
 </file>
 
@@ -15712,14 +15457,14 @@
               <a:buChar char="•"/>
             </a:pPr>
             <a:r>
-              <a:rPr lang="ko-KR" altLang="en-US" sz="2000" dirty="0" err="1" smtClean="0"/>
+              <a:rPr lang="ko-KR" altLang="en-US" sz="2000" dirty="0" err="1"/>
               <a:t>사분위</a:t>
             </a:r>
             <a:r>
-              <a:rPr lang="ko-KR" altLang="en-US" sz="2000" dirty="0" smtClean="0"/>
+              <a:rPr lang="ko-KR" altLang="en-US" sz="2000" dirty="0"/>
               <a:t> 범위</a:t>
             </a:r>
-            <a:endParaRPr lang="en-US" altLang="ko-KR" sz="2000" dirty="0" smtClean="0"/>
+            <a:endParaRPr lang="en-US" altLang="ko-KR" sz="2000" dirty="0"/>
           </a:p>
           <a:p>
             <a:pPr marL="800100" lvl="1" indent="-342900">
@@ -15730,30 +15475,30 @@
               <a:buChar char="-"/>
             </a:pPr>
             <a:r>
-              <a:rPr lang="ko-KR" altLang="en-US" dirty="0" err="1" smtClean="0"/>
+              <a:rPr lang="ko-KR" altLang="en-US" dirty="0" err="1"/>
               <a:t>상위수</a:t>
             </a:r>
             <a:r>
-              <a:rPr lang="en-US" altLang="ko-KR" dirty="0" smtClean="0"/>
+              <a:rPr lang="en-US" altLang="ko-KR" dirty="0"/>
               <a:t>%</a:t>
             </a:r>
             <a:r>
-              <a:rPr lang="ko-KR" altLang="en-US" dirty="0" smtClean="0"/>
+              <a:rPr lang="ko-KR" altLang="en-US" dirty="0"/>
               <a:t>와 </a:t>
             </a:r>
             <a:r>
-              <a:rPr lang="ko-KR" altLang="en-US" dirty="0" err="1" smtClean="0"/>
+              <a:rPr lang="ko-KR" altLang="en-US" dirty="0" err="1"/>
               <a:t>하위수</a:t>
             </a:r>
             <a:r>
-              <a:rPr lang="en-US" altLang="ko-KR" dirty="0" smtClean="0"/>
+              <a:rPr lang="en-US" altLang="ko-KR" dirty="0"/>
               <a:t>%</a:t>
             </a:r>
             <a:r>
-              <a:rPr lang="ko-KR" altLang="en-US" dirty="0" smtClean="0"/>
+              <a:rPr lang="ko-KR" altLang="en-US" dirty="0"/>
               <a:t>에 위치하는 값의 차이</a:t>
             </a:r>
-            <a:endParaRPr lang="en-US" altLang="ko-KR" dirty="0" smtClean="0"/>
+            <a:endParaRPr lang="en-US" altLang="ko-KR" dirty="0"/>
           </a:p>
           <a:p>
             <a:pPr marL="800100" lvl="1" indent="-342900">
@@ -15764,59 +15509,59 @@
               <a:buChar char="-"/>
             </a:pPr>
             <a:r>
-              <a:rPr lang="ko-KR" altLang="en-US" dirty="0" smtClean="0"/>
+              <a:rPr lang="ko-KR" altLang="en-US" dirty="0"/>
               <a:t>데이터의 하위 </a:t>
             </a:r>
             <a:r>
-              <a:rPr lang="en-US" altLang="ko-KR" dirty="0" smtClean="0"/>
+              <a:rPr lang="en-US" altLang="ko-KR" dirty="0"/>
               <a:t>25%, 50%, 75%</a:t>
             </a:r>
             <a:r>
-              <a:rPr lang="ko-KR" altLang="en-US" dirty="0" smtClean="0"/>
+              <a:rPr lang="ko-KR" altLang="en-US" dirty="0"/>
               <a:t>에 위치하는 값은 각각 제</a:t>
             </a:r>
             <a:r>
-              <a:rPr lang="en-US" altLang="ko-KR" dirty="0" smtClean="0"/>
+              <a:rPr lang="en-US" altLang="ko-KR" dirty="0"/>
               <a:t>1</a:t>
             </a:r>
             <a:r>
-              <a:rPr lang="ko-KR" altLang="en-US" dirty="0" smtClean="0"/>
+              <a:rPr lang="ko-KR" altLang="en-US" dirty="0"/>
               <a:t>사분위수</a:t>
             </a:r>
             <a:r>
-              <a:rPr lang="en-US" altLang="ko-KR" dirty="0" smtClean="0"/>
+              <a:rPr lang="en-US" altLang="ko-KR" dirty="0"/>
               <a:t>(Q1), </a:t>
             </a:r>
             <a:r>
-              <a:rPr lang="ko-KR" altLang="en-US" dirty="0" smtClean="0"/>
+              <a:rPr lang="ko-KR" altLang="en-US" dirty="0"/>
               <a:t>제</a:t>
             </a:r>
             <a:r>
-              <a:rPr lang="en-US" altLang="ko-KR" dirty="0" smtClean="0"/>
+              <a:rPr lang="en-US" altLang="ko-KR" dirty="0"/>
               <a:t>2</a:t>
             </a:r>
             <a:r>
-              <a:rPr lang="ko-KR" altLang="en-US" dirty="0" smtClean="0"/>
+              <a:rPr lang="ko-KR" altLang="en-US" dirty="0"/>
               <a:t>사분위수</a:t>
             </a:r>
             <a:r>
-              <a:rPr lang="en-US" altLang="ko-KR" dirty="0" smtClean="0"/>
+              <a:rPr lang="en-US" altLang="ko-KR" dirty="0"/>
               <a:t>(Q2), </a:t>
             </a:r>
             <a:r>
-              <a:rPr lang="ko-KR" altLang="en-US" dirty="0" smtClean="0"/>
+              <a:rPr lang="ko-KR" altLang="en-US" dirty="0"/>
               <a:t>제</a:t>
             </a:r>
             <a:r>
-              <a:rPr lang="en-US" altLang="ko-KR" dirty="0" smtClean="0"/>
+              <a:rPr lang="en-US" altLang="ko-KR" dirty="0"/>
               <a:t>3</a:t>
             </a:r>
             <a:r>
-              <a:rPr lang="ko-KR" altLang="en-US" dirty="0" smtClean="0"/>
+              <a:rPr lang="ko-KR" altLang="en-US" dirty="0"/>
               <a:t>사분위수</a:t>
             </a:r>
             <a:r>
-              <a:rPr lang="en-US" altLang="ko-KR" dirty="0" smtClean="0"/>
+              <a:rPr lang="en-US" altLang="ko-KR" dirty="0"/>
               <a:t>(Q3)</a:t>
             </a:r>
           </a:p>
@@ -15829,15 +15574,15 @@
               <a:buChar char="-"/>
             </a:pPr>
             <a:r>
-              <a:rPr lang="ko-KR" altLang="en-US" dirty="0" err="1" smtClean="0"/>
+              <a:rPr lang="ko-KR" altLang="en-US" dirty="0" err="1"/>
               <a:t>사분위</a:t>
             </a:r>
             <a:r>
-              <a:rPr lang="en-US" altLang="ko-KR" dirty="0" smtClean="0"/>
+              <a:rPr lang="en-US" altLang="ko-KR" dirty="0"/>
               <a:t> </a:t>
             </a:r>
             <a:r>
-              <a:rPr lang="ko-KR" altLang="en-US" dirty="0" smtClean="0"/>
+              <a:rPr lang="ko-KR" altLang="en-US" dirty="0"/>
               <a:t>범위 </a:t>
             </a:r>
             <a:endParaRPr lang="ko-KR" altLang="en-US" sz="2000" dirty="0"/>
@@ -15901,7 +15646,7 @@
             <a:p>
               <a:pPr algn="r"/>
               <a:r>
-                <a:rPr lang="en-US" altLang="ko-KR" b="1" smtClean="0">
+                <a:rPr lang="en-US" altLang="ko-KR" b="1">
                   <a:solidFill>
                     <a:srgbClr val="5BC9BC"/>
                   </a:solidFill>
@@ -15909,7 +15654,7 @@
                 <a:t>2.2 </a:t>
               </a:r>
               <a:r>
-                <a:rPr lang="ko-KR" altLang="en-US" b="1" smtClean="0">
+                <a:rPr lang="ko-KR" altLang="en-US" b="1">
                   <a:solidFill>
                     <a:schemeClr val="tx1"/>
                   </a:solidFill>
@@ -16012,7 +15757,7 @@
             <a:lstStyle/>
             <a:p>
               <a:r>
-                <a:rPr lang="en-US" altLang="ko-KR" sz="2000" b="1" smtClean="0">
+                <a:rPr lang="en-US" altLang="ko-KR" sz="2000" b="1">
                   <a:solidFill>
                     <a:srgbClr val="5BC9BC"/>
                   </a:solidFill>
@@ -16020,7 +15765,7 @@
                 <a:t>2.2.2 </a:t>
               </a:r>
               <a:r>
-                <a:rPr lang="ko-KR" altLang="en-US" sz="2000" b="1" smtClean="0">
+                <a:rPr lang="ko-KR" altLang="en-US" sz="2000" b="1">
                   <a:solidFill>
                     <a:srgbClr val="5BC9BC"/>
                   </a:solidFill>
@@ -16177,13 +15922,6 @@
   <p:clrMapOvr>
     <a:masterClrMapping/>
   </p:clrMapOvr>
-  <p:timing>
-    <p:tnLst>
-      <p:par>
-        <p:cTn id="1" dur="indefinite" restart="never" nodeType="tmRoot"/>
-      </p:par>
-    </p:tnLst>
-  </p:timing>
 </p:sld>
 </file>
 
@@ -16261,7 +15999,7 @@
             <a:p>
               <a:pPr algn="r"/>
               <a:r>
-                <a:rPr lang="en-US" altLang="ko-KR" b="1" smtClean="0">
+                <a:rPr lang="en-US" altLang="ko-KR" b="1">
                   <a:solidFill>
                     <a:srgbClr val="5BC9BC"/>
                   </a:solidFill>
@@ -16269,7 +16007,7 @@
                 <a:t>2.2 </a:t>
               </a:r>
               <a:r>
-                <a:rPr lang="ko-KR" altLang="en-US" b="1" smtClean="0">
+                <a:rPr lang="ko-KR" altLang="en-US" b="1">
                   <a:solidFill>
                     <a:schemeClr val="tx1"/>
                   </a:solidFill>
@@ -16372,7 +16110,7 @@
             <a:lstStyle/>
             <a:p>
               <a:r>
-                <a:rPr lang="en-US" altLang="ko-KR" sz="2000" b="1" dirty="0" smtClean="0">
+                <a:rPr lang="en-US" altLang="ko-KR" sz="2000" b="1" dirty="0">
                   <a:solidFill>
                     <a:srgbClr val="5BC9BC"/>
                   </a:solidFill>
@@ -16380,7 +16118,7 @@
                 <a:t>2.2.2 </a:t>
               </a:r>
               <a:r>
-                <a:rPr lang="ko-KR" altLang="en-US" sz="2000" b="1" dirty="0" smtClean="0">
+                <a:rPr lang="ko-KR" altLang="en-US" sz="2000" b="1" dirty="0">
                   <a:solidFill>
                     <a:srgbClr val="5BC9BC"/>
                   </a:solidFill>
@@ -16388,7 +16126,7 @@
                 <a:t>참고 </a:t>
               </a:r>
               <a:r>
-                <a:rPr lang="en-US" altLang="ko-KR" sz="2000" b="1" dirty="0" smtClean="0">
+                <a:rPr lang="en-US" altLang="ko-KR" sz="2000" b="1" dirty="0">
                   <a:solidFill>
                     <a:srgbClr val="5BC9BC"/>
                   </a:solidFill>
@@ -16396,7 +16134,7 @@
                 <a:t>: </a:t>
               </a:r>
               <a:r>
-                <a:rPr lang="ko-KR" altLang="en-US" sz="2000" b="1" dirty="0" smtClean="0">
+                <a:rPr lang="ko-KR" altLang="en-US" sz="2000" b="1" dirty="0">
                   <a:solidFill>
                     <a:srgbClr val="5BC9BC"/>
                   </a:solidFill>
@@ -16486,13 +16224,6 @@
   <p:clrMapOvr>
     <a:masterClrMapping/>
   </p:clrMapOvr>
-  <p:timing>
-    <p:tnLst>
-      <p:par>
-        <p:cTn id="1" dur="indefinite" restart="never" nodeType="tmRoot"/>
-      </p:par>
-    </p:tnLst>
-  </p:timing>
 </p:sld>
 </file>
 
@@ -16570,7 +16301,7 @@
             <a:p>
               <a:pPr algn="r"/>
               <a:r>
-                <a:rPr lang="en-US" altLang="ko-KR" b="1" smtClean="0">
+                <a:rPr lang="en-US" altLang="ko-KR" b="1">
                   <a:solidFill>
                     <a:srgbClr val="5BC9BC"/>
                   </a:solidFill>
@@ -16578,7 +16309,7 @@
                 <a:t>2.2 </a:t>
               </a:r>
               <a:r>
-                <a:rPr lang="ko-KR" altLang="en-US" b="1" smtClean="0">
+                <a:rPr lang="ko-KR" altLang="en-US" b="1">
                   <a:solidFill>
                     <a:schemeClr val="tx1"/>
                   </a:solidFill>
@@ -16681,7 +16412,7 @@
             <a:lstStyle/>
             <a:p>
               <a:r>
-                <a:rPr lang="en-US" altLang="ko-KR" sz="2000" b="1" smtClean="0">
+                <a:rPr lang="en-US" altLang="ko-KR" sz="2000" b="1">
                   <a:solidFill>
                     <a:srgbClr val="5BC9BC"/>
                   </a:solidFill>
@@ -16689,7 +16420,7 @@
                 <a:t>2.2.3 </a:t>
               </a:r>
               <a:r>
-                <a:rPr lang="ko-KR" altLang="en-US" sz="2000" b="1" smtClean="0">
+                <a:rPr lang="ko-KR" altLang="en-US" sz="2000" b="1">
                   <a:solidFill>
                     <a:srgbClr val="5BC9BC"/>
                   </a:solidFill>
@@ -16697,7 +16428,7 @@
                 <a:t>데이터의</a:t>
               </a:r>
               <a:r>
-                <a:rPr lang="en-US" altLang="ko-KR" sz="2000" b="1" smtClean="0">
+                <a:rPr lang="en-US" altLang="ko-KR" sz="2000" b="1">
                   <a:solidFill>
                     <a:srgbClr val="5BC9BC"/>
                   </a:solidFill>
@@ -16705,7 +16436,7 @@
                 <a:t> </a:t>
               </a:r>
               <a:r>
-                <a:rPr lang="ko-KR" altLang="en-US" sz="2000" b="1" smtClean="0">
+                <a:rPr lang="ko-KR" altLang="en-US" sz="2000" b="1">
                   <a:solidFill>
                     <a:srgbClr val="5BC9BC"/>
                   </a:solidFill>
@@ -16808,13 +16539,6 @@
   <p:clrMapOvr>
     <a:masterClrMapping/>
   </p:clrMapOvr>
-  <p:timing>
-    <p:tnLst>
-      <p:par>
-        <p:cTn id="1" dur="indefinite" restart="never" nodeType="tmRoot"/>
-      </p:par>
-    </p:tnLst>
-  </p:timing>
 </p:sld>
 </file>
 
@@ -16892,7 +16616,7 @@
             <a:p>
               <a:pPr algn="r"/>
               <a:r>
-                <a:rPr lang="en-US" altLang="ko-KR" b="1" smtClean="0">
+                <a:rPr lang="en-US" altLang="ko-KR" b="1">
                   <a:solidFill>
                     <a:srgbClr val="5BC9BC"/>
                   </a:solidFill>
@@ -16900,7 +16624,7 @@
                 <a:t>2.2 </a:t>
               </a:r>
               <a:r>
-                <a:rPr lang="ko-KR" altLang="en-US" b="1" smtClean="0">
+                <a:rPr lang="ko-KR" altLang="en-US" b="1">
                   <a:solidFill>
                     <a:schemeClr val="tx1"/>
                   </a:solidFill>
@@ -17003,7 +16727,7 @@
             <a:lstStyle/>
             <a:p>
               <a:r>
-                <a:rPr lang="en-US" altLang="ko-KR" sz="2000" b="1" dirty="0" smtClean="0">
+                <a:rPr lang="en-US" altLang="ko-KR" sz="2000" b="1" dirty="0">
                   <a:solidFill>
                     <a:srgbClr val="5BC9BC"/>
                   </a:solidFill>
@@ -17011,7 +16735,7 @@
                 <a:t>2.2.3 </a:t>
               </a:r>
               <a:r>
-                <a:rPr lang="ko-KR" altLang="en-US" sz="2000" b="1" dirty="0" smtClean="0">
+                <a:rPr lang="ko-KR" altLang="en-US" sz="2000" b="1" dirty="0">
                   <a:solidFill>
                     <a:srgbClr val="5BC9BC"/>
                   </a:solidFill>
@@ -17019,7 +16743,7 @@
                 <a:t>참고 </a:t>
               </a:r>
               <a:r>
-                <a:rPr lang="en-US" altLang="ko-KR" sz="2000" b="1" dirty="0" smtClean="0">
+                <a:rPr lang="en-US" altLang="ko-KR" sz="2000" b="1" dirty="0">
                   <a:solidFill>
                     <a:srgbClr val="5BC9BC"/>
                   </a:solidFill>
@@ -17027,7 +16751,7 @@
                 <a:t>: </a:t>
               </a:r>
               <a:r>
-                <a:rPr lang="ko-KR" altLang="en-US" sz="2000" b="1" dirty="0" smtClean="0">
+                <a:rPr lang="ko-KR" altLang="en-US" sz="2000" b="1" dirty="0">
                   <a:solidFill>
                     <a:srgbClr val="5BC9BC"/>
                   </a:solidFill>
@@ -17166,7 +16890,7 @@
             <a:p>
               <a:pPr algn="ctr"/>
               <a:r>
-                <a:rPr lang="en-US" altLang="ko-KR" sz="800" dirty="0" smtClean="0">
+                <a:rPr lang="en-US" altLang="ko-KR" sz="800" dirty="0">
                   <a:solidFill>
                     <a:schemeClr val="tx1"/>
                   </a:solidFill>
@@ -17226,7 +16950,7 @@
             <a:p>
               <a:pPr algn="ctr"/>
               <a:r>
-                <a:rPr lang="en-US" altLang="ko-KR" sz="800" dirty="0" smtClean="0">
+                <a:rPr lang="en-US" altLang="ko-KR" sz="800" dirty="0">
                   <a:solidFill>
                     <a:schemeClr val="tx1"/>
                   </a:solidFill>
@@ -17286,7 +17010,7 @@
             <a:p>
               <a:pPr algn="ctr"/>
               <a:r>
-                <a:rPr lang="en-US" altLang="ko-KR" sz="800" dirty="0" smtClean="0">
+                <a:rPr lang="en-US" altLang="ko-KR" sz="800" dirty="0">
                   <a:solidFill>
                     <a:schemeClr val="tx1"/>
                   </a:solidFill>
@@ -17312,13 +17036,6 @@
   <p:clrMapOvr>
     <a:masterClrMapping/>
   </p:clrMapOvr>
-  <p:timing>
-    <p:tnLst>
-      <p:par>
-        <p:cTn id="1" dur="indefinite" restart="never" nodeType="tmRoot"/>
-      </p:par>
-    </p:tnLst>
-  </p:timing>
 </p:sld>
 </file>
 
@@ -17369,10 +17086,10 @@
               <a:buChar char="•"/>
             </a:pPr>
             <a:r>
-              <a:rPr lang="ko-KR" altLang="en-US" sz="2000" dirty="0" smtClean="0"/>
+              <a:rPr lang="ko-KR" altLang="en-US" sz="2000" dirty="0"/>
               <a:t>표준화</a:t>
             </a:r>
-            <a:endParaRPr lang="en-US" altLang="ko-KR" sz="2000" dirty="0" smtClean="0"/>
+            <a:endParaRPr lang="en-US" altLang="ko-KR" sz="2000" dirty="0"/>
           </a:p>
           <a:p>
             <a:pPr marL="800100" lvl="1" indent="-342900">
@@ -17386,7 +17103,7 @@
               <a:rPr lang="ko-KR" altLang="en-US" dirty="0"/>
               <a:t>상대적 결과가 다르므로 통일된 지표로 변환하는 정규화</a:t>
             </a:r>
-            <a:endParaRPr lang="en-US" altLang="ko-KR" dirty="0" smtClean="0"/>
+            <a:endParaRPr lang="en-US" altLang="ko-KR" dirty="0"/>
           </a:p>
           <a:p>
             <a:pPr marL="800100" lvl="1" indent="-342900">
@@ -17397,10 +17114,10 @@
               <a:buChar char="-"/>
             </a:pPr>
             <a:r>
-              <a:rPr lang="ko-KR" altLang="en-US" dirty="0" smtClean="0"/>
+              <a:rPr lang="ko-KR" altLang="en-US" dirty="0"/>
               <a:t>데이터에서 평균을 빼고 표준편차로 나누는 작업</a:t>
             </a:r>
-            <a:endParaRPr lang="en-US" altLang="ko-KR" dirty="0" smtClean="0"/>
+            <a:endParaRPr lang="en-US" altLang="ko-KR" dirty="0"/>
           </a:p>
           <a:p>
             <a:pPr marL="800100" lvl="1" indent="-342900">
@@ -17411,18 +17128,18 @@
               <a:buChar char="-"/>
             </a:pPr>
             <a:r>
-              <a:rPr lang="ko-KR" altLang="en-US" dirty="0" smtClean="0"/>
+              <a:rPr lang="ko-KR" altLang="en-US" dirty="0"/>
               <a:t>표준화된 데이터는 표준화 변량 혹은 </a:t>
             </a:r>
             <a:r>
-              <a:rPr lang="en-US" altLang="ko-KR" dirty="0" smtClean="0"/>
+              <a:rPr lang="en-US" altLang="ko-KR" dirty="0"/>
               <a:t>Z </a:t>
             </a:r>
             <a:r>
-              <a:rPr lang="ko-KR" altLang="en-US" dirty="0" smtClean="0"/>
+              <a:rPr lang="ko-KR" altLang="en-US" dirty="0"/>
               <a:t>점수</a:t>
             </a:r>
-            <a:endParaRPr lang="en-US" altLang="ko-KR" dirty="0" smtClean="0"/>
+            <a:endParaRPr lang="en-US" altLang="ko-KR" dirty="0"/>
           </a:p>
           <a:p>
             <a:pPr marL="800100" lvl="1" indent="-342900">
@@ -17442,7 +17159,7 @@
               <a:buFontTx/>
               <a:buChar char="-"/>
             </a:pPr>
-            <a:endParaRPr lang="en-US" altLang="ko-KR" dirty="0" smtClean="0"/>
+            <a:endParaRPr lang="en-US" altLang="ko-KR" dirty="0"/>
           </a:p>
           <a:p>
             <a:pPr marL="800100" lvl="1" indent="-342900">
@@ -17463,19 +17180,19 @@
               <a:buChar char="-"/>
             </a:pPr>
             <a:r>
-              <a:rPr lang="ko-KR" altLang="en-US" dirty="0" smtClean="0"/>
+              <a:rPr lang="ko-KR" altLang="en-US" dirty="0"/>
               <a:t>표준화된 데이터는 평균이 </a:t>
             </a:r>
             <a:r>
-              <a:rPr lang="en-US" altLang="ko-KR" dirty="0" smtClean="0"/>
+              <a:rPr lang="en-US" altLang="ko-KR" dirty="0"/>
               <a:t>0, </a:t>
             </a:r>
             <a:r>
-              <a:rPr lang="ko-KR" altLang="en-US" dirty="0" smtClean="0"/>
+              <a:rPr lang="ko-KR" altLang="en-US" dirty="0"/>
               <a:t>표준편차가 </a:t>
             </a:r>
             <a:r>
-              <a:rPr lang="en-US" altLang="ko-KR" dirty="0" smtClean="0"/>
+              <a:rPr lang="en-US" altLang="ko-KR" dirty="0"/>
               <a:t>1</a:t>
             </a:r>
             <a:endParaRPr lang="ko-KR" altLang="en-US" dirty="0"/>
@@ -17539,7 +17256,7 @@
             <a:p>
               <a:pPr algn="r"/>
               <a:r>
-                <a:rPr lang="en-US" altLang="ko-KR" b="1" smtClean="0">
+                <a:rPr lang="en-US" altLang="ko-KR" b="1">
                   <a:solidFill>
                     <a:srgbClr val="5BC9BC"/>
                   </a:solidFill>
@@ -17547,7 +17264,7 @@
                 <a:t>2.3 </a:t>
               </a:r>
               <a:r>
-                <a:rPr lang="ko-KR" altLang="en-US" b="1" smtClean="0">
+                <a:rPr lang="ko-KR" altLang="en-US" b="1">
                   <a:solidFill>
                     <a:schemeClr val="tx1"/>
                   </a:solidFill>
@@ -17650,7 +17367,7 @@
             <a:lstStyle/>
             <a:p>
               <a:r>
-                <a:rPr lang="en-US" altLang="ko-KR" sz="2000" b="1" smtClean="0">
+                <a:rPr lang="en-US" altLang="ko-KR" sz="2000" b="1">
                   <a:solidFill>
                     <a:srgbClr val="5BC9BC"/>
                   </a:solidFill>
@@ -17658,7 +17375,7 @@
                 <a:t>2.3.1 </a:t>
               </a:r>
               <a:r>
-                <a:rPr lang="ko-KR" altLang="en-US" sz="2000" b="1" smtClean="0">
+                <a:rPr lang="ko-KR" altLang="en-US" sz="2000" b="1">
                   <a:solidFill>
                     <a:srgbClr val="5BC9BC"/>
                   </a:solidFill>
@@ -17869,13 +17586,6 @@
   <p:clrMapOvr>
     <a:masterClrMapping/>
   </p:clrMapOvr>
-  <p:timing>
-    <p:tnLst>
-      <p:par>
-        <p:cTn id="1" dur="indefinite" restart="never" nodeType="tmRoot"/>
-      </p:par>
-    </p:tnLst>
-  </p:timing>
 </p:sld>
 </file>
 
@@ -17926,10 +17636,10 @@
               <a:buChar char="•"/>
             </a:pPr>
             <a:r>
-              <a:rPr lang="ko-KR" altLang="en-US" sz="2000" dirty="0" err="1" smtClean="0"/>
+              <a:rPr lang="ko-KR" altLang="en-US" sz="2000" dirty="0" err="1"/>
               <a:t>편찻값</a:t>
             </a:r>
-            <a:endParaRPr lang="en-US" altLang="ko-KR" sz="2000" dirty="0" smtClean="0"/>
+            <a:endParaRPr lang="en-US" altLang="ko-KR" sz="2000" dirty="0"/>
           </a:p>
           <a:p>
             <a:pPr>
@@ -17939,33 +17649,29 @@
             </a:pPr>
             <a:r>
               <a:rPr lang="en-US" altLang="ko-KR" sz="2000" dirty="0"/>
-              <a:t> </a:t>
-            </a:r>
-            <a:r>
-              <a:rPr lang="en-US" altLang="ko-KR" sz="2000" dirty="0" smtClean="0"/>
-              <a:t>   - </a:t>
-            </a:r>
-            <a:r>
-              <a:rPr lang="ko-KR" altLang="en-US" sz="2000" dirty="0" smtClean="0"/>
+              <a:t>    - </a:t>
+            </a:r>
+            <a:r>
+              <a:rPr lang="ko-KR" altLang="en-US" sz="2000" dirty="0"/>
               <a:t>평균이 </a:t>
             </a:r>
             <a:r>
-              <a:rPr lang="en-US" altLang="ko-KR" sz="2000" dirty="0" smtClean="0"/>
+              <a:rPr lang="en-US" altLang="ko-KR" sz="2000" dirty="0"/>
               <a:t>50, </a:t>
             </a:r>
             <a:r>
-              <a:rPr lang="ko-KR" altLang="en-US" sz="2000" dirty="0" smtClean="0"/>
+              <a:rPr lang="ko-KR" altLang="en-US" sz="2000" dirty="0"/>
               <a:t>표준편차가 </a:t>
             </a:r>
             <a:r>
-              <a:rPr lang="en-US" altLang="ko-KR" sz="2000" dirty="0" smtClean="0"/>
+              <a:rPr lang="en-US" altLang="ko-KR" sz="2000" dirty="0"/>
               <a:t>10</a:t>
             </a:r>
             <a:r>
-              <a:rPr lang="ko-KR" altLang="en-US" sz="2000" dirty="0" smtClean="0"/>
+              <a:rPr lang="ko-KR" altLang="en-US" sz="2000" dirty="0"/>
               <a:t>이 되도록 정규화한 값</a:t>
             </a:r>
-            <a:endParaRPr lang="en-US" altLang="ko-KR" sz="2000" dirty="0" smtClean="0"/>
+            <a:endParaRPr lang="en-US" altLang="ko-KR" sz="2000" dirty="0"/>
           </a:p>
         </p:txBody>
       </p:sp>
@@ -18026,7 +17732,7 @@
             <a:p>
               <a:pPr algn="r"/>
               <a:r>
-                <a:rPr lang="en-US" altLang="ko-KR" b="1" smtClean="0">
+                <a:rPr lang="en-US" altLang="ko-KR" b="1">
                   <a:solidFill>
                     <a:srgbClr val="5BC9BC"/>
                   </a:solidFill>
@@ -18034,7 +17740,7 @@
                 <a:t>2.3 </a:t>
               </a:r>
               <a:r>
-                <a:rPr lang="ko-KR" altLang="en-US" b="1" smtClean="0">
+                <a:rPr lang="ko-KR" altLang="en-US" b="1">
                   <a:solidFill>
                     <a:schemeClr val="tx1"/>
                   </a:solidFill>
@@ -18137,7 +17843,7 @@
             <a:lstStyle/>
             <a:p>
               <a:r>
-                <a:rPr lang="en-US" altLang="ko-KR" sz="2000" b="1" smtClean="0">
+                <a:rPr lang="en-US" altLang="ko-KR" sz="2000" b="1">
                   <a:solidFill>
                     <a:srgbClr val="5BC9BC"/>
                   </a:solidFill>
@@ -18145,7 +17851,7 @@
                 <a:t>2.3.2 </a:t>
               </a:r>
               <a:r>
-                <a:rPr lang="ko-KR" altLang="en-US" sz="2000" b="1" smtClean="0">
+                <a:rPr lang="ko-KR" altLang="en-US" sz="2000" b="1">
                   <a:solidFill>
                     <a:srgbClr val="5BC9BC"/>
                   </a:solidFill>
@@ -18302,13 +18008,6 @@
   <p:clrMapOvr>
     <a:masterClrMapping/>
   </p:clrMapOvr>
-  <p:timing>
-    <p:tnLst>
-      <p:par>
-        <p:cTn id="1" dur="indefinite" restart="never" nodeType="tmRoot"/>
-      </p:par>
-    </p:tnLst>
-  </p:timing>
 </p:sld>
 </file>
 
@@ -18359,18 +18058,18 @@
               <a:buChar char="•"/>
             </a:pPr>
             <a:r>
-              <a:rPr lang="ko-KR" altLang="en-US" sz="2000" dirty="0" smtClean="0"/>
+              <a:rPr lang="ko-KR" altLang="en-US" sz="2000" dirty="0"/>
               <a:t>점수와 </a:t>
             </a:r>
             <a:r>
-              <a:rPr lang="ko-KR" altLang="en-US" sz="2000" dirty="0" err="1" smtClean="0"/>
+              <a:rPr lang="ko-KR" altLang="en-US" sz="2000" dirty="0" err="1"/>
               <a:t>편찻값의</a:t>
             </a:r>
             <a:r>
-              <a:rPr lang="ko-KR" altLang="en-US" sz="2000" dirty="0" smtClean="0"/>
+              <a:rPr lang="ko-KR" altLang="en-US" sz="2000" dirty="0"/>
               <a:t> 관계</a:t>
             </a:r>
-            <a:endParaRPr lang="en-US" altLang="ko-KR" sz="2000" dirty="0" smtClean="0"/>
+            <a:endParaRPr lang="en-US" altLang="ko-KR" sz="2000" dirty="0"/>
           </a:p>
           <a:p>
             <a:pPr marL="342900" indent="-342900">
@@ -18390,7 +18089,7 @@
               <a:buFontTx/>
               <a:buChar char="-"/>
             </a:pPr>
-            <a:endParaRPr lang="en-US" altLang="ko-KR" sz="2000" dirty="0" smtClean="0"/>
+            <a:endParaRPr lang="en-US" altLang="ko-KR" sz="2000" dirty="0"/>
           </a:p>
           <a:p>
             <a:pPr marL="800100" lvl="1" indent="-342900">
@@ -18401,18 +18100,18 @@
               <a:buChar char="-"/>
             </a:pPr>
             <a:r>
-              <a:rPr lang="ko-KR" altLang="en-US" sz="1600" dirty="0" smtClean="0"/>
+              <a:rPr lang="ko-KR" altLang="en-US" sz="1600" dirty="0"/>
               <a:t>어떤 학생이 평균 성적을 얻었고</a:t>
             </a:r>
             <a:r>
-              <a:rPr lang="en-US" altLang="ko-KR" sz="1600" dirty="0" smtClean="0"/>
+              <a:rPr lang="en-US" altLang="ko-KR" sz="1600" dirty="0"/>
               <a:t>,</a:t>
             </a:r>
             <a:r>
-              <a:rPr lang="ko-KR" altLang="en-US" sz="1600" dirty="0" smtClean="0"/>
+              <a:rPr lang="ko-KR" altLang="en-US" sz="1600" dirty="0"/>
               <a:t> 어떤 학생이 </a:t>
             </a:r>
-            <a:endParaRPr lang="en-US" altLang="ko-KR" sz="1600" dirty="0" smtClean="0"/>
+            <a:endParaRPr lang="en-US" altLang="ko-KR" sz="1600" dirty="0"/>
           </a:p>
           <a:p>
             <a:pPr lvl="1">
@@ -18421,10 +18120,9 @@
               </a:lnSpc>
             </a:pPr>
             <a:r>
-              <a:rPr lang="ko-KR" altLang="en-US" sz="1600" dirty="0" smtClean="0"/>
+              <a:rPr lang="ko-KR" altLang="en-US" sz="1600" dirty="0"/>
               <a:t>     우수한 성적을 얻었는지 알 수 있음</a:t>
             </a:r>
-            <a:endParaRPr lang="ko-KR" altLang="en-US" sz="1600" dirty="0"/>
           </a:p>
         </p:txBody>
       </p:sp>
@@ -18485,7 +18183,7 @@
             <a:p>
               <a:pPr algn="r"/>
               <a:r>
-                <a:rPr lang="en-US" altLang="ko-KR" b="1" smtClean="0">
+                <a:rPr lang="en-US" altLang="ko-KR" b="1">
                   <a:solidFill>
                     <a:srgbClr val="5BC9BC"/>
                   </a:solidFill>
@@ -18493,7 +18191,7 @@
                 <a:t>2.3 </a:t>
               </a:r>
               <a:r>
-                <a:rPr lang="ko-KR" altLang="en-US" b="1" smtClean="0">
+                <a:rPr lang="ko-KR" altLang="en-US" b="1">
                   <a:solidFill>
                     <a:schemeClr val="tx1"/>
                   </a:solidFill>
@@ -18596,7 +18294,7 @@
             <a:lstStyle/>
             <a:p>
               <a:r>
-                <a:rPr lang="en-US" altLang="ko-KR" sz="2000" b="1" smtClean="0">
+                <a:rPr lang="en-US" altLang="ko-KR" sz="2000" b="1">
                   <a:solidFill>
                     <a:srgbClr val="5BC9BC"/>
                   </a:solidFill>
@@ -18604,7 +18302,7 @@
                 <a:t>2.3.2 </a:t>
               </a:r>
               <a:r>
-                <a:rPr lang="ko-KR" altLang="en-US" sz="2000" b="1" smtClean="0">
+                <a:rPr lang="ko-KR" altLang="en-US" sz="2000" b="1">
                   <a:solidFill>
                     <a:srgbClr val="5BC9BC"/>
                   </a:solidFill>
@@ -18761,13 +18459,6 @@
   <p:clrMapOvr>
     <a:masterClrMapping/>
   </p:clrMapOvr>
-  <p:timing>
-    <p:tnLst>
-      <p:par>
-        <p:cTn id="1" dur="indefinite" restart="never" nodeType="tmRoot"/>
-      </p:par>
-    </p:tnLst>
-  </p:timing>
 </p:sld>
 </file>
 
@@ -18815,10 +18506,9 @@
               <a:buChar char="•"/>
             </a:pPr>
             <a:r>
-              <a:rPr lang="ko-KR" altLang="en-US" sz="2000" dirty="0" smtClean="0"/>
+              <a:rPr lang="ko-KR" altLang="en-US" sz="2000" dirty="0"/>
               <a:t>데이터의 주요 지표</a:t>
             </a:r>
-            <a:endParaRPr lang="ko-KR" altLang="en-US" sz="2000" dirty="0"/>
           </a:p>
         </p:txBody>
       </p:sp>
@@ -18879,7 +18569,7 @@
             <a:p>
               <a:pPr algn="r"/>
               <a:r>
-                <a:rPr lang="en-US" altLang="ko-KR" b="1" smtClean="0">
+                <a:rPr lang="en-US" altLang="ko-KR" b="1">
                   <a:solidFill>
                     <a:srgbClr val="5BC9BC"/>
                   </a:solidFill>
@@ -18887,7 +18577,7 @@
                 <a:t>2.4 </a:t>
               </a:r>
               <a:r>
-                <a:rPr lang="en-US" altLang="ko-KR" b="1" smtClean="0">
+                <a:rPr lang="en-US" altLang="ko-KR" b="1">
                   <a:solidFill>
                     <a:schemeClr val="tx1"/>
                   </a:solidFill>
@@ -18895,7 +18585,7 @@
                 <a:t>1</a:t>
               </a:r>
               <a:r>
-                <a:rPr lang="ko-KR" altLang="en-US" b="1" smtClean="0">
+                <a:rPr lang="ko-KR" altLang="en-US" b="1">
                   <a:solidFill>
                     <a:schemeClr val="tx1"/>
                   </a:solidFill>
@@ -18998,7 +18688,7 @@
             <a:lstStyle/>
             <a:p>
               <a:r>
-                <a:rPr lang="en-US" altLang="ko-KR" sz="2000" b="1" smtClean="0">
+                <a:rPr lang="en-US" altLang="ko-KR" sz="2000" b="1">
                   <a:solidFill>
                     <a:srgbClr val="5BC9BC"/>
                   </a:solidFill>
@@ -19006,7 +18696,7 @@
                 <a:t>2.4.1 </a:t>
               </a:r>
               <a:r>
-                <a:rPr lang="ko-KR" altLang="en-US" sz="2000" b="1" smtClean="0">
+                <a:rPr lang="ko-KR" altLang="en-US" sz="2000" b="1">
                   <a:solidFill>
                     <a:srgbClr val="5BC9BC"/>
                   </a:solidFill>
@@ -19109,13 +18799,6 @@
   <p:clrMapOvr>
     <a:masterClrMapping/>
   </p:clrMapOvr>
-  <p:timing>
-    <p:tnLst>
-      <p:par>
-        <p:cTn id="1" dur="indefinite" restart="never" nodeType="tmRoot"/>
-      </p:par>
-    </p:tnLst>
-  </p:timing>
 </p:sld>
 </file>
 
@@ -19163,10 +18846,9 @@
               <a:buChar char="•"/>
             </a:pPr>
             <a:r>
-              <a:rPr lang="ko-KR" altLang="en-US" sz="2000" dirty="0" smtClean="0"/>
+              <a:rPr lang="ko-KR" altLang="en-US" sz="2000" dirty="0"/>
               <a:t>데이터의 주요 지표</a:t>
             </a:r>
-            <a:endParaRPr lang="ko-KR" altLang="en-US" sz="2000" dirty="0"/>
           </a:p>
         </p:txBody>
       </p:sp>
@@ -19227,7 +18909,7 @@
             <a:p>
               <a:pPr algn="r"/>
               <a:r>
-                <a:rPr lang="en-US" altLang="ko-KR" b="1" smtClean="0">
+                <a:rPr lang="en-US" altLang="ko-KR" b="1">
                   <a:solidFill>
                     <a:srgbClr val="5BC9BC"/>
                   </a:solidFill>
@@ -19235,7 +18917,7 @@
                 <a:t>2.4 </a:t>
               </a:r>
               <a:r>
-                <a:rPr lang="en-US" altLang="ko-KR" b="1" smtClean="0">
+                <a:rPr lang="en-US" altLang="ko-KR" b="1">
                   <a:solidFill>
                     <a:schemeClr val="tx1"/>
                   </a:solidFill>
@@ -19243,7 +18925,7 @@
                 <a:t>1</a:t>
               </a:r>
               <a:r>
-                <a:rPr lang="ko-KR" altLang="en-US" b="1" smtClean="0">
+                <a:rPr lang="ko-KR" altLang="en-US" b="1">
                   <a:solidFill>
                     <a:schemeClr val="tx1"/>
                   </a:solidFill>
@@ -19346,7 +19028,7 @@
             <a:lstStyle/>
             <a:p>
               <a:r>
-                <a:rPr lang="en-US" altLang="ko-KR" sz="2000" b="1" smtClean="0">
+                <a:rPr lang="en-US" altLang="ko-KR" sz="2000" b="1">
                   <a:solidFill>
                     <a:srgbClr val="5BC9BC"/>
                   </a:solidFill>
@@ -19354,7 +19036,7 @@
                 <a:t>2.4.1 </a:t>
               </a:r>
               <a:r>
-                <a:rPr lang="ko-KR" altLang="en-US" sz="2000" b="1" smtClean="0">
+                <a:rPr lang="ko-KR" altLang="en-US" sz="2000" b="1">
                   <a:solidFill>
                     <a:srgbClr val="5BC9BC"/>
                   </a:solidFill>
@@ -19457,13 +19139,6 @@
   <p:clrMapOvr>
     <a:masterClrMapping/>
   </p:clrMapOvr>
-  <p:timing>
-    <p:tnLst>
-      <p:par>
-        <p:cTn id="1" dur="indefinite" restart="never" nodeType="tmRoot"/>
-      </p:par>
-    </p:tnLst>
-  </p:timing>
 </p:sld>
 </file>
 
@@ -19541,7 +19216,7 @@
             <a:p>
               <a:pPr algn="r"/>
               <a:r>
-                <a:rPr lang="en-US" altLang="ko-KR" b="1" smtClean="0">
+                <a:rPr lang="en-US" altLang="ko-KR" b="1">
                   <a:solidFill>
                     <a:srgbClr val="5BC9BC"/>
                   </a:solidFill>
@@ -19549,7 +19224,7 @@
                 <a:t>2.4 </a:t>
               </a:r>
               <a:r>
-                <a:rPr lang="en-US" altLang="ko-KR" b="1" smtClean="0">
+                <a:rPr lang="en-US" altLang="ko-KR" b="1">
                   <a:solidFill>
                     <a:schemeClr val="tx1"/>
                   </a:solidFill>
@@ -19557,7 +19232,7 @@
                 <a:t>1</a:t>
               </a:r>
               <a:r>
-                <a:rPr lang="ko-KR" altLang="en-US" b="1" smtClean="0">
+                <a:rPr lang="ko-KR" altLang="en-US" b="1">
                   <a:solidFill>
                     <a:schemeClr val="tx1"/>
                   </a:solidFill>
@@ -19660,7 +19335,7 @@
             <a:lstStyle/>
             <a:p>
               <a:r>
-                <a:rPr lang="en-US" altLang="ko-KR" sz="2000" b="1" smtClean="0">
+                <a:rPr lang="en-US" altLang="ko-KR" sz="2000" b="1">
                   <a:solidFill>
                     <a:srgbClr val="5BC9BC"/>
                   </a:solidFill>
@@ -19668,7 +19343,7 @@
                 <a:t>2.4.1 </a:t>
               </a:r>
               <a:r>
-                <a:rPr lang="ko-KR" altLang="en-US" sz="2000" b="1" smtClean="0">
+                <a:rPr lang="ko-KR" altLang="en-US" sz="2000" b="1">
                   <a:solidFill>
                     <a:srgbClr val="5BC9BC"/>
                   </a:solidFill>
@@ -19784,16 +19459,12 @@
           <a:lstStyle/>
           <a:p>
             <a:r>
-              <a:rPr lang="ko-KR" altLang="en-US" sz="1200" dirty="0" smtClean="0"/>
+              <a:rPr lang="ko-KR" altLang="en-US" sz="1200" dirty="0"/>
               <a:t>참고</a:t>
             </a:r>
             <a:r>
-              <a:rPr lang="en-US" altLang="ko-KR" sz="1200" dirty="0" smtClean="0"/>
-              <a:t>: </a:t>
-            </a:r>
-            <a:r>
               <a:rPr lang="en-US" altLang="ko-KR" sz="1200" dirty="0"/>
-              <a:t>https://blog.naver.com/hwasinedu/222065642328</a:t>
+              <a:t>: https://blog.naver.com/hwasinedu/222065642328</a:t>
             </a:r>
             <a:endParaRPr lang="ko-KR" altLang="en-US" sz="1200" dirty="0"/>
           </a:p>
@@ -19809,13 +19480,6 @@
   <p:clrMapOvr>
     <a:masterClrMapping/>
   </p:clrMapOvr>
-  <p:timing>
-    <p:tnLst>
-      <p:par>
-        <p:cTn id="1" dur="indefinite" restart="never" nodeType="tmRoot"/>
-      </p:par>
-    </p:tnLst>
-  </p:timing>
 </p:sld>
 </file>
 
@@ -19893,7 +19557,7 @@
             <a:p>
               <a:pPr algn="r"/>
               <a:r>
-                <a:rPr lang="en-US" altLang="ko-KR" b="1" smtClean="0">
+                <a:rPr lang="en-US" altLang="ko-KR" b="1">
                   <a:solidFill>
                     <a:srgbClr val="5BC9BC"/>
                   </a:solidFill>
@@ -19901,7 +19565,7 @@
                 <a:t>   2.1</a:t>
               </a:r>
               <a:r>
-                <a:rPr lang="en-US" altLang="ko-KR" b="1" smtClean="0">
+                <a:rPr lang="en-US" altLang="ko-KR" b="1">
                   <a:solidFill>
                     <a:srgbClr val="00CC66"/>
                   </a:solidFill>
@@ -19909,7 +19573,7 @@
                 <a:t> </a:t>
               </a:r>
               <a:r>
-                <a:rPr lang="ko-KR" altLang="en-US" b="1" smtClean="0">
+                <a:rPr lang="ko-KR" altLang="en-US" b="1">
                   <a:solidFill>
                     <a:schemeClr val="tx1"/>
                   </a:solidFill>
@@ -19917,7 +19581,7 @@
                 <a:t>데이터 중심의</a:t>
               </a:r>
               <a:r>
-                <a:rPr lang="en-US" altLang="ko-KR" b="1" smtClean="0">
+                <a:rPr lang="en-US" altLang="ko-KR" b="1">
                   <a:solidFill>
                     <a:schemeClr val="tx1"/>
                   </a:solidFill>
@@ -19925,7 +19589,7 @@
                 <a:t> </a:t>
               </a:r>
               <a:r>
-                <a:rPr lang="ko-KR" altLang="en-US" b="1" smtClean="0">
+                <a:rPr lang="ko-KR" altLang="en-US" b="1">
                   <a:solidFill>
                     <a:schemeClr val="tx1"/>
                   </a:solidFill>
@@ -20010,46 +19674,38 @@
           <a:lstStyle/>
           <a:p>
             <a:r>
-              <a:rPr lang="en-US" altLang="ko-KR" sz="2000" dirty="0" smtClean="0"/>
+              <a:rPr lang="en-US" altLang="ko-KR" sz="2000" dirty="0"/>
               <a:t>2, 3</a:t>
             </a:r>
             <a:r>
-              <a:rPr lang="ko-KR" altLang="en-US" sz="2000" dirty="0" smtClean="0"/>
+              <a:rPr lang="ko-KR" altLang="en-US" sz="2000" dirty="0"/>
               <a:t>장에서 사용하는 데이터</a:t>
             </a:r>
             <a:r>
-              <a:rPr lang="en-US" altLang="ko-KR" sz="2000" dirty="0" smtClean="0"/>
+              <a:rPr lang="en-US" altLang="ko-KR" sz="2000" dirty="0"/>
               <a:t>(50</a:t>
             </a:r>
             <a:r>
-              <a:rPr lang="ko-KR" altLang="en-US" sz="2000" dirty="0" smtClean="0"/>
+              <a:rPr lang="ko-KR" altLang="en-US" sz="2000" dirty="0"/>
               <a:t>명 학생의 영어</a:t>
             </a:r>
             <a:r>
-              <a:rPr lang="en-US" altLang="ko-KR" sz="2000" dirty="0" smtClean="0"/>
+              <a:rPr lang="en-US" altLang="ko-KR" sz="2000" dirty="0"/>
               <a:t>, </a:t>
             </a:r>
             <a:r>
-              <a:rPr lang="ko-KR" altLang="en-US" sz="2000" dirty="0" smtClean="0"/>
-              <a:t>수</a:t>
-            </a:r>
-            <a:r>
               <a:rPr lang="ko-KR" altLang="en-US" sz="2000" dirty="0"/>
-              <a:t>학</a:t>
-            </a:r>
-            <a:r>
-              <a:rPr lang="ko-KR" altLang="en-US" sz="2000" dirty="0" smtClean="0"/>
-              <a:t> 점수</a:t>
-            </a:r>
-            <a:r>
-              <a:rPr lang="en-US" altLang="ko-KR" sz="2000" dirty="0" smtClean="0"/>
+              <a:t>수학 점수</a:t>
+            </a:r>
+            <a:r>
+              <a:rPr lang="en-US" altLang="ko-KR" sz="2000" dirty="0"/>
               <a:t>)</a:t>
             </a:r>
             <a:r>
-              <a:rPr lang="ko-KR" altLang="en-US" sz="2000" dirty="0" smtClean="0"/>
+              <a:rPr lang="ko-KR" altLang="en-US" sz="2000" dirty="0"/>
               <a:t> 입력</a:t>
             </a:r>
-            <a:endParaRPr lang="en-US" altLang="ko-KR" sz="2000" dirty="0" smtClean="0"/>
+            <a:endParaRPr lang="en-US" altLang="ko-KR" sz="2000" dirty="0"/>
           </a:p>
         </p:txBody>
       </p:sp>
@@ -20140,13 +19796,6 @@
   <p:clrMapOvr>
     <a:masterClrMapping/>
   </p:clrMapOvr>
-  <p:timing>
-    <p:tnLst>
-      <p:par>
-        <p:cTn id="1" dur="indefinite" restart="never" nodeType="tmRoot"/>
-      </p:par>
-    </p:tnLst>
-  </p:timing>
 </p:sld>
 </file>
 
@@ -20197,26 +19846,26 @@
               <a:buChar char="•"/>
             </a:pPr>
             <a:r>
-              <a:rPr lang="ko-KR" altLang="en-US" sz="2000" dirty="0" smtClean="0"/>
+              <a:rPr lang="ko-KR" altLang="en-US" sz="2000" dirty="0"/>
               <a:t>데이터의 분포 상태를 세부적으로 알고 싶을 때</a:t>
             </a:r>
             <a:r>
-              <a:rPr lang="en-US" altLang="ko-KR" sz="2000" dirty="0" smtClean="0"/>
+              <a:rPr lang="en-US" altLang="ko-KR" sz="2000" dirty="0"/>
               <a:t>, </a:t>
             </a:r>
             <a:r>
-              <a:rPr lang="ko-KR" altLang="en-US" sz="2000" dirty="0" smtClean="0"/>
+              <a:rPr lang="ko-KR" altLang="en-US" sz="2000" dirty="0"/>
               <a:t>데이터가 취하는 값을 몇 개의 구간으로 나누고</a:t>
             </a:r>
             <a:r>
-              <a:rPr lang="en-US" altLang="ko-KR" sz="2000" dirty="0" smtClean="0"/>
+              <a:rPr lang="en-US" altLang="ko-KR" sz="2000" dirty="0"/>
               <a:t>, </a:t>
             </a:r>
             <a:r>
-              <a:rPr lang="ko-KR" altLang="en-US" sz="2000" dirty="0" smtClean="0"/>
+              <a:rPr lang="ko-KR" altLang="en-US" sz="2000" dirty="0"/>
               <a:t>각 구간에 몇 개의 데이터가 들어가는가를 세는 방법</a:t>
             </a:r>
-            <a:endParaRPr lang="en-US" altLang="ko-KR" sz="2000" dirty="0" smtClean="0"/>
+            <a:endParaRPr lang="en-US" altLang="ko-KR" sz="2000" dirty="0"/>
           </a:p>
           <a:p>
             <a:pPr marL="342900" indent="-342900">
@@ -20227,10 +19876,10 @@
               <a:buChar char="•"/>
             </a:pPr>
             <a:r>
-              <a:rPr lang="ko-KR" altLang="en-US" sz="2000" dirty="0" smtClean="0"/>
+              <a:rPr lang="ko-KR" altLang="en-US" sz="2000" dirty="0"/>
               <a:t>분할된 구간과 데이터의 개수를 정리한 표가 도수분포표</a:t>
             </a:r>
-            <a:endParaRPr lang="en-US" altLang="ko-KR" sz="2000" dirty="0" smtClean="0"/>
+            <a:endParaRPr lang="en-US" altLang="ko-KR" sz="2000" dirty="0"/>
           </a:p>
           <a:p>
             <a:pPr marL="800100" lvl="1" indent="-342900">
@@ -20241,34 +19890,34 @@
               <a:buChar char="-"/>
             </a:pPr>
             <a:r>
-              <a:rPr lang="ko-KR" altLang="en-US" dirty="0" smtClean="0"/>
+              <a:rPr lang="ko-KR" altLang="en-US" dirty="0"/>
               <a:t>계급</a:t>
             </a:r>
             <a:r>
-              <a:rPr lang="en-US" altLang="ko-KR" dirty="0" smtClean="0"/>
+              <a:rPr lang="en-US" altLang="ko-KR" dirty="0"/>
               <a:t>: </a:t>
             </a:r>
             <a:r>
-              <a:rPr lang="ko-KR" altLang="en-US" dirty="0" smtClean="0"/>
+              <a:rPr lang="ko-KR" altLang="en-US" dirty="0"/>
               <a:t>시험 점수를 </a:t>
             </a:r>
             <a:r>
-              <a:rPr lang="en-US" altLang="ko-KR" dirty="0" smtClean="0"/>
+              <a:rPr lang="en-US" altLang="ko-KR" dirty="0"/>
               <a:t>10</a:t>
             </a:r>
             <a:r>
-              <a:rPr lang="ko-KR" altLang="en-US" dirty="0" smtClean="0"/>
+              <a:rPr lang="ko-KR" altLang="en-US" dirty="0"/>
               <a:t>점 간격으로 나눌 때 </a:t>
             </a:r>
             <a:r>
-              <a:rPr lang="en-US" altLang="ko-KR" dirty="0" smtClean="0"/>
+              <a:rPr lang="en-US" altLang="ko-KR" dirty="0"/>
               <a:t>0~10</a:t>
             </a:r>
             <a:r>
-              <a:rPr lang="ko-KR" altLang="en-US" dirty="0" smtClean="0"/>
+              <a:rPr lang="ko-KR" altLang="en-US" dirty="0"/>
               <a:t>점 구간 등</a:t>
             </a:r>
-            <a:endParaRPr lang="en-US" altLang="ko-KR" dirty="0" smtClean="0"/>
+            <a:endParaRPr lang="en-US" altLang="ko-KR" dirty="0"/>
           </a:p>
           <a:p>
             <a:pPr marL="800100" lvl="1" indent="-342900">
@@ -20279,18 +19928,18 @@
               <a:buChar char="-"/>
             </a:pPr>
             <a:r>
-              <a:rPr lang="ko-KR" altLang="en-US" dirty="0" smtClean="0"/>
+              <a:rPr lang="ko-KR" altLang="en-US" dirty="0"/>
               <a:t>도수</a:t>
             </a:r>
             <a:r>
-              <a:rPr lang="en-US" altLang="ko-KR" dirty="0" smtClean="0"/>
+              <a:rPr lang="en-US" altLang="ko-KR" dirty="0"/>
               <a:t>: </a:t>
             </a:r>
             <a:r>
-              <a:rPr lang="ko-KR" altLang="en-US" dirty="0" smtClean="0"/>
+              <a:rPr lang="ko-KR" altLang="en-US" dirty="0"/>
               <a:t>각 계급에 속한 학생 수</a:t>
             </a:r>
-            <a:endParaRPr lang="en-US" altLang="ko-KR" dirty="0" smtClean="0"/>
+            <a:endParaRPr lang="en-US" altLang="ko-KR" dirty="0"/>
           </a:p>
           <a:p>
             <a:pPr marL="800100" lvl="1" indent="-342900">
@@ -20301,26 +19950,26 @@
               <a:buChar char="-"/>
             </a:pPr>
             <a:r>
-              <a:rPr lang="ko-KR" altLang="en-US" dirty="0" err="1" smtClean="0"/>
+              <a:rPr lang="ko-KR" altLang="en-US" dirty="0" err="1"/>
               <a:t>계급폭</a:t>
             </a:r>
             <a:r>
-              <a:rPr lang="en-US" altLang="ko-KR" dirty="0" smtClean="0"/>
+              <a:rPr lang="en-US" altLang="ko-KR" dirty="0"/>
               <a:t>: </a:t>
             </a:r>
             <a:r>
-              <a:rPr lang="ko-KR" altLang="en-US" dirty="0" smtClean="0"/>
+              <a:rPr lang="ko-KR" altLang="en-US" dirty="0"/>
               <a:t>각 구간의 폭</a:t>
             </a:r>
             <a:r>
-              <a:rPr lang="en-US" altLang="ko-KR" dirty="0" smtClean="0"/>
+              <a:rPr lang="en-US" altLang="ko-KR" dirty="0"/>
               <a:t>, 10</a:t>
             </a:r>
             <a:r>
-              <a:rPr lang="ko-KR" altLang="en-US" dirty="0" smtClean="0"/>
+              <a:rPr lang="ko-KR" altLang="en-US" dirty="0"/>
               <a:t>점</a:t>
             </a:r>
-            <a:endParaRPr lang="en-US" altLang="ko-KR" dirty="0" smtClean="0"/>
+            <a:endParaRPr lang="en-US" altLang="ko-KR" dirty="0"/>
           </a:p>
           <a:p>
             <a:pPr marL="800100" lvl="1" indent="-342900">
@@ -20331,19 +19980,19 @@
               <a:buChar char="-"/>
             </a:pPr>
             <a:r>
-              <a:rPr lang="ko-KR" altLang="en-US" dirty="0" err="1" smtClean="0"/>
+              <a:rPr lang="ko-KR" altLang="en-US" dirty="0" err="1"/>
               <a:t>계급수</a:t>
             </a:r>
             <a:r>
-              <a:rPr lang="en-US" altLang="ko-KR" dirty="0" smtClean="0"/>
+              <a:rPr lang="en-US" altLang="ko-KR" dirty="0"/>
               <a:t>: </a:t>
             </a:r>
             <a:r>
-              <a:rPr lang="ko-KR" altLang="en-US" dirty="0" smtClean="0"/>
+              <a:rPr lang="ko-KR" altLang="en-US" dirty="0"/>
               <a:t>계급의 수</a:t>
             </a:r>
             <a:r>
-              <a:rPr lang="en-US" altLang="ko-KR" dirty="0" smtClean="0"/>
+              <a:rPr lang="en-US" altLang="ko-KR" dirty="0"/>
               <a:t>, 10</a:t>
             </a:r>
             <a:endParaRPr lang="ko-KR" altLang="en-US" dirty="0"/>
@@ -20407,7 +20056,7 @@
             <a:p>
               <a:pPr algn="r"/>
               <a:r>
-                <a:rPr lang="en-US" altLang="ko-KR" b="1" smtClean="0">
+                <a:rPr lang="en-US" altLang="ko-KR" b="1">
                   <a:solidFill>
                     <a:srgbClr val="5BC9BC"/>
                   </a:solidFill>
@@ -20415,7 +20064,7 @@
                 <a:t>2.4 </a:t>
               </a:r>
               <a:r>
-                <a:rPr lang="en-US" altLang="ko-KR" b="1" smtClean="0">
+                <a:rPr lang="en-US" altLang="ko-KR" b="1">
                   <a:solidFill>
                     <a:schemeClr val="tx1"/>
                   </a:solidFill>
@@ -20423,7 +20072,7 @@
                 <a:t>1</a:t>
               </a:r>
               <a:r>
-                <a:rPr lang="ko-KR" altLang="en-US" b="1" smtClean="0">
+                <a:rPr lang="ko-KR" altLang="en-US" b="1">
                   <a:solidFill>
                     <a:schemeClr val="tx1"/>
                   </a:solidFill>
@@ -20526,7 +20175,7 @@
             <a:lstStyle/>
             <a:p>
               <a:r>
-                <a:rPr lang="en-US" altLang="ko-KR" sz="2000" b="1" smtClean="0">
+                <a:rPr lang="en-US" altLang="ko-KR" sz="2000" b="1">
                   <a:solidFill>
                     <a:srgbClr val="5BC9BC"/>
                   </a:solidFill>
@@ -20534,7 +20183,7 @@
                 <a:t>2.4.1 </a:t>
               </a:r>
               <a:r>
-                <a:rPr lang="ko-KR" altLang="en-US" sz="2000" b="1" smtClean="0">
+                <a:rPr lang="ko-KR" altLang="en-US" sz="2000" b="1">
                   <a:solidFill>
                     <a:srgbClr val="5BC9BC"/>
                   </a:solidFill>
@@ -20637,13 +20286,6 @@
   <p:clrMapOvr>
     <a:masterClrMapping/>
   </p:clrMapOvr>
-  <p:timing>
-    <p:tnLst>
-      <p:par>
-        <p:cTn id="1" dur="indefinite" restart="never" nodeType="tmRoot"/>
-      </p:par>
-    </p:tnLst>
-  </p:timing>
 </p:sld>
 </file>
 
@@ -20859,13 +20501,6 @@
   <p:clrMapOvr>
     <a:masterClrMapping/>
   </p:clrMapOvr>
-  <p:timing>
-    <p:tnLst>
-      <p:par>
-        <p:cTn id="1" dur="indefinite" restart="never" nodeType="tmRoot"/>
-      </p:par>
-    </p:tnLst>
-  </p:timing>
 </p:sld>
 </file>
 
@@ -20943,7 +20578,7 @@
             <a:p>
               <a:pPr algn="r"/>
               <a:r>
-                <a:rPr lang="en-US" altLang="ko-KR" b="1" smtClean="0">
+                <a:rPr lang="en-US" altLang="ko-KR" b="1">
                   <a:solidFill>
                     <a:srgbClr val="5BC9BC"/>
                   </a:solidFill>
@@ -20951,7 +20586,7 @@
                 <a:t>2.4 </a:t>
               </a:r>
               <a:r>
-                <a:rPr lang="en-US" altLang="ko-KR" b="1" smtClean="0">
+                <a:rPr lang="en-US" altLang="ko-KR" b="1">
                   <a:solidFill>
                     <a:schemeClr val="tx1"/>
                   </a:solidFill>
@@ -20959,7 +20594,7 @@
                 <a:t>1</a:t>
               </a:r>
               <a:r>
-                <a:rPr lang="ko-KR" altLang="en-US" b="1" smtClean="0">
+                <a:rPr lang="ko-KR" altLang="en-US" b="1">
                   <a:solidFill>
                     <a:schemeClr val="tx1"/>
                   </a:solidFill>
@@ -21062,7 +20697,7 @@
             <a:lstStyle/>
             <a:p>
               <a:r>
-                <a:rPr lang="en-US" altLang="ko-KR" sz="2000" b="1" smtClean="0">
+                <a:rPr lang="en-US" altLang="ko-KR" sz="2000" b="1">
                   <a:solidFill>
                     <a:srgbClr val="5BC9BC"/>
                   </a:solidFill>
@@ -21070,7 +20705,7 @@
                 <a:t>2.4.1 </a:t>
               </a:r>
               <a:r>
-                <a:rPr lang="ko-KR" altLang="en-US" sz="2000" b="1" smtClean="0">
+                <a:rPr lang="ko-KR" altLang="en-US" sz="2000" b="1">
                   <a:solidFill>
                     <a:srgbClr val="5BC9BC"/>
                   </a:solidFill>
@@ -21173,13 +20808,6 @@
   <p:clrMapOvr>
     <a:masterClrMapping/>
   </p:clrMapOvr>
-  <p:timing>
-    <p:tnLst>
-      <p:par>
-        <p:cTn id="1" dur="indefinite" restart="never" nodeType="tmRoot"/>
-      </p:par>
-    </p:tnLst>
-  </p:timing>
 </p:sld>
 </file>
 
@@ -21257,7 +20885,7 @@
             <a:p>
               <a:pPr algn="r"/>
               <a:r>
-                <a:rPr lang="en-US" altLang="ko-KR" b="1" smtClean="0">
+                <a:rPr lang="en-US" altLang="ko-KR" b="1">
                   <a:solidFill>
                     <a:srgbClr val="5BC9BC"/>
                   </a:solidFill>
@@ -21265,7 +20893,7 @@
                 <a:t>2.4 </a:t>
               </a:r>
               <a:r>
-                <a:rPr lang="en-US" altLang="ko-KR" b="1" smtClean="0">
+                <a:rPr lang="en-US" altLang="ko-KR" b="1">
                   <a:solidFill>
                     <a:schemeClr val="tx1"/>
                   </a:solidFill>
@@ -21273,7 +20901,7 @@
                 <a:t>1</a:t>
               </a:r>
               <a:r>
-                <a:rPr lang="ko-KR" altLang="en-US" b="1" smtClean="0">
+                <a:rPr lang="ko-KR" altLang="en-US" b="1">
                   <a:solidFill>
                     <a:schemeClr val="tx1"/>
                   </a:solidFill>
@@ -21376,7 +21004,7 @@
             <a:lstStyle/>
             <a:p>
               <a:r>
-                <a:rPr lang="en-US" altLang="ko-KR" sz="2000" b="1" dirty="0" smtClean="0">
+                <a:rPr lang="en-US" altLang="ko-KR" sz="2000" b="1" dirty="0">
                   <a:solidFill>
                     <a:srgbClr val="5BC9BC"/>
                   </a:solidFill>
@@ -21384,7 +21012,7 @@
                 <a:t>2.4.1 </a:t>
               </a:r>
               <a:r>
-                <a:rPr lang="ko-KR" altLang="en-US" sz="2000" b="1" dirty="0" smtClean="0">
+                <a:rPr lang="ko-KR" altLang="en-US" sz="2000" b="1" dirty="0">
                   <a:solidFill>
                     <a:srgbClr val="5BC9BC"/>
                   </a:solidFill>
@@ -21392,7 +21020,7 @@
                 <a:t>참고 </a:t>
               </a:r>
               <a:r>
-                <a:rPr lang="en-US" altLang="ko-KR" sz="2000" b="1" dirty="0" smtClean="0">
+                <a:rPr lang="en-US" altLang="ko-KR" sz="2000" b="1" dirty="0">
                   <a:solidFill>
                     <a:srgbClr val="5BC9BC"/>
                   </a:solidFill>
@@ -21400,7 +21028,7 @@
                 <a:t>: for</a:t>
               </a:r>
               <a:r>
-                <a:rPr lang="ko-KR" altLang="en-US" sz="2000" b="1" dirty="0" smtClean="0">
+                <a:rPr lang="ko-KR" altLang="en-US" sz="2000" b="1" dirty="0">
                   <a:solidFill>
                     <a:srgbClr val="5BC9BC"/>
                   </a:solidFill>
@@ -21408,7 +21036,7 @@
                 <a:t>문과 </a:t>
               </a:r>
               <a:r>
-                <a:rPr lang="en-US" altLang="ko-KR" sz="2000" b="1" dirty="0" smtClean="0">
+                <a:rPr lang="en-US" altLang="ko-KR" sz="2000" b="1" dirty="0">
                   <a:solidFill>
                     <a:srgbClr val="5BC9BC"/>
                   </a:solidFill>
@@ -21416,7 +21044,7 @@
                 <a:t>range() </a:t>
               </a:r>
               <a:r>
-                <a:rPr lang="ko-KR" altLang="en-US" sz="2000" b="1" dirty="0" smtClean="0">
+                <a:rPr lang="ko-KR" altLang="en-US" sz="2000" b="1" dirty="0">
                   <a:solidFill>
                     <a:srgbClr val="5BC9BC"/>
                   </a:solidFill>
@@ -21573,13 +21201,6 @@
   <p:clrMapOvr>
     <a:masterClrMapping/>
   </p:clrMapOvr>
-  <p:timing>
-    <p:tnLst>
-      <p:par>
-        <p:cTn id="1" dur="indefinite" restart="never" nodeType="tmRoot"/>
-      </p:par>
-    </p:tnLst>
-  </p:timing>
 </p:sld>
 </file>
 
@@ -21630,7 +21251,7 @@
               <a:buChar char="•"/>
             </a:pPr>
             <a:r>
-              <a:rPr lang="ko-KR" altLang="en-US" sz="2000" dirty="0" err="1" smtClean="0"/>
+              <a:rPr lang="ko-KR" altLang="en-US" sz="2000" dirty="0" err="1"/>
               <a:t>계급값</a:t>
             </a:r>
             <a:endParaRPr lang="en-US" altLang="ko-KR" sz="2000" dirty="0"/>
@@ -21643,22 +21264,18 @@
             </a:pPr>
             <a:r>
               <a:rPr lang="en-US" altLang="ko-KR" dirty="0"/>
-              <a:t> </a:t>
-            </a:r>
-            <a:r>
-              <a:rPr lang="en-US" altLang="ko-KR" dirty="0" smtClean="0"/>
-              <a:t>  - </a:t>
-            </a:r>
-            <a:r>
-              <a:rPr lang="ko-KR" altLang="en-US" dirty="0" smtClean="0"/>
+              <a:t>   - </a:t>
+            </a:r>
+            <a:r>
+              <a:rPr lang="ko-KR" altLang="en-US" dirty="0"/>
               <a:t>각 계급을 대표하는 값으로</a:t>
             </a:r>
             <a:r>
-              <a:rPr lang="en-US" altLang="ko-KR" dirty="0" smtClean="0"/>
+              <a:rPr lang="en-US" altLang="ko-KR" dirty="0"/>
               <a:t>, </a:t>
             </a:r>
             <a:r>
-              <a:rPr lang="ko-KR" altLang="en-US" dirty="0" smtClean="0"/>
+              <a:rPr lang="ko-KR" altLang="en-US" dirty="0"/>
               <a:t>계급의 중앙값을 이용</a:t>
             </a:r>
             <a:endParaRPr lang="en-US" altLang="ko-KR" dirty="0"/>
@@ -21722,7 +21339,7 @@
             <a:p>
               <a:pPr algn="r"/>
               <a:r>
-                <a:rPr lang="en-US" altLang="ko-KR" b="1" smtClean="0">
+                <a:rPr lang="en-US" altLang="ko-KR" b="1">
                   <a:solidFill>
                     <a:srgbClr val="5BC9BC"/>
                   </a:solidFill>
@@ -21730,7 +21347,7 @@
                 <a:t>2.4 </a:t>
               </a:r>
               <a:r>
-                <a:rPr lang="en-US" altLang="ko-KR" b="1" smtClean="0">
+                <a:rPr lang="en-US" altLang="ko-KR" b="1">
                   <a:solidFill>
                     <a:schemeClr val="tx1"/>
                   </a:solidFill>
@@ -21738,7 +21355,7 @@
                 <a:t>1</a:t>
               </a:r>
               <a:r>
-                <a:rPr lang="ko-KR" altLang="en-US" b="1" smtClean="0">
+                <a:rPr lang="ko-KR" altLang="en-US" b="1">
                   <a:solidFill>
                     <a:schemeClr val="tx1"/>
                   </a:solidFill>
@@ -21841,7 +21458,7 @@
             <a:lstStyle/>
             <a:p>
               <a:r>
-                <a:rPr lang="en-US" altLang="ko-KR" sz="2000" b="1" smtClean="0">
+                <a:rPr lang="en-US" altLang="ko-KR" sz="2000" b="1">
                   <a:solidFill>
                     <a:srgbClr val="5BC9BC"/>
                   </a:solidFill>
@@ -21849,7 +21466,7 @@
                 <a:t>2.4.1 </a:t>
               </a:r>
               <a:r>
-                <a:rPr lang="ko-KR" altLang="en-US" sz="2000" b="1" smtClean="0">
+                <a:rPr lang="ko-KR" altLang="en-US" sz="2000" b="1">
                   <a:solidFill>
                     <a:srgbClr val="5BC9BC"/>
                   </a:solidFill>
@@ -21952,13 +21569,6 @@
   <p:clrMapOvr>
     <a:masterClrMapping/>
   </p:clrMapOvr>
-  <p:timing>
-    <p:tnLst>
-      <p:par>
-        <p:cTn id="1" dur="indefinite" restart="never" nodeType="tmRoot"/>
-      </p:par>
-    </p:tnLst>
-  </p:timing>
 </p:sld>
 </file>
 
@@ -22009,7 +21619,7 @@
               <a:buChar char="•"/>
             </a:pPr>
             <a:r>
-              <a:rPr lang="ko-KR" altLang="en-US" sz="2000" dirty="0" smtClean="0"/>
+              <a:rPr lang="ko-KR" altLang="en-US" sz="2000" dirty="0"/>
               <a:t>상대도수</a:t>
             </a:r>
             <a:endParaRPr lang="en-US" altLang="ko-KR" sz="2000" dirty="0"/>
@@ -22021,14 +21631,13 @@
               </a:lnSpc>
             </a:pPr>
             <a:r>
-              <a:rPr lang="en-US" altLang="ko-KR" dirty="0" smtClean="0"/>
+              <a:rPr lang="en-US" altLang="ko-KR" dirty="0"/>
               <a:t>   - </a:t>
             </a:r>
             <a:r>
-              <a:rPr lang="ko-KR" altLang="en-US" dirty="0" smtClean="0"/>
+              <a:rPr lang="ko-KR" altLang="en-US" dirty="0"/>
               <a:t>전체 데이터에 대해서 해당 계급의 데이터가 차지하는 비율</a:t>
             </a:r>
-            <a:endParaRPr lang="ko-KR" altLang="en-US" dirty="0"/>
           </a:p>
         </p:txBody>
       </p:sp>
@@ -22089,7 +21698,7 @@
             <a:p>
               <a:pPr algn="r"/>
               <a:r>
-                <a:rPr lang="en-US" altLang="ko-KR" b="1" smtClean="0">
+                <a:rPr lang="en-US" altLang="ko-KR" b="1">
                   <a:solidFill>
                     <a:srgbClr val="5BC9BC"/>
                   </a:solidFill>
@@ -22097,7 +21706,7 @@
                 <a:t>2.4 </a:t>
               </a:r>
               <a:r>
-                <a:rPr lang="en-US" altLang="ko-KR" b="1" smtClean="0">
+                <a:rPr lang="en-US" altLang="ko-KR" b="1">
                   <a:solidFill>
                     <a:schemeClr val="tx1"/>
                   </a:solidFill>
@@ -22105,7 +21714,7 @@
                 <a:t>1</a:t>
               </a:r>
               <a:r>
-                <a:rPr lang="ko-KR" altLang="en-US" b="1" smtClean="0">
+                <a:rPr lang="ko-KR" altLang="en-US" b="1">
                   <a:solidFill>
                     <a:schemeClr val="tx1"/>
                   </a:solidFill>
@@ -22208,7 +21817,7 @@
             <a:lstStyle/>
             <a:p>
               <a:r>
-                <a:rPr lang="en-US" altLang="ko-KR" sz="2000" b="1" smtClean="0">
+                <a:rPr lang="en-US" altLang="ko-KR" sz="2000" b="1">
                   <a:solidFill>
                     <a:srgbClr val="5BC9BC"/>
                   </a:solidFill>
@@ -22216,7 +21825,7 @@
                 <a:t>2.4.1 </a:t>
               </a:r>
               <a:r>
-                <a:rPr lang="ko-KR" altLang="en-US" sz="2000" b="1" smtClean="0">
+                <a:rPr lang="ko-KR" altLang="en-US" sz="2000" b="1">
                   <a:solidFill>
                     <a:srgbClr val="5BC9BC"/>
                   </a:solidFill>
@@ -22319,13 +21928,6 @@
   <p:clrMapOvr>
     <a:masterClrMapping/>
   </p:clrMapOvr>
-  <p:timing>
-    <p:tnLst>
-      <p:par>
-        <p:cTn id="1" dur="indefinite" restart="never" nodeType="tmRoot"/>
-      </p:par>
-    </p:tnLst>
-  </p:timing>
 </p:sld>
 </file>
 
@@ -22376,7 +21978,7 @@
               <a:buChar char="•"/>
             </a:pPr>
             <a:r>
-              <a:rPr lang="ko-KR" altLang="en-US" sz="2000" dirty="0" smtClean="0"/>
+              <a:rPr lang="ko-KR" altLang="en-US" sz="2000" dirty="0"/>
               <a:t>누적상대도수</a:t>
             </a:r>
             <a:endParaRPr lang="en-US" altLang="ko-KR" sz="2000" dirty="0"/>
@@ -22388,11 +21990,11 @@
               </a:lnSpc>
             </a:pPr>
             <a:r>
-              <a:rPr lang="en-US" altLang="ko-KR" dirty="0" smtClean="0"/>
+              <a:rPr lang="en-US" altLang="ko-KR" dirty="0"/>
               <a:t>   - </a:t>
             </a:r>
             <a:r>
-              <a:rPr lang="ko-KR" altLang="en-US" dirty="0" smtClean="0"/>
+              <a:rPr lang="ko-KR" altLang="en-US" dirty="0"/>
               <a:t>해당 계급까지의 상대도수의 합</a:t>
             </a:r>
             <a:endParaRPr lang="en-US" altLang="ko-KR" dirty="0"/>
@@ -22456,7 +22058,7 @@
             <a:p>
               <a:pPr algn="r"/>
               <a:r>
-                <a:rPr lang="en-US" altLang="ko-KR" b="1" smtClean="0">
+                <a:rPr lang="en-US" altLang="ko-KR" b="1">
                   <a:solidFill>
                     <a:srgbClr val="5BC9BC"/>
                   </a:solidFill>
@@ -22464,7 +22066,7 @@
                 <a:t>2.4 </a:t>
               </a:r>
               <a:r>
-                <a:rPr lang="en-US" altLang="ko-KR" b="1" smtClean="0">
+                <a:rPr lang="en-US" altLang="ko-KR" b="1">
                   <a:solidFill>
                     <a:schemeClr val="tx1"/>
                   </a:solidFill>
@@ -22472,7 +22074,7 @@
                 <a:t>1</a:t>
               </a:r>
               <a:r>
-                <a:rPr lang="ko-KR" altLang="en-US" b="1" smtClean="0">
+                <a:rPr lang="ko-KR" altLang="en-US" b="1">
                   <a:solidFill>
                     <a:schemeClr val="tx1"/>
                   </a:solidFill>
@@ -22575,7 +22177,7 @@
             <a:lstStyle/>
             <a:p>
               <a:r>
-                <a:rPr lang="en-US" altLang="ko-KR" sz="2000" b="1" smtClean="0">
+                <a:rPr lang="en-US" altLang="ko-KR" sz="2000" b="1">
                   <a:solidFill>
                     <a:srgbClr val="5BC9BC"/>
                   </a:solidFill>
@@ -22583,7 +22185,7 @@
                 <a:t>2.4.1 </a:t>
               </a:r>
               <a:r>
-                <a:rPr lang="ko-KR" altLang="en-US" sz="2000" b="1" smtClean="0">
+                <a:rPr lang="ko-KR" altLang="en-US" sz="2000" b="1">
                   <a:solidFill>
                     <a:srgbClr val="5BC9BC"/>
                   </a:solidFill>
@@ -22686,13 +22288,6 @@
   <p:clrMapOvr>
     <a:masterClrMapping/>
   </p:clrMapOvr>
-  <p:timing>
-    <p:tnLst>
-      <p:par>
-        <p:cTn id="1" dur="indefinite" restart="never" nodeType="tmRoot"/>
-      </p:par>
-    </p:tnLst>
-  </p:timing>
 </p:sld>
 </file>
 
@@ -22740,23 +22335,23 @@
               <a:buChar char="-"/>
             </a:pPr>
             <a:r>
-              <a:rPr lang="ko-KR" altLang="en-US" dirty="0" err="1" smtClean="0"/>
+              <a:rPr lang="ko-KR" altLang="en-US" dirty="0" err="1"/>
               <a:t>계급값</a:t>
             </a:r>
             <a:r>
-              <a:rPr lang="en-US" altLang="ko-KR" dirty="0" smtClean="0"/>
+              <a:rPr lang="en-US" altLang="ko-KR" dirty="0"/>
               <a:t>, </a:t>
             </a:r>
             <a:r>
-              <a:rPr lang="ko-KR" altLang="en-US" dirty="0" smtClean="0"/>
+              <a:rPr lang="ko-KR" altLang="en-US" dirty="0"/>
               <a:t>상대도수</a:t>
             </a:r>
             <a:r>
-              <a:rPr lang="en-US" altLang="ko-KR" dirty="0" smtClean="0"/>
+              <a:rPr lang="en-US" altLang="ko-KR" dirty="0"/>
               <a:t>, </a:t>
             </a:r>
             <a:r>
-              <a:rPr lang="ko-KR" altLang="en-US" dirty="0" smtClean="0"/>
+              <a:rPr lang="ko-KR" altLang="en-US" dirty="0"/>
               <a:t>누적상대도수를 도수분포표에 추가</a:t>
             </a:r>
             <a:endParaRPr lang="en-US" altLang="ko-KR" dirty="0"/>
@@ -22820,7 +22415,7 @@
             <a:p>
               <a:pPr algn="r"/>
               <a:r>
-                <a:rPr lang="en-US" altLang="ko-KR" b="1" smtClean="0">
+                <a:rPr lang="en-US" altLang="ko-KR" b="1">
                   <a:solidFill>
                     <a:srgbClr val="5BC9BC"/>
                   </a:solidFill>
@@ -22828,7 +22423,7 @@
                 <a:t>2.4 </a:t>
               </a:r>
               <a:r>
-                <a:rPr lang="en-US" altLang="ko-KR" b="1" smtClean="0">
+                <a:rPr lang="en-US" altLang="ko-KR" b="1">
                   <a:solidFill>
                     <a:schemeClr val="tx1"/>
                   </a:solidFill>
@@ -22836,7 +22431,7 @@
                 <a:t>1</a:t>
               </a:r>
               <a:r>
-                <a:rPr lang="ko-KR" altLang="en-US" b="1" smtClean="0">
+                <a:rPr lang="ko-KR" altLang="en-US" b="1">
                   <a:solidFill>
                     <a:schemeClr val="tx1"/>
                   </a:solidFill>
@@ -22939,7 +22534,7 @@
             <a:lstStyle/>
             <a:p>
               <a:r>
-                <a:rPr lang="en-US" altLang="ko-KR" sz="2000" b="1" smtClean="0">
+                <a:rPr lang="en-US" altLang="ko-KR" sz="2000" b="1">
                   <a:solidFill>
                     <a:srgbClr val="5BC9BC"/>
                   </a:solidFill>
@@ -22947,7 +22542,7 @@
                 <a:t>2.4.1 </a:t>
               </a:r>
               <a:r>
-                <a:rPr lang="ko-KR" altLang="en-US" sz="2000" b="1" smtClean="0">
+                <a:rPr lang="ko-KR" altLang="en-US" sz="2000" b="1">
                   <a:solidFill>
                     <a:srgbClr val="5BC9BC"/>
                   </a:solidFill>
@@ -23050,13 +22645,6 @@
   <p:clrMapOvr>
     <a:masterClrMapping/>
   </p:clrMapOvr>
-  <p:timing>
-    <p:tnLst>
-      <p:par>
-        <p:cTn id="1" dur="indefinite" restart="never" nodeType="tmRoot"/>
-      </p:par>
-    </p:tnLst>
-  </p:timing>
 </p:sld>
 </file>
 
@@ -23107,7 +22695,7 @@
               <a:buChar char="•"/>
             </a:pPr>
             <a:r>
-              <a:rPr lang="ko-KR" altLang="en-US" sz="2000" dirty="0" err="1" smtClean="0"/>
+              <a:rPr lang="ko-KR" altLang="en-US" sz="2000" dirty="0" err="1"/>
               <a:t>최빈값</a:t>
             </a:r>
             <a:endParaRPr lang="en-US" altLang="ko-KR" sz="2000" dirty="0"/>
@@ -23119,30 +22707,22 @@
               </a:lnSpc>
             </a:pPr>
             <a:r>
-              <a:rPr lang="ko-KR" altLang="en-US" dirty="0" smtClean="0"/>
+              <a:rPr lang="ko-KR" altLang="en-US" dirty="0"/>
               <a:t>   </a:t>
             </a:r>
             <a:r>
-              <a:rPr lang="en-US" altLang="ko-KR" dirty="0" smtClean="0"/>
+              <a:rPr lang="en-US" altLang="ko-KR" dirty="0"/>
               <a:t>- </a:t>
             </a:r>
             <a:r>
-              <a:rPr lang="ko-KR" altLang="en-US" dirty="0" smtClean="0"/>
+              <a:rPr lang="ko-KR" altLang="en-US" dirty="0"/>
               <a:t>최대가 되는 계급의 </a:t>
             </a:r>
             <a:r>
-              <a:rPr lang="ko-KR" altLang="en-US" dirty="0" err="1" smtClean="0"/>
+              <a:rPr lang="ko-KR" altLang="en-US" dirty="0" err="1"/>
               <a:t>계급값</a:t>
             </a:r>
             <a:endParaRPr lang="en-US" altLang="ko-KR" dirty="0"/>
-          </a:p>
-          <a:p>
-            <a:pPr>
-              <a:lnSpc>
-                <a:spcPct val="150000"/>
-              </a:lnSpc>
-            </a:pPr>
-            <a:endParaRPr lang="en-US" altLang="ko-KR" sz="1600" dirty="0" smtClean="0"/>
           </a:p>
           <a:p>
             <a:pPr>
@@ -23158,7 +22738,7 @@
                 <a:spcPct val="150000"/>
               </a:lnSpc>
             </a:pPr>
-            <a:endParaRPr lang="en-US" altLang="ko-KR" sz="1600" dirty="0" smtClean="0"/>
+            <a:endParaRPr lang="en-US" altLang="ko-KR" sz="1600" dirty="0"/>
           </a:p>
           <a:p>
             <a:pPr>
@@ -23174,7 +22754,7 @@
                 <a:spcPct val="150000"/>
               </a:lnSpc>
             </a:pPr>
-            <a:endParaRPr lang="en-US" altLang="ko-KR" sz="1600" dirty="0" smtClean="0"/>
+            <a:endParaRPr lang="en-US" altLang="ko-KR" sz="1600" dirty="0"/>
           </a:p>
           <a:p>
             <a:pPr>
@@ -23190,48 +22770,56 @@
                 <a:spcPct val="150000"/>
               </a:lnSpc>
             </a:pPr>
-            <a:r>
-              <a:rPr lang="en-US" altLang="ko-KR" sz="1600" dirty="0" smtClean="0"/>
+            <a:endParaRPr lang="en-US" altLang="ko-KR" sz="1600" dirty="0"/>
+          </a:p>
+          <a:p>
+            <a:pPr>
+              <a:lnSpc>
+                <a:spcPct val="150000"/>
+              </a:lnSpc>
+            </a:pPr>
+            <a:r>
+              <a:rPr lang="en-US" altLang="ko-KR" sz="1600" dirty="0"/>
               <a:t>    - </a:t>
             </a:r>
             <a:r>
-              <a:rPr lang="ko-KR" altLang="en-US" sz="1600" dirty="0" smtClean="0"/>
+              <a:rPr lang="ko-KR" altLang="en-US" sz="1600" dirty="0"/>
               <a:t>도수분포표를 만드는 방법에 좌우되므로</a:t>
             </a:r>
             <a:r>
-              <a:rPr lang="en-US" altLang="ko-KR" sz="1600" dirty="0" smtClean="0"/>
+              <a:rPr lang="en-US" altLang="ko-KR" sz="1600" dirty="0"/>
               <a:t>, </a:t>
             </a:r>
             <a:r>
-              <a:rPr lang="ko-KR" altLang="en-US" sz="1600" dirty="0" err="1" smtClean="0"/>
+              <a:rPr lang="ko-KR" altLang="en-US" sz="1600" dirty="0" err="1"/>
               <a:t>계급폭을</a:t>
             </a:r>
             <a:r>
-              <a:rPr lang="ko-KR" altLang="en-US" sz="1600" dirty="0" smtClean="0"/>
+              <a:rPr lang="ko-KR" altLang="en-US" sz="1600" dirty="0"/>
               <a:t> </a:t>
             </a:r>
             <a:r>
-              <a:rPr lang="en-US" altLang="ko-KR" sz="1600" dirty="0" smtClean="0"/>
+              <a:rPr lang="en-US" altLang="ko-KR" sz="1600" dirty="0"/>
               <a:t>4</a:t>
             </a:r>
             <a:r>
-              <a:rPr lang="ko-KR" altLang="en-US" sz="1600" dirty="0" smtClean="0"/>
+              <a:rPr lang="ko-KR" altLang="en-US" sz="1600" dirty="0"/>
               <a:t>점으로 하면 </a:t>
             </a:r>
             <a:r>
-              <a:rPr lang="ko-KR" altLang="en-US" sz="1600" dirty="0" err="1" smtClean="0"/>
+              <a:rPr lang="ko-KR" altLang="en-US" sz="1600" dirty="0" err="1"/>
               <a:t>최빈값은</a:t>
             </a:r>
             <a:r>
-              <a:rPr lang="ko-KR" altLang="en-US" sz="1600" dirty="0" smtClean="0"/>
+              <a:rPr lang="ko-KR" altLang="en-US" sz="1600" dirty="0"/>
               <a:t> </a:t>
             </a:r>
             <a:r>
-              <a:rPr lang="en-US" altLang="ko-KR" sz="1600" dirty="0" smtClean="0"/>
+              <a:rPr lang="en-US" altLang="ko-KR" sz="1600" dirty="0"/>
               <a:t>66</a:t>
             </a:r>
             <a:r>
-              <a:rPr lang="ko-KR" altLang="en-US" sz="1600" dirty="0" smtClean="0"/>
+              <a:rPr lang="ko-KR" altLang="en-US" sz="1600" dirty="0"/>
               <a:t>점</a:t>
             </a:r>
             <a:endParaRPr lang="en-US" altLang="ko-KR" dirty="0"/>
@@ -23295,7 +22883,7 @@
             <a:p>
               <a:pPr algn="r"/>
               <a:r>
-                <a:rPr lang="en-US" altLang="ko-KR" b="1" smtClean="0">
+                <a:rPr lang="en-US" altLang="ko-KR" b="1">
                   <a:solidFill>
                     <a:srgbClr val="5BC9BC"/>
                   </a:solidFill>
@@ -23303,7 +22891,7 @@
                 <a:t>2.4 </a:t>
               </a:r>
               <a:r>
-                <a:rPr lang="en-US" altLang="ko-KR" b="1" smtClean="0">
+                <a:rPr lang="en-US" altLang="ko-KR" b="1">
                   <a:solidFill>
                     <a:schemeClr val="tx1"/>
                   </a:solidFill>
@@ -23311,7 +22899,7 @@
                 <a:t>1</a:t>
               </a:r>
               <a:r>
-                <a:rPr lang="ko-KR" altLang="en-US" b="1" smtClean="0">
+                <a:rPr lang="ko-KR" altLang="en-US" b="1">
                   <a:solidFill>
                     <a:schemeClr val="tx1"/>
                   </a:solidFill>
@@ -23414,7 +23002,7 @@
             <a:lstStyle/>
             <a:p>
               <a:r>
-                <a:rPr lang="en-US" altLang="ko-KR" sz="2000" b="1" smtClean="0">
+                <a:rPr lang="en-US" altLang="ko-KR" sz="2000" b="1">
                   <a:solidFill>
                     <a:srgbClr val="5BC9BC"/>
                   </a:solidFill>
@@ -23422,7 +23010,7 @@
                 <a:t>2.4.1 </a:t>
               </a:r>
               <a:r>
-                <a:rPr lang="ko-KR" altLang="en-US" sz="2000" b="1" smtClean="0">
+                <a:rPr lang="ko-KR" altLang="en-US" sz="2000" b="1">
                   <a:solidFill>
                     <a:srgbClr val="5BC9BC"/>
                   </a:solidFill>
@@ -23525,13 +23113,6 @@
   <p:clrMapOvr>
     <a:masterClrMapping/>
   </p:clrMapOvr>
-  <p:timing>
-    <p:tnLst>
-      <p:par>
-        <p:cTn id="1" dur="indefinite" restart="never" nodeType="tmRoot"/>
-      </p:par>
-    </p:tnLst>
-  </p:timing>
 </p:sld>
 </file>
 
@@ -23582,10 +23163,10 @@
               <a:buChar char="-"/>
             </a:pPr>
             <a:r>
-              <a:rPr lang="ko-KR" altLang="en-US" dirty="0" smtClean="0"/>
+              <a:rPr lang="ko-KR" altLang="en-US" dirty="0"/>
               <a:t>도수분포표를 막대그래프로 나타내어 데이터의 분포상태를 더 시각적으로 파악 가능</a:t>
             </a:r>
-            <a:endParaRPr lang="en-US" altLang="ko-KR" dirty="0" smtClean="0"/>
+            <a:endParaRPr lang="en-US" altLang="ko-KR" dirty="0"/>
           </a:p>
           <a:p>
             <a:pPr marL="342900" indent="-342900">
@@ -23596,34 +23177,34 @@
               <a:buChar char="-"/>
             </a:pPr>
             <a:r>
-              <a:rPr lang="ko-KR" altLang="en-US" dirty="0" smtClean="0"/>
+              <a:rPr lang="ko-KR" altLang="en-US" dirty="0"/>
               <a:t>그래프</a:t>
             </a:r>
             <a:r>
-              <a:rPr lang="en-US" altLang="ko-KR" dirty="0" smtClean="0"/>
+              <a:rPr lang="en-US" altLang="ko-KR" dirty="0"/>
               <a:t> </a:t>
             </a:r>
             <a:r>
-              <a:rPr lang="ko-KR" altLang="en-US" dirty="0" smtClean="0"/>
+              <a:rPr lang="ko-KR" altLang="en-US" dirty="0"/>
               <a:t>그리는 데 필요한 </a:t>
             </a:r>
             <a:r>
-              <a:rPr lang="en-US" altLang="ko-KR" dirty="0" err="1" smtClean="0"/>
+              <a:rPr lang="en-US" altLang="ko-KR" dirty="0" err="1"/>
               <a:t>Matplotlib</a:t>
             </a:r>
             <a:r>
-              <a:rPr lang="en-US" altLang="ko-KR" dirty="0" smtClean="0"/>
+              <a:rPr lang="en-US" altLang="ko-KR" dirty="0"/>
               <a:t> </a:t>
             </a:r>
             <a:r>
-              <a:rPr lang="ko-KR" altLang="en-US" dirty="0" smtClean="0"/>
+              <a:rPr lang="ko-KR" altLang="en-US" dirty="0"/>
               <a:t>라이브러리 </a:t>
             </a:r>
             <a:r>
-              <a:rPr lang="ko-KR" altLang="en-US" dirty="0" err="1" smtClean="0"/>
+              <a:rPr lang="ko-KR" altLang="en-US" dirty="0" err="1"/>
               <a:t>임포트</a:t>
             </a:r>
-            <a:endParaRPr lang="en-US" altLang="ko-KR" dirty="0" smtClean="0"/>
+            <a:endParaRPr lang="en-US" altLang="ko-KR" dirty="0"/>
           </a:p>
           <a:p>
             <a:pPr marL="342900" indent="-342900">
@@ -23643,7 +23224,7 @@
               <a:buFontTx/>
               <a:buChar char="-"/>
             </a:pPr>
-            <a:endParaRPr lang="en-US" altLang="ko-KR" dirty="0" smtClean="0"/>
+            <a:endParaRPr lang="en-US" altLang="ko-KR" dirty="0"/>
           </a:p>
           <a:p>
             <a:pPr marL="342900" indent="-342900">
@@ -23663,7 +23244,7 @@
               <a:buFontTx/>
               <a:buChar char="-"/>
             </a:pPr>
-            <a:endParaRPr lang="en-US" altLang="ko-KR" dirty="0" smtClean="0"/>
+            <a:endParaRPr lang="en-US" altLang="ko-KR" dirty="0"/>
           </a:p>
           <a:p>
             <a:pPr marL="342900" indent="-342900">
@@ -23694,43 +23275,43 @@
               <a:buChar char="-"/>
             </a:pPr>
             <a:r>
-              <a:rPr lang="ko-KR" altLang="en-US" dirty="0" smtClean="0"/>
+              <a:rPr lang="ko-KR" altLang="en-US" dirty="0"/>
               <a:t>히스토그램은 </a:t>
             </a:r>
             <a:r>
-              <a:rPr lang="en-US" altLang="ko-KR" dirty="0" err="1" smtClean="0"/>
+              <a:rPr lang="en-US" altLang="ko-KR" dirty="0" err="1"/>
               <a:t>hist</a:t>
             </a:r>
             <a:r>
-              <a:rPr lang="en-US" altLang="ko-KR" dirty="0" smtClean="0"/>
+              <a:rPr lang="en-US" altLang="ko-KR" dirty="0"/>
               <a:t> </a:t>
             </a:r>
             <a:r>
-              <a:rPr lang="ko-KR" altLang="en-US" dirty="0" err="1" smtClean="0"/>
+              <a:rPr lang="ko-KR" altLang="en-US" dirty="0" err="1"/>
               <a:t>메서드</a:t>
             </a:r>
             <a:r>
-              <a:rPr lang="en-US" altLang="ko-KR" dirty="0" smtClean="0"/>
+              <a:rPr lang="en-US" altLang="ko-KR" dirty="0"/>
               <a:t>(</a:t>
             </a:r>
             <a:r>
-              <a:rPr lang="en-US" altLang="ko-KR" dirty="0" err="1" smtClean="0"/>
+              <a:rPr lang="en-US" altLang="ko-KR" dirty="0" err="1"/>
               <a:t>NumPy</a:t>
             </a:r>
             <a:r>
-              <a:rPr lang="ko-KR" altLang="en-US" dirty="0" smtClean="0"/>
+              <a:rPr lang="ko-KR" altLang="en-US" dirty="0"/>
               <a:t>의 </a:t>
             </a:r>
             <a:r>
-              <a:rPr lang="en-US" altLang="ko-KR" dirty="0" smtClean="0"/>
+              <a:rPr lang="en-US" altLang="ko-KR" dirty="0"/>
               <a:t>histogram </a:t>
             </a:r>
             <a:r>
-              <a:rPr lang="ko-KR" altLang="en-US" dirty="0" smtClean="0"/>
+              <a:rPr lang="ko-KR" altLang="en-US" dirty="0"/>
               <a:t>함수와 동일</a:t>
             </a:r>
             <a:r>
-              <a:rPr lang="en-US" altLang="ko-KR" dirty="0" smtClean="0"/>
+              <a:rPr lang="en-US" altLang="ko-KR" dirty="0"/>
               <a:t>)</a:t>
             </a:r>
             <a:endParaRPr lang="ko-KR" altLang="en-US" dirty="0"/>
@@ -23794,7 +23375,7 @@
             <a:p>
               <a:pPr algn="r"/>
               <a:r>
-                <a:rPr lang="en-US" altLang="ko-KR" b="1" smtClean="0">
+                <a:rPr lang="en-US" altLang="ko-KR" b="1">
                   <a:solidFill>
                     <a:srgbClr val="5BC9BC"/>
                   </a:solidFill>
@@ -23802,7 +23383,7 @@
                 <a:t>2.4 </a:t>
               </a:r>
               <a:r>
-                <a:rPr lang="en-US" altLang="ko-KR" b="1" smtClean="0">
+                <a:rPr lang="en-US" altLang="ko-KR" b="1">
                   <a:solidFill>
                     <a:schemeClr val="tx1"/>
                   </a:solidFill>
@@ -23810,7 +23391,7 @@
                 <a:t>1</a:t>
               </a:r>
               <a:r>
-                <a:rPr lang="ko-KR" altLang="en-US" b="1" smtClean="0">
+                <a:rPr lang="ko-KR" altLang="en-US" b="1">
                   <a:solidFill>
                     <a:schemeClr val="tx1"/>
                   </a:solidFill>
@@ -23913,7 +23494,7 @@
             <a:lstStyle/>
             <a:p>
               <a:r>
-                <a:rPr lang="en-US" altLang="ko-KR" sz="2000" b="1" smtClean="0">
+                <a:rPr lang="en-US" altLang="ko-KR" sz="2000" b="1">
                   <a:solidFill>
                     <a:srgbClr val="5BC9BC"/>
                   </a:solidFill>
@@ -23921,7 +23502,7 @@
                 <a:t>2.4.2 </a:t>
               </a:r>
               <a:r>
-                <a:rPr lang="ko-KR" altLang="en-US" sz="2000" b="1" smtClean="0">
+                <a:rPr lang="ko-KR" altLang="en-US" sz="2000" b="1">
                   <a:solidFill>
                     <a:srgbClr val="5BC9BC"/>
                   </a:solidFill>
@@ -24024,13 +23605,6 @@
   <p:clrMapOvr>
     <a:masterClrMapping/>
   </p:clrMapOvr>
-  <p:timing>
-    <p:tnLst>
-      <p:par>
-        <p:cTn id="1" dur="indefinite" restart="never" nodeType="tmRoot"/>
-      </p:par>
-    </p:tnLst>
-  </p:timing>
 </p:sld>
 </file>
 
@@ -24108,7 +23682,7 @@
             <a:p>
               <a:pPr algn="r"/>
               <a:r>
-                <a:rPr lang="en-US" altLang="ko-KR" b="1" smtClean="0">
+                <a:rPr lang="en-US" altLang="ko-KR" b="1">
                   <a:solidFill>
                     <a:srgbClr val="5BC9BC"/>
                   </a:solidFill>
@@ -24116,7 +23690,7 @@
                 <a:t>   2.1</a:t>
               </a:r>
               <a:r>
-                <a:rPr lang="en-US" altLang="ko-KR" b="1" smtClean="0">
+                <a:rPr lang="en-US" altLang="ko-KR" b="1">
                   <a:solidFill>
                     <a:srgbClr val="00CC66"/>
                   </a:solidFill>
@@ -24124,7 +23698,7 @@
                 <a:t> </a:t>
               </a:r>
               <a:r>
-                <a:rPr lang="ko-KR" altLang="en-US" b="1" smtClean="0">
+                <a:rPr lang="ko-KR" altLang="en-US" b="1">
                   <a:solidFill>
                     <a:schemeClr val="tx1"/>
                   </a:solidFill>
@@ -24132,7 +23706,7 @@
                 <a:t>데이터 중심의</a:t>
               </a:r>
               <a:r>
-                <a:rPr lang="en-US" altLang="ko-KR" b="1" smtClean="0">
+                <a:rPr lang="en-US" altLang="ko-KR" b="1">
                   <a:solidFill>
                     <a:schemeClr val="tx1"/>
                   </a:solidFill>
@@ -24140,7 +23714,7 @@
                 <a:t> </a:t>
               </a:r>
               <a:r>
-                <a:rPr lang="ko-KR" altLang="en-US" b="1" smtClean="0">
+                <a:rPr lang="ko-KR" altLang="en-US" b="1">
                   <a:solidFill>
                     <a:schemeClr val="tx1"/>
                   </a:solidFill>
@@ -24225,34 +23799,34 @@
           <a:lstStyle/>
           <a:p>
             <a:r>
-              <a:rPr lang="ko-KR" altLang="en-US" sz="2000" dirty="0" smtClean="0"/>
+              <a:rPr lang="ko-KR" altLang="en-US" sz="2000" dirty="0"/>
               <a:t>학번 순서대로 </a:t>
             </a:r>
             <a:r>
-              <a:rPr lang="en-US" altLang="ko-KR" sz="2000" dirty="0" smtClean="0"/>
+              <a:rPr lang="en-US" altLang="ko-KR" sz="2000" dirty="0"/>
               <a:t>10</a:t>
             </a:r>
             <a:r>
-              <a:rPr lang="ko-KR" altLang="en-US" sz="2000" dirty="0" smtClean="0"/>
+              <a:rPr lang="ko-KR" altLang="en-US" sz="2000" dirty="0"/>
               <a:t>명의 영어 점수를 </a:t>
             </a:r>
             <a:r>
-              <a:rPr lang="en-US" altLang="ko-KR" sz="2000" dirty="0" smtClean="0"/>
+              <a:rPr lang="en-US" altLang="ko-KR" sz="2000" dirty="0"/>
               <a:t>array </a:t>
             </a:r>
             <a:r>
-              <a:rPr lang="ko-KR" altLang="en-US" sz="2000" dirty="0" smtClean="0"/>
+              <a:rPr lang="ko-KR" altLang="en-US" sz="2000" dirty="0"/>
               <a:t>데이터 구조 </a:t>
             </a:r>
             <a:r>
-              <a:rPr lang="en-US" altLang="ko-KR" sz="2000" dirty="0" smtClean="0"/>
+              <a:rPr lang="en-US" altLang="ko-KR" sz="2000" dirty="0"/>
               <a:t>scores</a:t>
             </a:r>
             <a:r>
-              <a:rPr lang="ko-KR" altLang="en-US" sz="2000" dirty="0" smtClean="0"/>
+              <a:rPr lang="ko-KR" altLang="en-US" sz="2000" dirty="0"/>
               <a:t>에 저장</a:t>
             </a:r>
-            <a:endParaRPr lang="en-US" altLang="ko-KR" sz="2000" dirty="0" smtClean="0"/>
+            <a:endParaRPr lang="en-US" altLang="ko-KR" sz="2000" dirty="0"/>
           </a:p>
         </p:txBody>
       </p:sp>
@@ -24343,13 +23917,6 @@
   <p:clrMapOvr>
     <a:masterClrMapping/>
   </p:clrMapOvr>
-  <p:timing>
-    <p:tnLst>
-      <p:par>
-        <p:cTn id="1" dur="indefinite" restart="never" nodeType="tmRoot"/>
-      </p:par>
-    </p:tnLst>
-  </p:timing>
 </p:sld>
 </file>
 
@@ -24427,7 +23994,7 @@
             <a:p>
               <a:pPr algn="r"/>
               <a:r>
-                <a:rPr lang="en-US" altLang="ko-KR" b="1" smtClean="0">
+                <a:rPr lang="en-US" altLang="ko-KR" b="1">
                   <a:solidFill>
                     <a:srgbClr val="5BC9BC"/>
                   </a:solidFill>
@@ -24435,7 +24002,7 @@
                 <a:t>2.4 </a:t>
               </a:r>
               <a:r>
-                <a:rPr lang="en-US" altLang="ko-KR" b="1" smtClean="0">
+                <a:rPr lang="en-US" altLang="ko-KR" b="1">
                   <a:solidFill>
                     <a:schemeClr val="tx1"/>
                   </a:solidFill>
@@ -24443,7 +24010,7 @@
                 <a:t>1</a:t>
               </a:r>
               <a:r>
-                <a:rPr lang="ko-KR" altLang="en-US" b="1" smtClean="0">
+                <a:rPr lang="ko-KR" altLang="en-US" b="1">
                   <a:solidFill>
                     <a:schemeClr val="tx1"/>
                   </a:solidFill>
@@ -24546,7 +24113,7 @@
             <a:lstStyle/>
             <a:p>
               <a:r>
-                <a:rPr lang="en-US" altLang="ko-KR" sz="2000" b="1" smtClean="0">
+                <a:rPr lang="en-US" altLang="ko-KR" sz="2000" b="1">
                   <a:solidFill>
                     <a:srgbClr val="5BC9BC"/>
                   </a:solidFill>
@@ -24554,7 +24121,7 @@
                 <a:t>2.4.2 </a:t>
               </a:r>
               <a:r>
-                <a:rPr lang="ko-KR" altLang="en-US" sz="2000" b="1" smtClean="0">
+                <a:rPr lang="ko-KR" altLang="en-US" sz="2000" b="1">
                   <a:solidFill>
                     <a:srgbClr val="5BC9BC"/>
                   </a:solidFill>
@@ -24657,13 +24224,6 @@
   <p:clrMapOvr>
     <a:masterClrMapping/>
   </p:clrMapOvr>
-  <p:timing>
-    <p:tnLst>
-      <p:par>
-        <p:cTn id="1" dur="indefinite" restart="never" nodeType="tmRoot"/>
-      </p:par>
-    </p:tnLst>
-  </p:timing>
 </p:sld>
 </file>
 
@@ -24741,7 +24301,7 @@
             <a:p>
               <a:pPr algn="r"/>
               <a:r>
-                <a:rPr lang="en-US" altLang="ko-KR" b="1" smtClean="0">
+                <a:rPr lang="en-US" altLang="ko-KR" b="1">
                   <a:solidFill>
                     <a:srgbClr val="5BC9BC"/>
                   </a:solidFill>
@@ -24749,7 +24309,7 @@
                 <a:t>2.4 </a:t>
               </a:r>
               <a:r>
-                <a:rPr lang="en-US" altLang="ko-KR" b="1" smtClean="0">
+                <a:rPr lang="en-US" altLang="ko-KR" b="1">
                   <a:solidFill>
                     <a:schemeClr val="tx1"/>
                   </a:solidFill>
@@ -24757,7 +24317,7 @@
                 <a:t>1</a:t>
               </a:r>
               <a:r>
-                <a:rPr lang="ko-KR" altLang="en-US" b="1" smtClean="0">
+                <a:rPr lang="ko-KR" altLang="en-US" b="1">
                   <a:solidFill>
                     <a:schemeClr val="tx1"/>
                   </a:solidFill>
@@ -24860,7 +24420,7 @@
             <a:lstStyle/>
             <a:p>
               <a:r>
-                <a:rPr lang="en-US" altLang="ko-KR" sz="2000" b="1" smtClean="0">
+                <a:rPr lang="en-US" altLang="ko-KR" sz="2000" b="1">
                   <a:solidFill>
                     <a:srgbClr val="5BC9BC"/>
                   </a:solidFill>
@@ -24868,7 +24428,7 @@
                 <a:t>2.4.2 </a:t>
               </a:r>
               <a:r>
-                <a:rPr lang="ko-KR" altLang="en-US" sz="2000" b="1" smtClean="0">
+                <a:rPr lang="ko-KR" altLang="en-US" sz="2000" b="1">
                   <a:solidFill>
                     <a:srgbClr val="5BC9BC"/>
                   </a:solidFill>
@@ -24981,13 +24541,6 @@
   <p:clrMapOvr>
     <a:masterClrMapping/>
   </p:clrMapOvr>
-  <p:timing>
-    <p:tnLst>
-      <p:par>
-        <p:cTn id="1" dur="indefinite" restart="never" nodeType="tmRoot"/>
-      </p:par>
-    </p:tnLst>
-  </p:timing>
 </p:sld>
 </file>
 
@@ -25035,38 +24588,37 @@
               <a:buChar char="-"/>
             </a:pPr>
             <a:r>
-              <a:rPr lang="ko-KR" altLang="en-US" dirty="0" err="1" smtClean="0"/>
+              <a:rPr lang="ko-KR" altLang="en-US" dirty="0" err="1"/>
               <a:t>계급수를</a:t>
             </a:r>
             <a:r>
-              <a:rPr lang="ko-KR" altLang="en-US" dirty="0" smtClean="0"/>
+              <a:rPr lang="ko-KR" altLang="en-US" dirty="0"/>
               <a:t> </a:t>
             </a:r>
             <a:r>
-              <a:rPr lang="en-US" altLang="ko-KR" dirty="0" smtClean="0"/>
+              <a:rPr lang="en-US" altLang="ko-KR" dirty="0"/>
               <a:t>25, </a:t>
             </a:r>
             <a:r>
-              <a:rPr lang="ko-KR" altLang="en-US" dirty="0" smtClean="0"/>
+              <a:rPr lang="ko-KR" altLang="en-US" dirty="0"/>
               <a:t>즉 </a:t>
             </a:r>
             <a:r>
-              <a:rPr lang="ko-KR" altLang="en-US" dirty="0" err="1" smtClean="0"/>
+              <a:rPr lang="ko-KR" altLang="en-US" dirty="0" err="1"/>
               <a:t>계급폭을</a:t>
             </a:r>
             <a:r>
-              <a:rPr lang="ko-KR" altLang="en-US" dirty="0" smtClean="0"/>
+              <a:rPr lang="ko-KR" altLang="en-US" dirty="0"/>
               <a:t> </a:t>
             </a:r>
             <a:r>
-              <a:rPr lang="en-US" altLang="ko-KR" dirty="0" smtClean="0"/>
+              <a:rPr lang="en-US" altLang="ko-KR" dirty="0"/>
               <a:t>4</a:t>
             </a:r>
             <a:r>
-              <a:rPr lang="ko-KR" altLang="en-US" dirty="0" smtClean="0"/>
+              <a:rPr lang="ko-KR" altLang="en-US" dirty="0"/>
               <a:t>점으로 하는 히스토그램을 누적 상대도수의 꺾은선 그래프와 함께 그림</a:t>
             </a:r>
-            <a:endParaRPr lang="ko-KR" altLang="en-US" dirty="0"/>
           </a:p>
         </p:txBody>
       </p:sp>
@@ -25127,7 +24679,7 @@
             <a:p>
               <a:pPr algn="r"/>
               <a:r>
-                <a:rPr lang="en-US" altLang="ko-KR" b="1" smtClean="0">
+                <a:rPr lang="en-US" altLang="ko-KR" b="1">
                   <a:solidFill>
                     <a:srgbClr val="5BC9BC"/>
                   </a:solidFill>
@@ -25135,7 +24687,7 @@
                 <a:t>2.4 </a:t>
               </a:r>
               <a:r>
-                <a:rPr lang="en-US" altLang="ko-KR" b="1" smtClean="0">
+                <a:rPr lang="en-US" altLang="ko-KR" b="1">
                   <a:solidFill>
                     <a:schemeClr val="tx1"/>
                   </a:solidFill>
@@ -25143,7 +24695,7 @@
                 <a:t>1</a:t>
               </a:r>
               <a:r>
-                <a:rPr lang="ko-KR" altLang="en-US" b="1" smtClean="0">
+                <a:rPr lang="ko-KR" altLang="en-US" b="1">
                   <a:solidFill>
                     <a:schemeClr val="tx1"/>
                   </a:solidFill>
@@ -25246,7 +24798,7 @@
             <a:lstStyle/>
             <a:p>
               <a:r>
-                <a:rPr lang="en-US" altLang="ko-KR" sz="2000" b="1" smtClean="0">
+                <a:rPr lang="en-US" altLang="ko-KR" sz="2000" b="1">
                   <a:solidFill>
                     <a:srgbClr val="5BC9BC"/>
                   </a:solidFill>
@@ -25254,7 +24806,7 @@
                 <a:t>2.4.2 </a:t>
               </a:r>
               <a:r>
-                <a:rPr lang="ko-KR" altLang="en-US" sz="2000" b="1" smtClean="0">
+                <a:rPr lang="ko-KR" altLang="en-US" sz="2000" b="1">
                   <a:solidFill>
                     <a:srgbClr val="5BC9BC"/>
                   </a:solidFill>
@@ -25357,13 +24909,6 @@
   <p:clrMapOvr>
     <a:masterClrMapping/>
   </p:clrMapOvr>
-  <p:timing>
-    <p:tnLst>
-      <p:par>
-        <p:cTn id="1" dur="indefinite" restart="never" nodeType="tmRoot"/>
-      </p:par>
-    </p:tnLst>
-  </p:timing>
 </p:sld>
 </file>
 
@@ -25411,23 +24956,23 @@
               <a:buChar char="-"/>
             </a:pPr>
             <a:r>
-              <a:rPr lang="ko-KR" altLang="en-US" sz="2000" smtClean="0"/>
+              <a:rPr lang="ko-KR" altLang="en-US" sz="2000"/>
               <a:t>계급수를 </a:t>
             </a:r>
             <a:r>
-              <a:rPr lang="en-US" altLang="ko-KR" sz="2000" smtClean="0"/>
+              <a:rPr lang="en-US" altLang="ko-KR" sz="2000"/>
               <a:t>25, </a:t>
             </a:r>
             <a:r>
-              <a:rPr lang="ko-KR" altLang="en-US" sz="2000" smtClean="0"/>
+              <a:rPr lang="ko-KR" altLang="en-US" sz="2000"/>
               <a:t>즉 계급폭을 </a:t>
             </a:r>
             <a:r>
-              <a:rPr lang="en-US" altLang="ko-KR" sz="2000" smtClean="0"/>
+              <a:rPr lang="en-US" altLang="ko-KR" sz="2000"/>
               <a:t>4</a:t>
             </a:r>
             <a:r>
-              <a:rPr lang="ko-KR" altLang="en-US" sz="2000" smtClean="0"/>
+              <a:rPr lang="ko-KR" altLang="en-US" sz="2000"/>
               <a:t>점으로 하는 히스토그램을 누적 상대도수의 꺾은선 그래프와 함께 그림</a:t>
             </a:r>
             <a:endParaRPr lang="ko-KR" altLang="en-US" sz="2000" dirty="0"/>
@@ -25491,7 +25036,7 @@
             <a:p>
               <a:pPr algn="r"/>
               <a:r>
-                <a:rPr lang="en-US" altLang="ko-KR" b="1" smtClean="0">
+                <a:rPr lang="en-US" altLang="ko-KR" b="1">
                   <a:solidFill>
                     <a:srgbClr val="5BC9BC"/>
                   </a:solidFill>
@@ -25499,7 +25044,7 @@
                 <a:t>2.4 </a:t>
               </a:r>
               <a:r>
-                <a:rPr lang="en-US" altLang="ko-KR" b="1" smtClean="0">
+                <a:rPr lang="en-US" altLang="ko-KR" b="1">
                   <a:solidFill>
                     <a:schemeClr val="tx1"/>
                   </a:solidFill>
@@ -25507,7 +25052,7 @@
                 <a:t>1</a:t>
               </a:r>
               <a:r>
-                <a:rPr lang="ko-KR" altLang="en-US" b="1" smtClean="0">
+                <a:rPr lang="ko-KR" altLang="en-US" b="1">
                   <a:solidFill>
                     <a:schemeClr val="tx1"/>
                   </a:solidFill>
@@ -25610,7 +25155,7 @@
             <a:lstStyle/>
             <a:p>
               <a:r>
-                <a:rPr lang="en-US" altLang="ko-KR" sz="2000" b="1" smtClean="0">
+                <a:rPr lang="en-US" altLang="ko-KR" sz="2000" b="1">
                   <a:solidFill>
                     <a:srgbClr val="5BC9BC"/>
                   </a:solidFill>
@@ -25618,7 +25163,7 @@
                 <a:t>2.4.2 </a:t>
               </a:r>
               <a:r>
-                <a:rPr lang="ko-KR" altLang="en-US" sz="2000" b="1" smtClean="0">
+                <a:rPr lang="ko-KR" altLang="en-US" sz="2000" b="1">
                   <a:solidFill>
                     <a:srgbClr val="5BC9BC"/>
                   </a:solidFill>
@@ -25731,13 +25276,6 @@
   <p:clrMapOvr>
     <a:masterClrMapping/>
   </p:clrMapOvr>
-  <p:timing>
-    <p:tnLst>
-      <p:par>
-        <p:cTn id="1" dur="indefinite" restart="never" nodeType="tmRoot"/>
-      </p:par>
-    </p:tnLst>
-  </p:timing>
 </p:sld>
 </file>
 
@@ -25785,10 +25323,10 @@
               <a:buChar char="-"/>
             </a:pPr>
             <a:r>
-              <a:rPr lang="ko-KR" altLang="en-US" sz="2000" smtClean="0"/>
+              <a:rPr lang="ko-KR" altLang="en-US" sz="2000"/>
               <a:t>데이터의 분포와 이상값을 시각적으로 파악 가능</a:t>
             </a:r>
-            <a:endParaRPr lang="en-US" altLang="ko-KR" sz="2000" smtClean="0"/>
+            <a:endParaRPr lang="en-US" altLang="ko-KR" sz="2000"/>
           </a:p>
           <a:p>
             <a:pPr marL="342900" indent="-342900">
@@ -25802,7 +25340,7 @@
               <a:buFontTx/>
               <a:buChar char="-"/>
             </a:pPr>
-            <a:endParaRPr lang="en-US" altLang="ko-KR" sz="2000" smtClean="0"/>
+            <a:endParaRPr lang="en-US" altLang="ko-KR" sz="2000"/>
           </a:p>
           <a:p>
             <a:pPr marL="342900" indent="-342900">
@@ -25877,7 +25415,7 @@
             <a:p>
               <a:pPr algn="r"/>
               <a:r>
-                <a:rPr lang="en-US" altLang="ko-KR" b="1" smtClean="0">
+                <a:rPr lang="en-US" altLang="ko-KR" b="1">
                   <a:solidFill>
                     <a:srgbClr val="5BC9BC"/>
                   </a:solidFill>
@@ -25885,7 +25423,7 @@
                 <a:t>2.4 </a:t>
               </a:r>
               <a:r>
-                <a:rPr lang="en-US" altLang="ko-KR" b="1" smtClean="0">
+                <a:rPr lang="en-US" altLang="ko-KR" b="1">
                   <a:solidFill>
                     <a:schemeClr val="tx1"/>
                   </a:solidFill>
@@ -25893,7 +25431,7 @@
                 <a:t>1</a:t>
               </a:r>
               <a:r>
-                <a:rPr lang="ko-KR" altLang="en-US" b="1" smtClean="0">
+                <a:rPr lang="ko-KR" altLang="en-US" b="1">
                   <a:solidFill>
                     <a:schemeClr val="tx1"/>
                   </a:solidFill>
@@ -25996,7 +25534,7 @@
             <a:lstStyle/>
             <a:p>
               <a:r>
-                <a:rPr lang="en-US" altLang="ko-KR" sz="2000" b="1" smtClean="0">
+                <a:rPr lang="en-US" altLang="ko-KR" sz="2000" b="1">
                   <a:solidFill>
                     <a:srgbClr val="5BC9BC"/>
                   </a:solidFill>
@@ -26004,7 +25542,7 @@
                 <a:t>2.4.3 </a:t>
               </a:r>
               <a:r>
-                <a:rPr lang="ko-KR" altLang="en-US" sz="2000" b="1" smtClean="0">
+                <a:rPr lang="ko-KR" altLang="en-US" sz="2000" b="1">
                   <a:solidFill>
                     <a:srgbClr val="5BC9BC"/>
                   </a:solidFill>
@@ -26294,7 +25832,7 @@
           <a:lstStyle/>
           <a:p>
             <a:r>
-              <a:rPr lang="en-US" altLang="ko-KR" sz="1200" b="1" dirty="0" smtClean="0">
+              <a:rPr lang="en-US" altLang="ko-KR" sz="1200" b="1" dirty="0">
                 <a:solidFill>
                   <a:srgbClr val="FF0000"/>
                 </a:solidFill>
@@ -26302,18 +25840,13 @@
               <a:t>(1, 1, 1)</a:t>
             </a:r>
             <a:r>
-              <a:rPr lang="ko-KR" altLang="en-US" sz="1200" b="1" dirty="0" smtClean="0">
+              <a:rPr lang="ko-KR" altLang="en-US" sz="1200" b="1" dirty="0">
                 <a:solidFill>
                   <a:srgbClr val="FF0000"/>
                 </a:solidFill>
               </a:rPr>
               <a:t>과 동일</a:t>
             </a:r>
-            <a:endParaRPr lang="ko-KR" altLang="en-US" sz="1200" b="1" dirty="0">
-              <a:solidFill>
-                <a:srgbClr val="FF0000"/>
-              </a:solidFill>
-            </a:endParaRPr>
           </a:p>
         </p:txBody>
       </p:sp>
@@ -26327,13 +25860,6 @@
   <p:clrMapOvr>
     <a:masterClrMapping/>
   </p:clrMapOvr>
-  <p:timing>
-    <p:tnLst>
-      <p:par>
-        <p:cTn id="1" dur="indefinite" restart="never" nodeType="tmRoot"/>
-      </p:par>
-    </p:tnLst>
-  </p:timing>
 </p:sld>
 </file>
 
@@ -26411,7 +25937,7 @@
             <a:p>
               <a:pPr algn="r"/>
               <a:r>
-                <a:rPr lang="en-US" altLang="ko-KR" b="1" smtClean="0">
+                <a:rPr lang="en-US" altLang="ko-KR" b="1">
                   <a:solidFill>
                     <a:srgbClr val="5BC9BC"/>
                   </a:solidFill>
@@ -26419,7 +25945,7 @@
                 <a:t>2.4 </a:t>
               </a:r>
               <a:r>
-                <a:rPr lang="en-US" altLang="ko-KR" b="1" smtClean="0">
+                <a:rPr lang="en-US" altLang="ko-KR" b="1">
                   <a:solidFill>
                     <a:schemeClr val="tx1"/>
                   </a:solidFill>
@@ -26427,7 +25953,7 @@
                 <a:t>1</a:t>
               </a:r>
               <a:r>
-                <a:rPr lang="ko-KR" altLang="en-US" b="1" smtClean="0">
+                <a:rPr lang="ko-KR" altLang="en-US" b="1">
                   <a:solidFill>
                     <a:schemeClr val="tx1"/>
                   </a:solidFill>
@@ -26530,7 +26056,7 @@
             <a:lstStyle/>
             <a:p>
               <a:r>
-                <a:rPr lang="en-US" altLang="ko-KR" sz="2000" b="1" smtClean="0">
+                <a:rPr lang="en-US" altLang="ko-KR" sz="2000" b="1">
                   <a:solidFill>
                     <a:srgbClr val="5BC9BC"/>
                   </a:solidFill>
@@ -26538,7 +26064,7 @@
                 <a:t>2.4.3 </a:t>
               </a:r>
               <a:r>
-                <a:rPr lang="ko-KR" altLang="en-US" sz="2000" b="1" smtClean="0">
+                <a:rPr lang="ko-KR" altLang="en-US" sz="2000" b="1">
                   <a:solidFill>
                     <a:srgbClr val="5BC9BC"/>
                   </a:solidFill>
@@ -26695,13 +26221,6 @@
   <p:clrMapOvr>
     <a:masterClrMapping/>
   </p:clrMapOvr>
-  <p:timing>
-    <p:tnLst>
-      <p:par>
-        <p:cTn id="1" dur="indefinite" restart="never" nodeType="tmRoot"/>
-      </p:par>
-    </p:tnLst>
-  </p:timing>
 </p:sld>
 </file>
 
@@ -26746,7 +26265,7 @@
           <a:p>
             <a:pPr algn="ctr"/>
             <a:r>
-              <a:rPr lang="en-US" altLang="ko-KR" sz="7200" b="1" dirty="0" smtClean="0">
+              <a:rPr lang="en-US" altLang="ko-KR" sz="7200" b="1" dirty="0">
                 <a:solidFill>
                   <a:srgbClr val="5BC9BC"/>
                 </a:solidFill>
@@ -26771,13 +26290,6 @@
   <p:clrMapOvr>
     <a:masterClrMapping/>
   </p:clrMapOvr>
-  <p:timing>
-    <p:tnLst>
-      <p:par>
-        <p:cTn id="1" dur="indefinite" restart="never" nodeType="tmRoot"/>
-      </p:par>
-    </p:tnLst>
-  </p:timing>
 </p:sld>
 </file>
 
@@ -26855,7 +26367,7 @@
             <a:p>
               <a:pPr algn="r"/>
               <a:r>
-                <a:rPr lang="en-US" altLang="ko-KR" b="1" smtClean="0">
+                <a:rPr lang="en-US" altLang="ko-KR" b="1">
                   <a:solidFill>
                     <a:srgbClr val="5BC9BC"/>
                   </a:solidFill>
@@ -26863,7 +26375,7 @@
                 <a:t>   2.1</a:t>
               </a:r>
               <a:r>
-                <a:rPr lang="en-US" altLang="ko-KR" b="1" smtClean="0">
+                <a:rPr lang="en-US" altLang="ko-KR" b="1">
                   <a:solidFill>
                     <a:srgbClr val="00CC66"/>
                   </a:solidFill>
@@ -26871,7 +26383,7 @@
                 <a:t> </a:t>
               </a:r>
               <a:r>
-                <a:rPr lang="ko-KR" altLang="en-US" b="1" smtClean="0">
+                <a:rPr lang="ko-KR" altLang="en-US" b="1">
                   <a:solidFill>
                     <a:schemeClr val="tx1"/>
                   </a:solidFill>
@@ -26879,7 +26391,7 @@
                 <a:t>데이터 중심의</a:t>
               </a:r>
               <a:r>
-                <a:rPr lang="en-US" altLang="ko-KR" b="1" smtClean="0">
+                <a:rPr lang="en-US" altLang="ko-KR" b="1">
                   <a:solidFill>
                     <a:schemeClr val="tx1"/>
                   </a:solidFill>
@@ -26887,7 +26399,7 @@
                 <a:t> </a:t>
               </a:r>
               <a:r>
-                <a:rPr lang="ko-KR" altLang="en-US" b="1" smtClean="0">
+                <a:rPr lang="ko-KR" altLang="en-US" b="1">
                   <a:solidFill>
                     <a:schemeClr val="tx1"/>
                   </a:solidFill>
@@ -27026,26 +26538,26 @@
           <a:lstStyle/>
           <a:p>
             <a:r>
-              <a:rPr lang="ko-KR" altLang="en-US" sz="2000" dirty="0" smtClean="0"/>
+              <a:rPr lang="ko-KR" altLang="en-US" sz="2000" dirty="0"/>
               <a:t>데이터프레임</a:t>
             </a:r>
             <a:r>
-              <a:rPr lang="en-US" altLang="ko-KR" sz="2000" dirty="0" smtClean="0"/>
+              <a:rPr lang="en-US" altLang="ko-KR" sz="2000" dirty="0"/>
               <a:t> </a:t>
             </a:r>
             <a:r>
-              <a:rPr lang="en-US" altLang="ko-KR" sz="2000" dirty="0" err="1" smtClean="0"/>
+              <a:rPr lang="en-US" altLang="ko-KR" sz="2000" dirty="0" err="1"/>
               <a:t>scores_df</a:t>
             </a:r>
             <a:r>
-              <a:rPr lang="en-US" altLang="ko-KR" sz="2000" dirty="0" smtClean="0"/>
+              <a:rPr lang="en-US" altLang="ko-KR" sz="2000" dirty="0"/>
               <a:t> </a:t>
             </a:r>
             <a:r>
-              <a:rPr lang="ko-KR" altLang="en-US" sz="2000" dirty="0" smtClean="0"/>
+              <a:rPr lang="ko-KR" altLang="en-US" sz="2000" dirty="0"/>
               <a:t>작성</a:t>
             </a:r>
-            <a:endParaRPr lang="en-US" altLang="ko-KR" sz="2000" dirty="0" smtClean="0"/>
+            <a:endParaRPr lang="en-US" altLang="ko-KR" sz="2000" dirty="0"/>
           </a:p>
         </p:txBody>
       </p:sp>
@@ -27146,13 +26658,6 @@
   <p:clrMapOvr>
     <a:masterClrMapping/>
   </p:clrMapOvr>
-  <p:timing>
-    <p:tnLst>
-      <p:par>
-        <p:cTn id="1" dur="indefinite" restart="never" nodeType="tmRoot"/>
-      </p:par>
-    </p:tnLst>
-  </p:timing>
 </p:sld>
 </file>
 
@@ -27230,7 +26735,7 @@
             <a:p>
               <a:pPr algn="r"/>
               <a:r>
-                <a:rPr lang="en-US" altLang="ko-KR" b="1" smtClean="0">
+                <a:rPr lang="en-US" altLang="ko-KR" b="1">
                   <a:solidFill>
                     <a:srgbClr val="5BC9BC"/>
                   </a:solidFill>
@@ -27238,7 +26743,7 @@
                 <a:t>2.1 </a:t>
               </a:r>
               <a:r>
-                <a:rPr lang="ko-KR" altLang="en-US" b="1" smtClean="0">
+                <a:rPr lang="ko-KR" altLang="en-US" b="1">
                   <a:solidFill>
                     <a:schemeClr val="tx1"/>
                   </a:solidFill>
@@ -27341,7 +26846,7 @@
             <a:lstStyle/>
             <a:p>
               <a:r>
-                <a:rPr lang="en-US" altLang="ko-KR" sz="2000" b="1" smtClean="0">
+                <a:rPr lang="en-US" altLang="ko-KR" sz="2000" b="1">
                   <a:solidFill>
                     <a:srgbClr val="5BC9BC"/>
                   </a:solidFill>
@@ -27349,7 +26854,7 @@
                 <a:t>2.1.1 </a:t>
               </a:r>
               <a:r>
-                <a:rPr lang="ko-KR" altLang="en-US" sz="2000" b="1" smtClean="0">
+                <a:rPr lang="ko-KR" altLang="en-US" sz="2000" b="1">
                   <a:solidFill>
                     <a:srgbClr val="5BC9BC"/>
                   </a:solidFill>
@@ -27388,7 +26893,7 @@
         </p:blipFill>
         <p:spPr bwMode="auto">
           <a:xfrm>
-            <a:off x="1176338" y="1975495"/>
+            <a:off x="1331640" y="4414859"/>
             <a:ext cx="6791325" cy="733425"/>
           </a:xfrm>
           <a:prstGeom prst="rect">
@@ -27442,7 +26947,7 @@
         </p:blipFill>
         <p:spPr bwMode="auto">
           <a:xfrm>
-            <a:off x="2231740" y="4149080"/>
+            <a:off x="2231740" y="3116727"/>
             <a:ext cx="4680520" cy="752069"/>
           </a:xfrm>
           <a:prstGeom prst="rect">
@@ -27497,21 +27002,17 @@
           <a:p>
             <a:r>
               <a:rPr lang="ko-KR" altLang="en-US" sz="2000" dirty="0"/>
-              <a:t>평</a:t>
-            </a:r>
-            <a:r>
-              <a:rPr lang="ko-KR" altLang="en-US" sz="2000" dirty="0" smtClean="0"/>
-              <a:t>균값은 데이터를 모두 더한 뒤</a:t>
-            </a:r>
-            <a:r>
-              <a:rPr lang="en-US" altLang="ko-KR" sz="2000" dirty="0" smtClean="0"/>
+              <a:t>평균값은 데이터를 모두 더한 뒤</a:t>
+            </a:r>
+            <a:r>
+              <a:rPr lang="en-US" altLang="ko-KR" sz="2000" dirty="0"/>
               <a:t>, </a:t>
             </a:r>
             <a:r>
-              <a:rPr lang="ko-KR" altLang="en-US" sz="2000" dirty="0" smtClean="0"/>
+              <a:rPr lang="ko-KR" altLang="en-US" sz="2000" dirty="0"/>
               <a:t>데이터의 개수로 나누어 구함</a:t>
             </a:r>
-            <a:endParaRPr lang="en-US" altLang="ko-KR" sz="2000" dirty="0" smtClean="0"/>
+            <a:endParaRPr lang="en-US" altLang="ko-KR" sz="2000" dirty="0"/>
           </a:p>
         </p:txBody>
       </p:sp>
@@ -27548,13 +27049,6 @@
   <p:clrMapOvr>
     <a:masterClrMapping/>
   </p:clrMapOvr>
-  <p:timing>
-    <p:tnLst>
-      <p:par>
-        <p:cTn id="1" dur="indefinite" restart="never" nodeType="tmRoot"/>
-      </p:par>
-    </p:tnLst>
-  </p:timing>
 </p:sld>
 </file>
 
@@ -27632,7 +27126,7 @@
             <a:p>
               <a:pPr algn="r"/>
               <a:r>
-                <a:rPr lang="en-US" altLang="ko-KR" b="1" smtClean="0">
+                <a:rPr lang="en-US" altLang="ko-KR" b="1">
                   <a:solidFill>
                     <a:srgbClr val="5BC9BC"/>
                   </a:solidFill>
@@ -27640,7 +27134,7 @@
                 <a:t>2.1 </a:t>
               </a:r>
               <a:r>
-                <a:rPr lang="ko-KR" altLang="en-US" b="1" smtClean="0">
+                <a:rPr lang="ko-KR" altLang="en-US" b="1">
                   <a:solidFill>
                     <a:schemeClr val="tx1"/>
                   </a:solidFill>
@@ -27743,7 +27237,7 @@
             <a:lstStyle/>
             <a:p>
               <a:r>
-                <a:rPr lang="en-US" altLang="ko-KR" sz="2000" b="1" smtClean="0">
+                <a:rPr lang="en-US" altLang="ko-KR" sz="2000" b="1">
                   <a:solidFill>
                     <a:srgbClr val="5BC9BC"/>
                   </a:solidFill>
@@ -27751,7 +27245,7 @@
                 <a:t>2.1.1 </a:t>
               </a:r>
               <a:r>
-                <a:rPr lang="ko-KR" altLang="en-US" sz="2000" b="1" smtClean="0">
+                <a:rPr lang="ko-KR" altLang="en-US" sz="2000" b="1">
                   <a:solidFill>
                     <a:srgbClr val="5BC9BC"/>
                   </a:solidFill>
@@ -27803,7 +27297,7 @@
                           <m:chr m:val="∑"/>
                           <m:ctrlPr>
                             <a:rPr lang="pt-BR" altLang="ko-KR" i="1" smtClean="0">
-                              <a:latin typeface="Cambria Math"/>
+                              <a:latin typeface="Cambria Math" panose="02040503050406030204" pitchFamily="18" charset="0"/>
                             </a:rPr>
                           </m:ctrlPr>
                         </m:naryPr>
@@ -27920,46 +27414,45 @@
           <a:lstStyle/>
           <a:p>
             <a:r>
-              <a:rPr lang="en-US" altLang="ko-KR" dirty="0" smtClean="0"/>
+              <a:rPr lang="en-US" altLang="ko-KR" dirty="0"/>
               <a:t>sum(scores)</a:t>
             </a:r>
             <a:r>
-              <a:rPr lang="ko-KR" altLang="en-US" dirty="0" smtClean="0"/>
+              <a:rPr lang="ko-KR" altLang="en-US" dirty="0"/>
               <a:t>이          </a:t>
             </a:r>
             <a:r>
-              <a:rPr lang="en-US" altLang="ko-KR" dirty="0" smtClean="0"/>
+              <a:rPr lang="en-US" altLang="ko-KR" dirty="0"/>
               <a:t>, </a:t>
             </a:r>
             <a:r>
-              <a:rPr lang="en-US" altLang="ko-KR" dirty="0" err="1" smtClean="0"/>
+              <a:rPr lang="en-US" altLang="ko-KR" dirty="0" err="1"/>
               <a:t>len</a:t>
             </a:r>
             <a:r>
-              <a:rPr lang="en-US" altLang="ko-KR" dirty="0" smtClean="0"/>
+              <a:rPr lang="en-US" altLang="ko-KR" dirty="0"/>
               <a:t>(scores)</a:t>
             </a:r>
             <a:r>
-              <a:rPr lang="ko-KR" altLang="en-US" dirty="0" smtClean="0"/>
+              <a:rPr lang="ko-KR" altLang="en-US" dirty="0"/>
               <a:t>이 </a:t>
             </a:r>
             <a:r>
-              <a:rPr lang="en-US" altLang="ko-KR" i="1" dirty="0" smtClean="0"/>
+              <a:rPr lang="en-US" altLang="ko-KR" i="1" dirty="0"/>
               <a:t>n</a:t>
             </a:r>
             <a:r>
-              <a:rPr lang="ko-KR" altLang="en-US" dirty="0" smtClean="0"/>
+              <a:rPr lang="ko-KR" altLang="en-US" dirty="0"/>
               <a:t>에</a:t>
             </a:r>
             <a:r>
-              <a:rPr lang="en-US" altLang="ko-KR" dirty="0" smtClean="0"/>
+              <a:rPr lang="en-US" altLang="ko-KR" dirty="0"/>
               <a:t> </a:t>
             </a:r>
             <a:r>
-              <a:rPr lang="ko-KR" altLang="en-US" dirty="0" smtClean="0"/>
+              <a:rPr lang="ko-KR" altLang="en-US" dirty="0"/>
               <a:t>대응</a:t>
             </a:r>
-            <a:endParaRPr lang="ko-KR" altLang="en-US" dirty="0"/>
           </a:p>
         </p:txBody>
       </p:sp>
@@ -28188,13 +27681,6 @@
   <p:clrMapOvr>
     <a:masterClrMapping/>
   </p:clrMapOvr>
-  <p:timing>
-    <p:tnLst>
-      <p:par>
-        <p:cTn id="1" dur="indefinite" restart="never" nodeType="tmRoot"/>
-      </p:par>
-    </p:tnLst>
-  </p:timing>
 </p:sld>
 </file>
 
@@ -28272,7 +27758,7 @@
             <a:p>
               <a:pPr algn="r"/>
               <a:r>
-                <a:rPr lang="en-US" altLang="ko-KR" b="1" smtClean="0">
+                <a:rPr lang="en-US" altLang="ko-KR" b="1">
                   <a:solidFill>
                     <a:srgbClr val="5BC9BC"/>
                   </a:solidFill>
@@ -28280,7 +27766,7 @@
                 <a:t>2.1 </a:t>
               </a:r>
               <a:r>
-                <a:rPr lang="ko-KR" altLang="en-US" b="1" smtClean="0">
+                <a:rPr lang="ko-KR" altLang="en-US" b="1">
                   <a:solidFill>
                     <a:schemeClr val="tx1"/>
                   </a:solidFill>
@@ -28383,7 +27869,7 @@
             <a:lstStyle/>
             <a:p>
               <a:r>
-                <a:rPr lang="en-US" altLang="ko-KR" sz="2000" b="1" dirty="0" smtClean="0">
+                <a:rPr lang="en-US" altLang="ko-KR" sz="2000" b="1" dirty="0">
                   <a:solidFill>
                     <a:srgbClr val="5BC9BC"/>
                   </a:solidFill>
@@ -28391,7 +27877,7 @@
                 <a:t>2.1.1 </a:t>
               </a:r>
               <a:r>
-                <a:rPr lang="ko-KR" altLang="en-US" sz="2000" b="1" dirty="0" smtClean="0">
+                <a:rPr lang="ko-KR" altLang="en-US" sz="2000" b="1" dirty="0">
                   <a:solidFill>
                     <a:srgbClr val="5BC9BC"/>
                   </a:solidFill>
@@ -28399,7 +27885,7 @@
                 <a:t>참고 </a:t>
               </a:r>
               <a:r>
-                <a:rPr lang="en-US" altLang="ko-KR" sz="2000" b="1" dirty="0" smtClean="0">
+                <a:rPr lang="en-US" altLang="ko-KR" sz="2000" b="1" dirty="0">
                   <a:solidFill>
                     <a:srgbClr val="5BC9BC"/>
                   </a:solidFill>
@@ -28407,7 +27893,7 @@
                 <a:t>: </a:t>
               </a:r>
               <a:r>
-                <a:rPr lang="ko-KR" altLang="en-US" sz="2000" b="1" dirty="0" smtClean="0">
+                <a:rPr lang="ko-KR" altLang="en-US" sz="2000" b="1" dirty="0">
                   <a:solidFill>
                     <a:srgbClr val="5BC9BC"/>
                   </a:solidFill>
@@ -28485,13 +27971,6 @@
   <p:clrMapOvr>
     <a:masterClrMapping/>
   </p:clrMapOvr>
-  <p:timing>
-    <p:tnLst>
-      <p:par>
-        <p:cTn id="1" dur="indefinite" restart="never" nodeType="tmRoot"/>
-      </p:par>
-    </p:tnLst>
-  </p:timing>
 </p:sld>
 </file>
 
